--- a/Ung-buou/Benh-an/Benh-an_Ung-thu-gan_Louis-Nguyen.pptx
+++ b/Ung-buou/Benh-an/Benh-an_Ung-thu-gan_Louis-Nguyen.pptx
@@ -5,7 +5,7 @@
     <p:sldMasterId id="2147483676" r:id="rId1"/>
   </p:sldMasterIdLst>
   <p:notesMasterIdLst>
-    <p:notesMasterId r:id="rId26"/>
+    <p:notesMasterId r:id="rId27"/>
   </p:notesMasterIdLst>
   <p:sldIdLst>
     <p:sldId id="256" r:id="rId2"/>
@@ -25,23 +25,24 @@
     <p:sldId id="296" r:id="rId16"/>
     <p:sldId id="297" r:id="rId17"/>
     <p:sldId id="295" r:id="rId18"/>
-    <p:sldId id="287" r:id="rId19"/>
-    <p:sldId id="304" r:id="rId20"/>
-    <p:sldId id="305" r:id="rId21"/>
-    <p:sldId id="306" r:id="rId22"/>
-    <p:sldId id="301" r:id="rId23"/>
-    <p:sldId id="299" r:id="rId24"/>
-    <p:sldId id="307" r:id="rId25"/>
+    <p:sldId id="308" r:id="rId19"/>
+    <p:sldId id="287" r:id="rId20"/>
+    <p:sldId id="304" r:id="rId21"/>
+    <p:sldId id="305" r:id="rId22"/>
+    <p:sldId id="306" r:id="rId23"/>
+    <p:sldId id="301" r:id="rId24"/>
+    <p:sldId id="299" r:id="rId25"/>
+    <p:sldId id="307" r:id="rId26"/>
   </p:sldIdLst>
   <p:sldSz cx="9144000" cy="5143500" type="screen16x9"/>
   <p:notesSz cx="6858000" cy="9144000"/>
   <p:embeddedFontLst>
     <p:embeddedFont>
       <p:font typeface="Montserrat" panose="00000500000000000000" pitchFamily="2" charset="0"/>
-      <p:regular r:id="rId27"/>
-      <p:bold r:id="rId28"/>
-      <p:italic r:id="rId29"/>
-      <p:boldItalic r:id="rId30"/>
+      <p:regular r:id="rId28"/>
+      <p:bold r:id="rId29"/>
+      <p:italic r:id="rId30"/>
+      <p:boldItalic r:id="rId31"/>
     </p:embeddedFont>
   </p:embeddedFontLst>
   <p:defaultTextStyle>
@@ -1797,7 +1798,7 @@
     </p:spTree>
     <p:extLst>
       <p:ext uri="{BB962C8B-B14F-4D97-AF65-F5344CB8AC3E}">
-        <p14:creationId xmlns:p14="http://schemas.microsoft.com/office/powerpoint/2010/main" val="430298688"/>
+        <p14:creationId xmlns:p14="http://schemas.microsoft.com/office/powerpoint/2010/main" val="808853324"/>
       </p:ext>
     </p:extLst>
   </p:cSld>
@@ -1906,7 +1907,7 @@
     </p:spTree>
     <p:extLst>
       <p:ext uri="{BB962C8B-B14F-4D97-AF65-F5344CB8AC3E}">
-        <p14:creationId xmlns:p14="http://schemas.microsoft.com/office/powerpoint/2010/main" val="3837378624"/>
+        <p14:creationId xmlns:p14="http://schemas.microsoft.com/office/powerpoint/2010/main" val="430298688"/>
       </p:ext>
     </p:extLst>
   </p:cSld>
@@ -2119,7 +2120,7 @@
     </p:spTree>
     <p:extLst>
       <p:ext uri="{BB962C8B-B14F-4D97-AF65-F5344CB8AC3E}">
-        <p14:creationId xmlns:p14="http://schemas.microsoft.com/office/powerpoint/2010/main" val="3740783059"/>
+        <p14:creationId xmlns:p14="http://schemas.microsoft.com/office/powerpoint/2010/main" val="3837378624"/>
       </p:ext>
     </p:extLst>
   </p:cSld>
@@ -2228,7 +2229,7 @@
     </p:spTree>
     <p:extLst>
       <p:ext uri="{BB962C8B-B14F-4D97-AF65-F5344CB8AC3E}">
-        <p14:creationId xmlns:p14="http://schemas.microsoft.com/office/powerpoint/2010/main" val="2104073236"/>
+        <p14:creationId xmlns:p14="http://schemas.microsoft.com/office/powerpoint/2010/main" val="3740783059"/>
       </p:ext>
     </p:extLst>
   </p:cSld>
@@ -2337,6 +2338,115 @@
     </p:spTree>
     <p:extLst>
       <p:ext uri="{BB962C8B-B14F-4D97-AF65-F5344CB8AC3E}">
+        <p14:creationId xmlns:p14="http://schemas.microsoft.com/office/powerpoint/2010/main" val="2104073236"/>
+      </p:ext>
+    </p:extLst>
+  </p:cSld>
+  <p:clrMapOvr>
+    <a:masterClrMapping/>
+  </p:clrMapOvr>
+</p:notes>
+</file>
+
+<file path=ppt/notesSlides/notesSlide23.xml><?xml version="1.0" encoding="utf-8"?>
+<p:notes xmlns:a="http://schemas.openxmlformats.org/drawingml/2006/main" xmlns:r="http://schemas.openxmlformats.org/officeDocument/2006/relationships" xmlns:p="http://schemas.openxmlformats.org/presentationml/2006/main" showMasterSp="0" showMasterPhAnim="0">
+  <p:cSld>
+    <p:spTree>
+      <p:nvGrpSpPr>
+        <p:cNvPr id="1" name="Shape 4771"/>
+        <p:cNvGrpSpPr/>
+        <p:nvPr/>
+      </p:nvGrpSpPr>
+      <p:grpSpPr>
+        <a:xfrm>
+          <a:off x="0" y="0"/>
+          <a:ext cx="0" cy="0"/>
+          <a:chOff x="0" y="0"/>
+          <a:chExt cx="0" cy="0"/>
+        </a:xfrm>
+      </p:grpSpPr>
+      <p:sp>
+        <p:nvSpPr>
+          <p:cNvPr id="4772" name="Google Shape;4772;g87664a2081_0_276:notes"/>
+          <p:cNvSpPr>
+            <a:spLocks noGrp="1" noRot="1" noChangeAspect="1"/>
+          </p:cNvSpPr>
+          <p:nvPr>
+            <p:ph type="sldImg" idx="2"/>
+          </p:nvPr>
+        </p:nvSpPr>
+        <p:spPr>
+          <a:xfrm>
+            <a:off x="381000" y="685800"/>
+            <a:ext cx="6096000" cy="3429000"/>
+          </a:xfrm>
+          <a:custGeom>
+            <a:avLst/>
+            <a:gdLst/>
+            <a:ahLst/>
+            <a:cxnLst/>
+            <a:rect l="l" t="t" r="r" b="b"/>
+            <a:pathLst>
+              <a:path w="120000" h="120000" extrusionOk="0">
+                <a:moveTo>
+                  <a:pt x="0" y="0"/>
+                </a:moveTo>
+                <a:lnTo>
+                  <a:pt x="120000" y="0"/>
+                </a:lnTo>
+                <a:lnTo>
+                  <a:pt x="120000" y="120000"/>
+                </a:lnTo>
+                <a:lnTo>
+                  <a:pt x="0" y="120000"/>
+                </a:lnTo>
+                <a:close/>
+              </a:path>
+            </a:pathLst>
+          </a:custGeom>
+        </p:spPr>
+      </p:sp>
+      <p:sp>
+        <p:nvSpPr>
+          <p:cNvPr id="4773" name="Google Shape;4773;g87664a2081_0_276:notes"/>
+          <p:cNvSpPr txBox="1">
+            <a:spLocks noGrp="1"/>
+          </p:cNvSpPr>
+          <p:nvPr>
+            <p:ph type="body" idx="1"/>
+          </p:nvPr>
+        </p:nvSpPr>
+        <p:spPr>
+          <a:xfrm>
+            <a:off x="685800" y="4343400"/>
+            <a:ext cx="5486400" cy="4114800"/>
+          </a:xfrm>
+          <a:prstGeom prst="rect">
+            <a:avLst/>
+          </a:prstGeom>
+        </p:spPr>
+        <p:txBody>
+          <a:bodyPr spcFirstLastPara="1" wrap="square" lIns="91425" tIns="91425" rIns="91425" bIns="91425" anchor="t" anchorCtr="0">
+            <a:noAutofit/>
+          </a:bodyPr>
+          <a:lstStyle/>
+          <a:p>
+            <a:pPr marL="0" lvl="0" indent="0" algn="l" rtl="0">
+              <a:spcBef>
+                <a:spcPts val="0"/>
+              </a:spcBef>
+              <a:spcAft>
+                <a:spcPts val="0"/>
+              </a:spcAft>
+              <a:buNone/>
+            </a:pPr>
+            <a:endParaRPr/>
+          </a:p>
+        </p:txBody>
+      </p:sp>
+    </p:spTree>
+    <p:extLst>
+      <p:ext uri="{BB962C8B-B14F-4D97-AF65-F5344CB8AC3E}">
         <p14:creationId xmlns:p14="http://schemas.microsoft.com/office/powerpoint/2010/main" val="2851411381"/>
       </p:ext>
     </p:extLst>
@@ -2347,7 +2457,7 @@
 </p:notes>
 </file>
 
-<file path=ppt/notesSlides/notesSlide23.xml><?xml version="1.0" encoding="utf-8"?>
+<file path=ppt/notesSlides/notesSlide24.xml><?xml version="1.0" encoding="utf-8"?>
 <p:notes xmlns:a="http://schemas.openxmlformats.org/drawingml/2006/main" xmlns:r="http://schemas.openxmlformats.org/officeDocument/2006/relationships" xmlns:p="http://schemas.openxmlformats.org/presentationml/2006/main" showMasterSp="0" showMasterPhAnim="0">
   <p:cSld>
     <p:spTree>
@@ -13046,7 +13156,7 @@
             </a:pPr>
             <a:r>
               <a:rPr lang="en" dirty="0"/>
-              <a:t>VII. TÓM TẮT</a:t>
+              <a:t>VI. CẬN LÂM SÀNG</a:t>
             </a:r>
             <a:endParaRPr dirty="0"/>
           </a:p>
@@ -13064,8 +13174,8 @@
         </p:nvSpPr>
         <p:spPr>
           <a:xfrm>
-            <a:off x="152400" y="882726"/>
-            <a:ext cx="8839200" cy="4260774"/>
+            <a:off x="221344" y="1057748"/>
+            <a:ext cx="8290560" cy="3797477"/>
           </a:xfrm>
           <a:prstGeom prst="rect">
             <a:avLst/>
@@ -13077,7 +13187,7 @@
           </a:bodyPr>
           <a:lstStyle/>
           <a:p>
-            <a:pPr marL="0" lvl="0" indent="463550" algn="l" rtl="0">
+            <a:pPr marL="0" lvl="0" indent="0" algn="l" rtl="0">
               <a:spcBef>
                 <a:spcPts val="0"/>
               </a:spcBef>
@@ -13092,336 +13202,30 @@
               <a:buNone/>
             </a:pPr>
             <a:r>
-              <a:rPr lang="en-US" sz="1800" dirty="0"/>
-              <a:t>BN </a:t>
-            </a:r>
-            <a:r>
-              <a:rPr lang="en-US" sz="1800" dirty="0" err="1"/>
-              <a:t>nam</a:t>
-            </a:r>
-            <a:r>
-              <a:rPr lang="en-US" sz="1800" dirty="0"/>
-              <a:t>, 42 </a:t>
-            </a:r>
-            <a:r>
-              <a:rPr lang="en-US" sz="1800" dirty="0" err="1"/>
-              <a:t>tuổi</a:t>
-            </a:r>
-            <a:r>
-              <a:rPr lang="en-US" sz="1800" dirty="0"/>
-              <a:t> </a:t>
-            </a:r>
-            <a:r>
-              <a:rPr lang="en-US" sz="1800" dirty="0" err="1"/>
-              <a:t>đã</a:t>
-            </a:r>
-            <a:r>
-              <a:rPr lang="en-US" sz="1800" dirty="0"/>
-              <a:t> </a:t>
-            </a:r>
-            <a:r>
-              <a:rPr lang="en-US" sz="1800" dirty="0" err="1"/>
-              <a:t>được</a:t>
-            </a:r>
-            <a:r>
-              <a:rPr lang="en-US" sz="1800" dirty="0"/>
-              <a:t> </a:t>
-            </a:r>
-            <a:r>
-              <a:rPr lang="en-US" sz="1800" dirty="0" err="1"/>
-              <a:t>chẩn</a:t>
-            </a:r>
-            <a:r>
-              <a:rPr lang="en-US" sz="1800" dirty="0"/>
-              <a:t> </a:t>
-            </a:r>
-            <a:r>
-              <a:rPr lang="en-US" sz="1800" dirty="0" err="1"/>
-              <a:t>đoán</a:t>
-            </a:r>
-            <a:r>
-              <a:rPr lang="en-US" sz="1800" dirty="0"/>
-              <a:t> K </a:t>
-            </a:r>
-            <a:r>
-              <a:rPr lang="en-US" sz="1800" dirty="0" err="1"/>
-              <a:t>gan</a:t>
-            </a:r>
-            <a:r>
-              <a:rPr lang="en-US" sz="1800" dirty="0"/>
-              <a:t> / </a:t>
-            </a:r>
-            <a:r>
-              <a:rPr lang="en-US" sz="1800" dirty="0" err="1"/>
-              <a:t>Xơ</a:t>
-            </a:r>
-            <a:r>
-              <a:rPr lang="en-US" sz="1800" dirty="0"/>
-              <a:t> </a:t>
-            </a:r>
-            <a:r>
-              <a:rPr lang="en-US" sz="1800" dirty="0" err="1"/>
-              <a:t>gan</a:t>
-            </a:r>
-            <a:r>
-              <a:rPr lang="en-US" sz="1800" dirty="0"/>
-              <a:t> – </a:t>
-            </a:r>
-            <a:r>
-              <a:rPr lang="en-US" sz="1800" dirty="0" err="1"/>
-              <a:t>Viêm</a:t>
-            </a:r>
-            <a:r>
-              <a:rPr lang="en-US" sz="1800" dirty="0"/>
-              <a:t> </a:t>
-            </a:r>
-            <a:r>
-              <a:rPr lang="en-US" sz="1800" dirty="0" err="1"/>
-              <a:t>gan</a:t>
-            </a:r>
-            <a:r>
-              <a:rPr lang="en-US" sz="1800" dirty="0"/>
-              <a:t> B </a:t>
-            </a:r>
-            <a:r>
-              <a:rPr lang="en-US" sz="1800" dirty="0" err="1"/>
-              <a:t>tại</a:t>
-            </a:r>
-            <a:r>
-              <a:rPr lang="en-US" sz="1800" dirty="0"/>
-              <a:t> </a:t>
-            </a:r>
-            <a:r>
-              <a:rPr lang="en-US" sz="1800" dirty="0" err="1"/>
-              <a:t>Bạch</a:t>
-            </a:r>
-            <a:r>
-              <a:rPr lang="en-US" sz="1800" dirty="0"/>
-              <a:t> Mai </a:t>
-            </a:r>
-            <a:r>
-              <a:rPr lang="en-US" sz="1800" dirty="0" err="1"/>
-              <a:t>các</a:t>
-            </a:r>
-            <a:r>
-              <a:rPr lang="en-US" sz="1800" dirty="0"/>
-              <a:t> </a:t>
-            </a:r>
-            <a:r>
-              <a:rPr lang="en-US" sz="1800" dirty="0" err="1"/>
-              <a:t>đây</a:t>
-            </a:r>
-            <a:r>
-              <a:rPr lang="en-US" sz="1800" dirty="0"/>
-              <a:t> 3 </a:t>
-            </a:r>
-            <a:r>
-              <a:rPr lang="en-US" sz="1800" dirty="0" err="1"/>
-              <a:t>tháng</a:t>
-            </a:r>
-            <a:r>
-              <a:rPr lang="en-US" sz="1800" dirty="0"/>
-              <a:t>, </a:t>
-            </a:r>
-            <a:r>
-              <a:rPr lang="en-US" sz="1800" dirty="0" err="1"/>
-              <a:t>đợt</a:t>
-            </a:r>
-            <a:r>
-              <a:rPr lang="en-US" sz="1800" dirty="0"/>
-              <a:t> </a:t>
-            </a:r>
-            <a:r>
-              <a:rPr lang="en-US" sz="1800" dirty="0" err="1"/>
-              <a:t>này</a:t>
-            </a:r>
-            <a:r>
-              <a:rPr lang="en-US" sz="1800" dirty="0"/>
-              <a:t> </a:t>
-            </a:r>
-            <a:r>
-              <a:rPr lang="en-US" sz="1800" dirty="0" err="1"/>
-              <a:t>vào</a:t>
-            </a:r>
-            <a:r>
-              <a:rPr lang="en-US" sz="1800" dirty="0"/>
-              <a:t> </a:t>
-            </a:r>
-            <a:r>
-              <a:rPr lang="en-US" sz="1800" dirty="0" err="1"/>
-              <a:t>viện</a:t>
-            </a:r>
-            <a:r>
-              <a:rPr lang="en-US" sz="1800" dirty="0"/>
-              <a:t> </a:t>
-            </a:r>
-            <a:r>
-              <a:rPr lang="en-US" sz="1800" dirty="0" err="1"/>
-              <a:t>vì</a:t>
-            </a:r>
-            <a:r>
-              <a:rPr lang="en-US" sz="1800" dirty="0"/>
-              <a:t> </a:t>
-            </a:r>
-            <a:r>
-              <a:rPr lang="en-US" sz="1800" dirty="0" err="1"/>
-              <a:t>chán</a:t>
-            </a:r>
-            <a:r>
-              <a:rPr lang="en-US" sz="1800" dirty="0"/>
-              <a:t> </a:t>
-            </a:r>
-            <a:r>
-              <a:rPr lang="en-US" sz="1800" dirty="0" err="1"/>
-              <a:t>ăn</a:t>
-            </a:r>
-            <a:r>
-              <a:rPr lang="en-US" sz="1800" dirty="0"/>
-              <a:t>, </a:t>
-            </a:r>
-            <a:r>
-              <a:rPr lang="en-US" sz="1800" dirty="0" err="1"/>
-              <a:t>đau</a:t>
-            </a:r>
-            <a:r>
-              <a:rPr lang="en-US" sz="1800" dirty="0"/>
-              <a:t> </a:t>
-            </a:r>
-            <a:r>
-              <a:rPr lang="en-US" sz="1800" dirty="0" err="1"/>
-              <a:t>vùng</a:t>
-            </a:r>
-            <a:r>
-              <a:rPr lang="en-US" sz="1800" dirty="0"/>
-              <a:t> </a:t>
-            </a:r>
-            <a:r>
-              <a:rPr lang="en-US" sz="1800" dirty="0" err="1"/>
-              <a:t>thượng</a:t>
-            </a:r>
-            <a:r>
-              <a:rPr lang="en-US" sz="1800" dirty="0"/>
-              <a:t> </a:t>
-            </a:r>
-            <a:r>
-              <a:rPr lang="en-US" sz="1800" dirty="0" err="1"/>
-              <a:t>vị</a:t>
-            </a:r>
-            <a:r>
-              <a:rPr lang="en-US" sz="1800" dirty="0"/>
-              <a:t> </a:t>
-            </a:r>
-            <a:r>
-              <a:rPr lang="en-US" sz="1800" dirty="0" err="1"/>
-              <a:t>lệch</a:t>
-            </a:r>
-            <a:r>
-              <a:rPr lang="en-US" sz="1800" dirty="0"/>
-              <a:t> (P) </a:t>
-            </a:r>
-            <a:r>
-              <a:rPr lang="en-US" sz="1800" dirty="0" err="1"/>
-              <a:t>ngày</a:t>
-            </a:r>
-            <a:r>
-              <a:rPr lang="en-US" sz="1800" dirty="0"/>
-              <a:t> </a:t>
-            </a:r>
-            <a:r>
-              <a:rPr lang="en-US" sz="1800" dirty="0" err="1"/>
-              <a:t>thứ</a:t>
-            </a:r>
-            <a:r>
-              <a:rPr lang="en-US" sz="1800" dirty="0"/>
-              <a:t> </a:t>
-            </a:r>
-            <a:r>
-              <a:rPr lang="en-US" sz="1800" dirty="0" err="1"/>
-              <a:t>hai</a:t>
-            </a:r>
-            <a:r>
-              <a:rPr lang="en-US" sz="1800" dirty="0"/>
-              <a:t> </a:t>
-            </a:r>
-            <a:r>
-              <a:rPr lang="en-US" sz="1800" dirty="0" err="1"/>
-              <a:t>của</a:t>
-            </a:r>
-            <a:r>
-              <a:rPr lang="en-US" sz="1800" dirty="0"/>
-              <a:t> </a:t>
-            </a:r>
-            <a:r>
-              <a:rPr lang="en-US" sz="1800" dirty="0" err="1"/>
-              <a:t>bệnh</a:t>
-            </a:r>
-            <a:r>
-              <a:rPr lang="en-US" sz="1800" dirty="0"/>
-              <a:t>. Qua </a:t>
-            </a:r>
-            <a:r>
-              <a:rPr lang="en-US" sz="1800" dirty="0" err="1"/>
-              <a:t>hỏi</a:t>
-            </a:r>
-            <a:r>
-              <a:rPr lang="en-US" sz="1800" dirty="0"/>
-              <a:t> </a:t>
-            </a:r>
-            <a:r>
-              <a:rPr lang="en-US" sz="1800" dirty="0" err="1"/>
-              <a:t>và</a:t>
-            </a:r>
-            <a:r>
-              <a:rPr lang="en-US" sz="1800" dirty="0"/>
-              <a:t> </a:t>
-            </a:r>
-            <a:r>
-              <a:rPr lang="en-US" sz="1800" dirty="0" err="1"/>
-              <a:t>khám</a:t>
-            </a:r>
-            <a:r>
-              <a:rPr lang="en-US" sz="1800" dirty="0"/>
-              <a:t> </a:t>
-            </a:r>
-            <a:r>
-              <a:rPr lang="en-US" sz="1800" dirty="0" err="1"/>
-              <a:t>thấy</a:t>
-            </a:r>
-            <a:r>
-              <a:rPr lang="en-US" sz="1800" dirty="0"/>
-              <a:t>:</a:t>
-            </a:r>
-          </a:p>
-          <a:p>
-            <a:pPr marL="0" lvl="0" indent="0" algn="l" rtl="0">
-              <a:spcBef>
-                <a:spcPts val="0"/>
-              </a:spcBef>
-              <a:spcAft>
-                <a:spcPts val="0"/>
-              </a:spcAft>
-              <a:buClr>
-                <a:srgbClr val="002060"/>
-              </a:buClr>
-              <a:buSzPct val="100000"/>
-              <a:buNone/>
-            </a:pPr>
-            <a:r>
-              <a:rPr lang="en-US" sz="1800" b="1" dirty="0" err="1"/>
-              <a:t>Tiền</a:t>
-            </a:r>
-            <a:r>
-              <a:rPr lang="en-US" sz="1800" b="1" dirty="0"/>
-              <a:t> </a:t>
-            </a:r>
-            <a:r>
-              <a:rPr lang="en-US" sz="1800" b="1" dirty="0" err="1"/>
-              <a:t>sử</a:t>
-            </a:r>
-            <a:r>
-              <a:rPr lang="en-US" sz="1800" b="1" dirty="0"/>
-              <a:t>:</a:t>
-            </a:r>
+              <a:rPr lang="en-US" sz="2000" b="1" dirty="0"/>
+              <a:t>7. XN </a:t>
+            </a:r>
+            <a:r>
+              <a:rPr lang="en-US" sz="2000" b="1" dirty="0" err="1"/>
+              <a:t>cần</a:t>
+            </a:r>
+            <a:r>
+              <a:rPr lang="en-US" sz="2000" b="1" dirty="0"/>
+              <a:t> </a:t>
+            </a:r>
+            <a:r>
+              <a:rPr lang="en-US" sz="2000" b="1" dirty="0" err="1"/>
+              <a:t>làm</a:t>
+            </a:r>
+            <a:r>
+              <a:rPr lang="en-US" sz="2000" b="1" dirty="0"/>
+              <a:t> </a:t>
+            </a:r>
+            <a:r>
+              <a:rPr lang="en-US" sz="2000" b="1" dirty="0" err="1"/>
+              <a:t>thêm</a:t>
+            </a:r>
+            <a:endParaRPr lang="en-US" sz="2000" b="1" dirty="0"/>
           </a:p>
           <a:p>
             <a:pPr marL="285750" indent="-285750">
@@ -13433,577 +13237,137 @@
               <a:buChar char="•"/>
             </a:pPr>
             <a:r>
-              <a:rPr lang="en-US" sz="1800" dirty="0"/>
-              <a:t>HBsAg (+)</a:t>
-            </a:r>
-          </a:p>
-          <a:p>
-            <a:pPr marL="285750" indent="-285750">
-              <a:buClr>
-                <a:srgbClr val="002060"/>
-              </a:buClr>
-              <a:buSzPct val="100000"/>
-              <a:buFont typeface="Arial" panose="020B0604020202020204" pitchFamily="34" charset="0"/>
-              <a:buChar char="•"/>
-            </a:pPr>
-            <a:r>
-              <a:rPr lang="en-US" sz="1800" dirty="0" err="1"/>
-              <a:t>Hút</a:t>
-            </a:r>
-            <a:r>
-              <a:rPr lang="en-US" sz="1800" dirty="0"/>
-              <a:t> </a:t>
-            </a:r>
-            <a:r>
-              <a:rPr lang="en-US" sz="1800" dirty="0" err="1"/>
-              <a:t>thuốc</a:t>
-            </a:r>
-            <a:r>
-              <a:rPr lang="en-US" sz="1800" dirty="0"/>
-              <a:t>, </a:t>
-            </a:r>
-            <a:r>
-              <a:rPr lang="en-US" sz="1800" dirty="0" err="1"/>
-              <a:t>không</a:t>
-            </a:r>
-            <a:r>
-              <a:rPr lang="en-US" sz="1800" dirty="0"/>
-              <a:t> </a:t>
-            </a:r>
-            <a:r>
-              <a:rPr lang="en-US" sz="1800" dirty="0" err="1"/>
-              <a:t>nghiện</a:t>
-            </a:r>
-            <a:r>
-              <a:rPr lang="en-US" sz="1800" dirty="0"/>
-              <a:t> </a:t>
-            </a:r>
-            <a:r>
-              <a:rPr lang="en-US" sz="1800" dirty="0" err="1"/>
-              <a:t>rượu</a:t>
+              <a:rPr lang="en-US" sz="1800" dirty="0" err="1"/>
+              <a:t>Nội</a:t>
+            </a:r>
+            <a:r>
+              <a:rPr lang="en-US" sz="1800" dirty="0"/>
+              <a:t> soi </a:t>
+            </a:r>
+            <a:r>
+              <a:rPr lang="en-US" sz="1800" dirty="0" err="1"/>
+              <a:t>dạ</a:t>
+            </a:r>
+            <a:r>
+              <a:rPr lang="en-US" sz="1800" dirty="0"/>
+              <a:t> </a:t>
+            </a:r>
+            <a:r>
+              <a:rPr lang="en-US" sz="1800" dirty="0" err="1"/>
+              <a:t>dày</a:t>
+            </a:r>
+            <a:r>
+              <a:rPr lang="en-US" sz="1800" dirty="0"/>
+              <a:t> </a:t>
+            </a:r>
+            <a:r>
+              <a:rPr lang="en-US" sz="1800" dirty="0" err="1"/>
+              <a:t>thực</a:t>
+            </a:r>
+            <a:r>
+              <a:rPr lang="en-US" sz="1800" dirty="0"/>
+              <a:t> </a:t>
+            </a:r>
+            <a:r>
+              <a:rPr lang="en-US" sz="1800" dirty="0" err="1"/>
+              <a:t>quản</a:t>
+            </a:r>
+            <a:r>
+              <a:rPr lang="en-US" sz="1800" dirty="0"/>
+              <a:t> </a:t>
+            </a:r>
+            <a:r>
+              <a:rPr lang="en-US" sz="1800" dirty="0" err="1"/>
+              <a:t>đề</a:t>
+            </a:r>
+            <a:r>
+              <a:rPr lang="en-US" sz="1800" dirty="0"/>
+              <a:t> </a:t>
+            </a:r>
+            <a:r>
+              <a:rPr lang="en-US" sz="1800" dirty="0" err="1"/>
+              <a:t>phòng</a:t>
+            </a:r>
+            <a:r>
+              <a:rPr lang="en-US" sz="1800" dirty="0"/>
+              <a:t> </a:t>
+            </a:r>
+            <a:r>
+              <a:rPr lang="en-US" sz="1800" dirty="0" err="1"/>
+              <a:t>giãn</a:t>
+            </a:r>
+            <a:r>
+              <a:rPr lang="en-US" sz="1800" dirty="0"/>
+              <a:t> </a:t>
+            </a:r>
+            <a:r>
+              <a:rPr lang="en-US" sz="1800" dirty="0" err="1"/>
+              <a:t>tĩnh</a:t>
+            </a:r>
+            <a:r>
+              <a:rPr lang="en-US" sz="1800" dirty="0"/>
+              <a:t> </a:t>
+            </a:r>
+            <a:r>
+              <a:rPr lang="en-US" sz="1800" dirty="0" err="1"/>
+              <a:t>mạch</a:t>
+            </a:r>
+            <a:r>
+              <a:rPr lang="en-US" sz="1800" dirty="0"/>
+              <a:t> </a:t>
+            </a:r>
+            <a:r>
+              <a:rPr lang="en-US" sz="1800" dirty="0" err="1"/>
+              <a:t>gây</a:t>
+            </a:r>
+            <a:r>
+              <a:rPr lang="en-US" sz="1800" dirty="0"/>
+              <a:t> </a:t>
+            </a:r>
+            <a:r>
+              <a:rPr lang="en-US" sz="1800" dirty="0" err="1"/>
+              <a:t>xuất</a:t>
+            </a:r>
+            <a:r>
+              <a:rPr lang="en-US" sz="1800" dirty="0"/>
+              <a:t> </a:t>
+            </a:r>
+            <a:r>
+              <a:rPr lang="en-US" sz="1800" dirty="0" err="1"/>
+              <a:t>huyết</a:t>
+            </a:r>
+            <a:r>
+              <a:rPr lang="en-US" sz="1800" dirty="0"/>
+              <a:t> </a:t>
+            </a:r>
+            <a:r>
+              <a:rPr lang="en-US" sz="1800" dirty="0" err="1"/>
+              <a:t>tiêu</a:t>
+            </a:r>
+            <a:r>
+              <a:rPr lang="en-US" sz="1800" dirty="0"/>
+              <a:t> </a:t>
+            </a:r>
+            <a:r>
+              <a:rPr lang="en-US" sz="1800" dirty="0" err="1"/>
+              <a:t>hóa</a:t>
+            </a:r>
+            <a:r>
+              <a:rPr lang="en-US" sz="1800" dirty="0"/>
+              <a:t> </a:t>
+            </a:r>
+            <a:r>
+              <a:rPr lang="en-US" sz="1800" dirty="0" err="1"/>
+              <a:t>trên</a:t>
             </a:r>
             <a:endParaRPr lang="en-US" sz="1800" dirty="0"/>
-          </a:p>
-          <a:p>
-            <a:pPr marL="0" indent="0">
-              <a:buClr>
-                <a:srgbClr val="002060"/>
-              </a:buClr>
-              <a:buSzPct val="100000"/>
-              <a:buNone/>
-            </a:pPr>
-            <a:r>
-              <a:rPr lang="en-US" sz="1800" b="1" dirty="0" err="1"/>
-              <a:t>Hội</a:t>
-            </a:r>
-            <a:r>
-              <a:rPr lang="en-US" sz="1800" b="1" dirty="0"/>
-              <a:t> </a:t>
-            </a:r>
-            <a:r>
-              <a:rPr lang="en-US" sz="1800" b="1" dirty="0" err="1"/>
-              <a:t>chứng</a:t>
-            </a:r>
-            <a:r>
-              <a:rPr lang="en-US" sz="1800" b="1" dirty="0"/>
-              <a:t> </a:t>
-            </a:r>
-            <a:r>
-              <a:rPr lang="en-US" sz="1800" b="1" dirty="0" err="1"/>
-              <a:t>suy</a:t>
-            </a:r>
-            <a:r>
-              <a:rPr lang="en-US" sz="1800" b="1" dirty="0"/>
-              <a:t> </a:t>
-            </a:r>
-            <a:r>
-              <a:rPr lang="en-US" sz="1800" b="1" dirty="0" err="1"/>
-              <a:t>chức</a:t>
-            </a:r>
-            <a:r>
-              <a:rPr lang="en-US" sz="1800" b="1" dirty="0"/>
-              <a:t> </a:t>
-            </a:r>
-            <a:r>
-              <a:rPr lang="en-US" sz="1800" b="1" dirty="0" err="1"/>
-              <a:t>năng</a:t>
-            </a:r>
-            <a:r>
-              <a:rPr lang="en-US" sz="1800" b="1" dirty="0"/>
-              <a:t> </a:t>
-            </a:r>
-            <a:r>
-              <a:rPr lang="en-US" sz="1800" b="1" dirty="0" err="1"/>
-              <a:t>tế</a:t>
-            </a:r>
-            <a:r>
-              <a:rPr lang="en-US" sz="1800" b="1" dirty="0"/>
-              <a:t> </a:t>
-            </a:r>
-            <a:r>
-              <a:rPr lang="en-US" sz="1800" b="1" dirty="0" err="1"/>
-              <a:t>bào</a:t>
-            </a:r>
-            <a:r>
-              <a:rPr lang="en-US" sz="1800" b="1" dirty="0"/>
-              <a:t> </a:t>
-            </a:r>
-            <a:r>
-              <a:rPr lang="en-US" sz="1800" b="1" dirty="0" err="1"/>
-              <a:t>gan</a:t>
-            </a:r>
-            <a:r>
-              <a:rPr lang="en-US" sz="1800" b="1" dirty="0"/>
-              <a:t>:</a:t>
-            </a:r>
-          </a:p>
-          <a:p>
-            <a:pPr marL="285750" indent="-285750">
-              <a:buClr>
-                <a:srgbClr val="002060"/>
-              </a:buClr>
-              <a:buSzPct val="100000"/>
-              <a:buFont typeface="Arial" panose="020B0604020202020204" pitchFamily="34" charset="0"/>
-              <a:buChar char="•"/>
-            </a:pPr>
-            <a:r>
-              <a:rPr lang="en-US" sz="1800" dirty="0" err="1"/>
-              <a:t>Mệt</a:t>
-            </a:r>
-            <a:r>
-              <a:rPr lang="en-US" sz="1800" dirty="0"/>
-              <a:t> </a:t>
-            </a:r>
-            <a:r>
-              <a:rPr lang="en-US" sz="1800" dirty="0" err="1"/>
-              <a:t>mỏi</a:t>
-            </a:r>
-            <a:r>
-              <a:rPr lang="en-US" sz="1800" dirty="0"/>
-              <a:t>, </a:t>
-            </a:r>
-            <a:r>
-              <a:rPr lang="en-US" sz="1800" dirty="0" err="1"/>
-              <a:t>không</a:t>
-            </a:r>
-            <a:r>
-              <a:rPr lang="en-US" sz="1800" dirty="0"/>
-              <a:t> </a:t>
-            </a:r>
-            <a:r>
-              <a:rPr lang="en-US" sz="1800" dirty="0" err="1"/>
-              <a:t>tập</a:t>
-            </a:r>
-            <a:r>
-              <a:rPr lang="en-US" sz="1800" dirty="0"/>
-              <a:t> </a:t>
-            </a:r>
-            <a:r>
-              <a:rPr lang="en-US" sz="1800" dirty="0" err="1"/>
-              <a:t>trung</a:t>
-            </a:r>
-            <a:r>
-              <a:rPr lang="en-US" sz="1800" dirty="0"/>
-              <a:t> </a:t>
-            </a:r>
-            <a:r>
-              <a:rPr lang="en-US" sz="1800" dirty="0" err="1"/>
-              <a:t>làm</a:t>
-            </a:r>
-            <a:r>
-              <a:rPr lang="en-US" sz="1800" dirty="0"/>
-              <a:t> </a:t>
-            </a:r>
-            <a:r>
-              <a:rPr lang="en-US" sz="1800" dirty="0" err="1"/>
-              <a:t>việc</a:t>
-            </a:r>
-            <a:endParaRPr lang="en-US" sz="1800" dirty="0"/>
-          </a:p>
-          <a:p>
-            <a:pPr marL="285750" indent="-285750">
-              <a:buClr>
-                <a:srgbClr val="002060"/>
-              </a:buClr>
-              <a:buSzPct val="100000"/>
-              <a:buFont typeface="Arial" panose="020B0604020202020204" pitchFamily="34" charset="0"/>
-              <a:buChar char="•"/>
-            </a:pPr>
-            <a:r>
-              <a:rPr lang="en-US" sz="1800" dirty="0" err="1"/>
-              <a:t>Rối</a:t>
-            </a:r>
-            <a:r>
-              <a:rPr lang="en-US" sz="1800" dirty="0"/>
-              <a:t> </a:t>
-            </a:r>
-            <a:r>
-              <a:rPr lang="en-US" sz="1800" dirty="0" err="1"/>
-              <a:t>loạn</a:t>
-            </a:r>
-            <a:r>
-              <a:rPr lang="en-US" sz="1800" dirty="0"/>
-              <a:t> </a:t>
-            </a:r>
-            <a:r>
-              <a:rPr lang="en-US" sz="1800" dirty="0" err="1"/>
-              <a:t>tiêu</a:t>
-            </a:r>
-            <a:r>
-              <a:rPr lang="en-US" sz="1800" dirty="0"/>
-              <a:t> </a:t>
-            </a:r>
-            <a:r>
-              <a:rPr lang="en-US" sz="1800" dirty="0" err="1"/>
-              <a:t>hóa</a:t>
-            </a:r>
-            <a:r>
-              <a:rPr lang="en-US" sz="1800" dirty="0"/>
-              <a:t>, </a:t>
-            </a:r>
-            <a:r>
-              <a:rPr lang="en-US" sz="1800" dirty="0" err="1"/>
-              <a:t>sợ</a:t>
-            </a:r>
-            <a:r>
-              <a:rPr lang="en-US" sz="1800" dirty="0"/>
-              <a:t> </a:t>
-            </a:r>
-            <a:r>
-              <a:rPr lang="en-US" sz="1800" dirty="0" err="1"/>
-              <a:t>mỡ</a:t>
-            </a:r>
-            <a:r>
-              <a:rPr lang="en-US" sz="1800" dirty="0"/>
-              <a:t>, </a:t>
-            </a:r>
-            <a:r>
-              <a:rPr lang="en-US" sz="1800" dirty="0" err="1"/>
-              <a:t>nước</a:t>
-            </a:r>
-            <a:r>
-              <a:rPr lang="en-US" sz="1800" dirty="0"/>
-              <a:t> </a:t>
-            </a:r>
-            <a:r>
-              <a:rPr lang="en-US" sz="1800" dirty="0" err="1"/>
-              <a:t>tiểu</a:t>
-            </a:r>
-            <a:r>
-              <a:rPr lang="en-US" sz="1800" dirty="0"/>
-              <a:t> </a:t>
-            </a:r>
-            <a:r>
-              <a:rPr lang="en-US" sz="1800" dirty="0" err="1"/>
-              <a:t>sẫm</a:t>
-            </a:r>
-            <a:r>
-              <a:rPr lang="en-US" sz="1800" dirty="0"/>
-              <a:t> </a:t>
-            </a:r>
-            <a:r>
-              <a:rPr lang="en-US" sz="1800" dirty="0" err="1"/>
-              <a:t>màu</a:t>
-            </a:r>
-            <a:endParaRPr lang="en-US" sz="1800" dirty="0"/>
-          </a:p>
-          <a:p>
-            <a:pPr marL="285750" indent="-285750">
-              <a:buClr>
-                <a:srgbClr val="002060"/>
-              </a:buClr>
-              <a:buSzPct val="100000"/>
-              <a:buFont typeface="Arial" panose="020B0604020202020204" pitchFamily="34" charset="0"/>
-              <a:buChar char="•"/>
-            </a:pPr>
-            <a:r>
-              <a:rPr lang="en-US" sz="1800" dirty="0" err="1"/>
-              <a:t>Hội</a:t>
-            </a:r>
-            <a:r>
-              <a:rPr lang="en-US" sz="1800" dirty="0"/>
-              <a:t> </a:t>
-            </a:r>
-            <a:r>
-              <a:rPr lang="en-US" sz="1800" dirty="0" err="1"/>
-              <a:t>chứng</a:t>
-            </a:r>
-            <a:r>
-              <a:rPr lang="en-US" sz="1800" dirty="0"/>
-              <a:t> </a:t>
-            </a:r>
-            <a:r>
-              <a:rPr lang="en-US" sz="1800" dirty="0" err="1"/>
-              <a:t>vàng</a:t>
-            </a:r>
-            <a:r>
-              <a:rPr lang="en-US" sz="1800" dirty="0"/>
-              <a:t> da (Da </a:t>
-            </a:r>
-            <a:r>
-              <a:rPr lang="en-US" sz="1800" dirty="0" err="1"/>
-              <a:t>sạm</a:t>
-            </a:r>
-            <a:r>
-              <a:rPr lang="en-US" sz="1800" dirty="0"/>
-              <a:t>, </a:t>
-            </a:r>
-            <a:r>
-              <a:rPr lang="en-US" sz="1800" dirty="0" err="1"/>
-              <a:t>vàng</a:t>
-            </a:r>
-            <a:r>
-              <a:rPr lang="en-US" sz="1800" dirty="0"/>
-              <a:t>, </a:t>
-            </a:r>
-            <a:r>
-              <a:rPr lang="en-US" sz="1800" dirty="0" err="1"/>
-              <a:t>củng</a:t>
-            </a:r>
-            <a:r>
-              <a:rPr lang="en-US" sz="1800" dirty="0"/>
-              <a:t> </a:t>
-            </a:r>
-            <a:r>
-              <a:rPr lang="en-US" sz="1800" dirty="0" err="1"/>
-              <a:t>mạc</a:t>
-            </a:r>
-            <a:r>
-              <a:rPr lang="en-US" sz="1800" dirty="0"/>
-              <a:t> </a:t>
-            </a:r>
-            <a:r>
-              <a:rPr lang="en-US" sz="1800" dirty="0" err="1"/>
-              <a:t>mắt</a:t>
-            </a:r>
-            <a:r>
-              <a:rPr lang="en-US" sz="1800" dirty="0"/>
-              <a:t> </a:t>
-            </a:r>
-            <a:r>
-              <a:rPr lang="en-US" sz="1800" dirty="0" err="1"/>
-              <a:t>vàng</a:t>
-            </a:r>
-            <a:r>
-              <a:rPr lang="en-US" sz="1800" dirty="0"/>
-              <a:t>, </a:t>
-            </a:r>
-            <a:r>
-              <a:rPr lang="en-US" sz="1800" dirty="0" err="1"/>
-              <a:t>lòng</a:t>
-            </a:r>
-            <a:r>
-              <a:rPr lang="en-US" sz="1800" dirty="0"/>
-              <a:t> </a:t>
-            </a:r>
-            <a:r>
-              <a:rPr lang="en-US" sz="1800" dirty="0" err="1"/>
-              <a:t>bàn</a:t>
-            </a:r>
-            <a:r>
-              <a:rPr lang="en-US" sz="1800" dirty="0"/>
-              <a:t> </a:t>
-            </a:r>
-            <a:r>
-              <a:rPr lang="en-US" sz="1800" dirty="0" err="1"/>
-              <a:t>tay</a:t>
-            </a:r>
-            <a:r>
-              <a:rPr lang="en-US" sz="1800" dirty="0"/>
-              <a:t> son),</a:t>
-            </a:r>
-            <a:r>
-              <a:rPr lang="en-US" sz="1800" dirty="0">
-                <a:solidFill>
-                  <a:srgbClr val="002060"/>
-                </a:solidFill>
-                <a:latin typeface="Montserrat" panose="00000500000000000000" pitchFamily="2" charset="0"/>
-              </a:rPr>
-              <a:t>Bilirubin </a:t>
-            </a:r>
-            <a:r>
-              <a:rPr lang="en-US" sz="1800" dirty="0" err="1">
-                <a:solidFill>
-                  <a:srgbClr val="002060"/>
-                </a:solidFill>
-                <a:latin typeface="Montserrat" panose="00000500000000000000" pitchFamily="2" charset="0"/>
-              </a:rPr>
-              <a:t>trực</a:t>
-            </a:r>
-            <a:r>
-              <a:rPr lang="en-US" sz="1800" dirty="0">
-                <a:solidFill>
-                  <a:srgbClr val="002060"/>
-                </a:solidFill>
-                <a:latin typeface="Montserrat" panose="00000500000000000000" pitchFamily="2" charset="0"/>
-              </a:rPr>
-              <a:t> </a:t>
-            </a:r>
-            <a:r>
-              <a:rPr lang="en-US" sz="1800" dirty="0" err="1">
-                <a:solidFill>
-                  <a:srgbClr val="002060"/>
-                </a:solidFill>
-                <a:latin typeface="Montserrat" panose="00000500000000000000" pitchFamily="2" charset="0"/>
-              </a:rPr>
-              <a:t>tiếp</a:t>
-            </a:r>
-            <a:r>
-              <a:rPr lang="en-US" sz="1800" dirty="0">
-                <a:solidFill>
-                  <a:srgbClr val="002060"/>
-                </a:solidFill>
-                <a:latin typeface="Montserrat" panose="00000500000000000000" pitchFamily="2" charset="0"/>
-              </a:rPr>
-              <a:t> / Bilirubin </a:t>
-            </a:r>
-            <a:r>
-              <a:rPr lang="en-US" sz="1800" dirty="0" err="1">
-                <a:solidFill>
-                  <a:srgbClr val="002060"/>
-                </a:solidFill>
-                <a:latin typeface="Montserrat" panose="00000500000000000000" pitchFamily="2" charset="0"/>
-              </a:rPr>
-              <a:t>toàn</a:t>
-            </a:r>
-            <a:r>
-              <a:rPr lang="en-US" sz="1800" dirty="0">
-                <a:solidFill>
-                  <a:srgbClr val="002060"/>
-                </a:solidFill>
-                <a:latin typeface="Montserrat" panose="00000500000000000000" pitchFamily="2" charset="0"/>
-              </a:rPr>
-              <a:t> </a:t>
-            </a:r>
-            <a:r>
-              <a:rPr lang="en-US" sz="1800" dirty="0" err="1">
-                <a:solidFill>
-                  <a:srgbClr val="002060"/>
-                </a:solidFill>
-                <a:latin typeface="Montserrat" panose="00000500000000000000" pitchFamily="2" charset="0"/>
-              </a:rPr>
-              <a:t>phần</a:t>
-            </a:r>
-            <a:r>
-              <a:rPr lang="en-US" sz="1800" dirty="0">
-                <a:solidFill>
-                  <a:srgbClr val="002060"/>
-                </a:solidFill>
-                <a:latin typeface="Montserrat" panose="00000500000000000000" pitchFamily="2" charset="0"/>
-              </a:rPr>
-              <a:t> 7.8 / 64.4 mmol/l.</a:t>
-            </a:r>
-            <a:endParaRPr lang="en-US" sz="1800" dirty="0"/>
-          </a:p>
-          <a:p>
-            <a:pPr marL="285750" indent="-285750">
-              <a:buClr>
-                <a:srgbClr val="002060"/>
-              </a:buClr>
-              <a:buSzPct val="100000"/>
-              <a:buFont typeface="Arial" panose="020B0604020202020204" pitchFamily="34" charset="0"/>
-              <a:buChar char="•"/>
-            </a:pPr>
-            <a:r>
-              <a:rPr lang="en-US" sz="1800" dirty="0" err="1"/>
-              <a:t>Phù</a:t>
-            </a:r>
-            <a:r>
-              <a:rPr lang="en-US" sz="1800" dirty="0"/>
-              <a:t> 2 chi </a:t>
-            </a:r>
-            <a:r>
-              <a:rPr lang="en-US" sz="1800" dirty="0" err="1"/>
-              <a:t>dưới</a:t>
-            </a:r>
-            <a:r>
-              <a:rPr lang="en-US" sz="1800" dirty="0"/>
-              <a:t> (</a:t>
-            </a:r>
-            <a:r>
-              <a:rPr lang="en-US" sz="1800" dirty="0" err="1"/>
-              <a:t>phù</a:t>
-            </a:r>
-            <a:r>
-              <a:rPr lang="en-US" sz="1800" dirty="0"/>
-              <a:t> </a:t>
-            </a:r>
-            <a:r>
-              <a:rPr lang="en-US" sz="1800" dirty="0" err="1"/>
-              <a:t>trắng</a:t>
-            </a:r>
-            <a:r>
-              <a:rPr lang="en-US" sz="1800" dirty="0"/>
-              <a:t>, </a:t>
-            </a:r>
-            <a:r>
-              <a:rPr lang="en-US" sz="1800" dirty="0" err="1"/>
-              <a:t>mềm</a:t>
-            </a:r>
-            <a:r>
-              <a:rPr lang="en-US" sz="1800" dirty="0"/>
-              <a:t>, </a:t>
-            </a:r>
-            <a:r>
-              <a:rPr lang="en-US" sz="1800" dirty="0" err="1"/>
-              <a:t>ấn</a:t>
-            </a:r>
-            <a:r>
-              <a:rPr lang="en-US" sz="1800" dirty="0"/>
-              <a:t> </a:t>
-            </a:r>
-            <a:r>
-              <a:rPr lang="en-US" sz="1800" dirty="0" err="1"/>
-              <a:t>lõm</a:t>
-            </a:r>
-            <a:r>
-              <a:rPr lang="en-US" sz="1800" dirty="0"/>
-              <a:t>)</a:t>
-            </a:r>
-          </a:p>
-          <a:p>
-            <a:pPr marL="285750" indent="-285750">
-              <a:buClr>
-                <a:srgbClr val="002060"/>
-              </a:buClr>
-              <a:buSzPct val="100000"/>
-              <a:buFont typeface="Arial" panose="020B0604020202020204" pitchFamily="34" charset="0"/>
-              <a:buChar char="•"/>
-            </a:pPr>
-            <a:r>
-              <a:rPr lang="en-US" sz="1800" dirty="0">
-                <a:solidFill>
-                  <a:srgbClr val="002060"/>
-                </a:solidFill>
-                <a:latin typeface="Montserrat" panose="00000500000000000000" pitchFamily="2" charset="0"/>
-              </a:rPr>
-              <a:t>Albumin / Protein </a:t>
-            </a:r>
-            <a:r>
-              <a:rPr lang="en-US" sz="1800" dirty="0" err="1">
-                <a:solidFill>
-                  <a:srgbClr val="002060"/>
-                </a:solidFill>
-                <a:latin typeface="Montserrat" panose="00000500000000000000" pitchFamily="2" charset="0"/>
-              </a:rPr>
-              <a:t>máu</a:t>
-            </a:r>
-            <a:r>
-              <a:rPr lang="en-US" sz="1800" dirty="0">
-                <a:solidFill>
-                  <a:srgbClr val="002060"/>
-                </a:solidFill>
-                <a:latin typeface="Montserrat" panose="00000500000000000000" pitchFamily="2" charset="0"/>
-              </a:rPr>
-              <a:t> 24.3/70.3 g/l</a:t>
-            </a:r>
           </a:p>
         </p:txBody>
       </p:sp>
     </p:spTree>
     <p:extLst>
       <p:ext uri="{BB962C8B-B14F-4D97-AF65-F5344CB8AC3E}">
-        <p14:creationId xmlns:p14="http://schemas.microsoft.com/office/powerpoint/2010/main" val="2046453642"/>
+        <p14:creationId xmlns:p14="http://schemas.microsoft.com/office/powerpoint/2010/main" val="3830573912"/>
       </p:ext>
     </p:extLst>
   </p:cSld>
@@ -14084,8 +13448,8 @@
         </p:nvSpPr>
         <p:spPr>
           <a:xfrm>
-            <a:off x="36576" y="860975"/>
-            <a:ext cx="9070848" cy="4282525"/>
+            <a:off x="152400" y="882726"/>
+            <a:ext cx="8839200" cy="4260774"/>
           </a:xfrm>
           <a:prstGeom prst="rect">
             <a:avLst/>
@@ -14097,7 +13461,7 @@
           </a:bodyPr>
           <a:lstStyle/>
           <a:p>
-            <a:pPr marL="0" lvl="0" indent="0" algn="l" rtl="0">
+            <a:pPr marL="0" lvl="0" indent="463550" algn="l" rtl="0">
               <a:spcBef>
                 <a:spcPts val="0"/>
               </a:spcBef>
@@ -14112,8 +13476,323 @@
               <a:buNone/>
             </a:pPr>
             <a:r>
+              <a:rPr lang="en-US" sz="1800" dirty="0"/>
+              <a:t>BN </a:t>
+            </a:r>
+            <a:r>
+              <a:rPr lang="en-US" sz="1800" dirty="0" err="1"/>
+              <a:t>nam</a:t>
+            </a:r>
+            <a:r>
+              <a:rPr lang="en-US" sz="1800" dirty="0"/>
+              <a:t>, 42 </a:t>
+            </a:r>
+            <a:r>
+              <a:rPr lang="en-US" sz="1800" dirty="0" err="1"/>
+              <a:t>tuổi</a:t>
+            </a:r>
+            <a:r>
+              <a:rPr lang="en-US" sz="1800" dirty="0"/>
+              <a:t> </a:t>
+            </a:r>
+            <a:r>
+              <a:rPr lang="en-US" sz="1800" dirty="0" err="1"/>
+              <a:t>đã</a:t>
+            </a:r>
+            <a:r>
+              <a:rPr lang="en-US" sz="1800" dirty="0"/>
+              <a:t> </a:t>
+            </a:r>
+            <a:r>
+              <a:rPr lang="en-US" sz="1800" dirty="0" err="1"/>
+              <a:t>được</a:t>
+            </a:r>
+            <a:r>
+              <a:rPr lang="en-US" sz="1800" dirty="0"/>
+              <a:t> </a:t>
+            </a:r>
+            <a:r>
+              <a:rPr lang="en-US" sz="1800" dirty="0" err="1"/>
+              <a:t>chẩn</a:t>
+            </a:r>
+            <a:r>
+              <a:rPr lang="en-US" sz="1800" dirty="0"/>
+              <a:t> </a:t>
+            </a:r>
+            <a:r>
+              <a:rPr lang="en-US" sz="1800" dirty="0" err="1"/>
+              <a:t>đoán</a:t>
+            </a:r>
+            <a:r>
+              <a:rPr lang="en-US" sz="1800" dirty="0"/>
+              <a:t> K </a:t>
+            </a:r>
+            <a:r>
+              <a:rPr lang="en-US" sz="1800" dirty="0" err="1"/>
+              <a:t>gan</a:t>
+            </a:r>
+            <a:r>
+              <a:rPr lang="en-US" sz="1800" dirty="0"/>
+              <a:t> / </a:t>
+            </a:r>
+            <a:r>
+              <a:rPr lang="en-US" sz="1800" dirty="0" err="1"/>
+              <a:t>Xơ</a:t>
+            </a:r>
+            <a:r>
+              <a:rPr lang="en-US" sz="1800" dirty="0"/>
+              <a:t> </a:t>
+            </a:r>
+            <a:r>
+              <a:rPr lang="en-US" sz="1800" dirty="0" err="1"/>
+              <a:t>gan</a:t>
+            </a:r>
+            <a:r>
+              <a:rPr lang="en-US" sz="1800" dirty="0"/>
+              <a:t> – </a:t>
+            </a:r>
+            <a:r>
+              <a:rPr lang="en-US" sz="1800" dirty="0" err="1"/>
+              <a:t>Viêm</a:t>
+            </a:r>
+            <a:r>
+              <a:rPr lang="en-US" sz="1800" dirty="0"/>
+              <a:t> </a:t>
+            </a:r>
+            <a:r>
+              <a:rPr lang="en-US" sz="1800" dirty="0" err="1"/>
+              <a:t>gan</a:t>
+            </a:r>
+            <a:r>
+              <a:rPr lang="en-US" sz="1800" dirty="0"/>
+              <a:t> B </a:t>
+            </a:r>
+            <a:r>
+              <a:rPr lang="en-US" sz="1800" dirty="0" err="1"/>
+              <a:t>tại</a:t>
+            </a:r>
+            <a:r>
+              <a:rPr lang="en-US" sz="1800" dirty="0"/>
+              <a:t> </a:t>
+            </a:r>
+            <a:r>
+              <a:rPr lang="en-US" sz="1800" dirty="0" err="1"/>
+              <a:t>Bạch</a:t>
+            </a:r>
+            <a:r>
+              <a:rPr lang="en-US" sz="1800" dirty="0"/>
+              <a:t> Mai </a:t>
+            </a:r>
+            <a:r>
+              <a:rPr lang="en-US" sz="1800" dirty="0" err="1"/>
+              <a:t>các</a:t>
+            </a:r>
+            <a:r>
+              <a:rPr lang="en-US" sz="1800" dirty="0"/>
+              <a:t> </a:t>
+            </a:r>
+            <a:r>
+              <a:rPr lang="en-US" sz="1800" dirty="0" err="1"/>
+              <a:t>đây</a:t>
+            </a:r>
+            <a:r>
+              <a:rPr lang="en-US" sz="1800" dirty="0"/>
+              <a:t> 3 </a:t>
+            </a:r>
+            <a:r>
+              <a:rPr lang="en-US" sz="1800" dirty="0" err="1"/>
+              <a:t>tháng</a:t>
+            </a:r>
+            <a:r>
+              <a:rPr lang="en-US" sz="1800" dirty="0"/>
+              <a:t>, </a:t>
+            </a:r>
+            <a:r>
+              <a:rPr lang="en-US" sz="1800" dirty="0" err="1"/>
+              <a:t>đợt</a:t>
+            </a:r>
+            <a:r>
+              <a:rPr lang="en-US" sz="1800" dirty="0"/>
+              <a:t> </a:t>
+            </a:r>
+            <a:r>
+              <a:rPr lang="en-US" sz="1800" dirty="0" err="1"/>
+              <a:t>này</a:t>
+            </a:r>
+            <a:r>
+              <a:rPr lang="en-US" sz="1800" dirty="0"/>
+              <a:t> </a:t>
+            </a:r>
+            <a:r>
+              <a:rPr lang="en-US" sz="1800" dirty="0" err="1"/>
+              <a:t>vào</a:t>
+            </a:r>
+            <a:r>
+              <a:rPr lang="en-US" sz="1800" dirty="0"/>
+              <a:t> </a:t>
+            </a:r>
+            <a:r>
+              <a:rPr lang="en-US" sz="1800" dirty="0" err="1"/>
+              <a:t>viện</a:t>
+            </a:r>
+            <a:r>
+              <a:rPr lang="en-US" sz="1800" dirty="0"/>
+              <a:t> </a:t>
+            </a:r>
+            <a:r>
+              <a:rPr lang="en-US" sz="1800" dirty="0" err="1"/>
+              <a:t>vì</a:t>
+            </a:r>
+            <a:r>
+              <a:rPr lang="en-US" sz="1800" dirty="0"/>
+              <a:t> </a:t>
+            </a:r>
+            <a:r>
+              <a:rPr lang="en-US" sz="1800" dirty="0" err="1"/>
+              <a:t>chán</a:t>
+            </a:r>
+            <a:r>
+              <a:rPr lang="en-US" sz="1800" dirty="0"/>
+              <a:t> </a:t>
+            </a:r>
+            <a:r>
+              <a:rPr lang="en-US" sz="1800" dirty="0" err="1"/>
+              <a:t>ăn</a:t>
+            </a:r>
+            <a:r>
+              <a:rPr lang="en-US" sz="1800" dirty="0"/>
+              <a:t>, </a:t>
+            </a:r>
+            <a:r>
+              <a:rPr lang="en-US" sz="1800" dirty="0" err="1"/>
+              <a:t>đau</a:t>
+            </a:r>
+            <a:r>
+              <a:rPr lang="en-US" sz="1800" dirty="0"/>
+              <a:t> </a:t>
+            </a:r>
+            <a:r>
+              <a:rPr lang="en-US" sz="1800" dirty="0" err="1"/>
+              <a:t>vùng</a:t>
+            </a:r>
+            <a:r>
+              <a:rPr lang="en-US" sz="1800" dirty="0"/>
+              <a:t> </a:t>
+            </a:r>
+            <a:r>
+              <a:rPr lang="en-US" sz="1800" dirty="0" err="1"/>
+              <a:t>thượng</a:t>
+            </a:r>
+            <a:r>
+              <a:rPr lang="en-US" sz="1800" dirty="0"/>
+              <a:t> </a:t>
+            </a:r>
+            <a:r>
+              <a:rPr lang="en-US" sz="1800" dirty="0" err="1"/>
+              <a:t>vị</a:t>
+            </a:r>
+            <a:r>
+              <a:rPr lang="en-US" sz="1800" dirty="0"/>
+              <a:t> </a:t>
+            </a:r>
+            <a:r>
+              <a:rPr lang="en-US" sz="1800" dirty="0" err="1"/>
+              <a:t>lệch</a:t>
+            </a:r>
+            <a:r>
+              <a:rPr lang="en-US" sz="1800" dirty="0"/>
+              <a:t> (P) </a:t>
+            </a:r>
+            <a:r>
+              <a:rPr lang="en-US" sz="1800" dirty="0" err="1"/>
+              <a:t>ngày</a:t>
+            </a:r>
+            <a:r>
+              <a:rPr lang="en-US" sz="1800" dirty="0"/>
+              <a:t> </a:t>
+            </a:r>
+            <a:r>
+              <a:rPr lang="en-US" sz="1800" dirty="0" err="1"/>
+              <a:t>thứ</a:t>
+            </a:r>
+            <a:r>
+              <a:rPr lang="en-US" sz="1800" dirty="0"/>
+              <a:t> </a:t>
+            </a:r>
+            <a:r>
+              <a:rPr lang="en-US" sz="1800" dirty="0" err="1"/>
+              <a:t>hai</a:t>
+            </a:r>
+            <a:r>
+              <a:rPr lang="en-US" sz="1800" dirty="0"/>
+              <a:t> </a:t>
+            </a:r>
+            <a:r>
+              <a:rPr lang="en-US" sz="1800" dirty="0" err="1"/>
+              <a:t>của</a:t>
+            </a:r>
+            <a:r>
+              <a:rPr lang="en-US" sz="1800" dirty="0"/>
+              <a:t> </a:t>
+            </a:r>
+            <a:r>
+              <a:rPr lang="en-US" sz="1800" dirty="0" err="1"/>
+              <a:t>bệnh</a:t>
+            </a:r>
+            <a:r>
+              <a:rPr lang="en-US" sz="1800" dirty="0"/>
+              <a:t>. Qua </a:t>
+            </a:r>
+            <a:r>
+              <a:rPr lang="en-US" sz="1800" dirty="0" err="1"/>
+              <a:t>hỏi</a:t>
+            </a:r>
+            <a:r>
+              <a:rPr lang="en-US" sz="1800" dirty="0"/>
+              <a:t> </a:t>
+            </a:r>
+            <a:r>
+              <a:rPr lang="en-US" sz="1800" dirty="0" err="1"/>
+              <a:t>và</a:t>
+            </a:r>
+            <a:r>
+              <a:rPr lang="en-US" sz="1800" dirty="0"/>
+              <a:t> </a:t>
+            </a:r>
+            <a:r>
+              <a:rPr lang="en-US" sz="1800" dirty="0" err="1"/>
+              <a:t>khám</a:t>
+            </a:r>
+            <a:r>
+              <a:rPr lang="en-US" sz="1800" dirty="0"/>
+              <a:t> </a:t>
+            </a:r>
+            <a:r>
+              <a:rPr lang="en-US" sz="1800" dirty="0" err="1"/>
+              <a:t>thấy</a:t>
+            </a:r>
+            <a:r>
+              <a:rPr lang="en-US" sz="1800" dirty="0"/>
+              <a:t>:</a:t>
+            </a:r>
+          </a:p>
+          <a:p>
+            <a:pPr marL="0" lvl="0" indent="0" algn="l" rtl="0">
+              <a:spcBef>
+                <a:spcPts val="0"/>
+              </a:spcBef>
+              <a:spcAft>
+                <a:spcPts val="0"/>
+              </a:spcAft>
+              <a:buClr>
+                <a:srgbClr val="002060"/>
+              </a:buClr>
+              <a:buSzPct val="100000"/>
+              <a:buNone/>
+            </a:pPr>
+            <a:r>
               <a:rPr lang="en-US" sz="1800" b="1" dirty="0" err="1"/>
-              <a:t>Hội</a:t>
+              <a:t>Tiền</a:t>
             </a:r>
             <a:r>
               <a:rPr lang="en-US" sz="1800" b="1" dirty="0"/>
@@ -14121,55 +13800,7 @@
             </a:r>
             <a:r>
               <a:rPr lang="en-US" sz="1800" b="1" dirty="0" err="1"/>
-              <a:t>chứng</a:t>
-            </a:r>
-            <a:r>
-              <a:rPr lang="en-US" sz="1800" b="1" dirty="0"/>
-              <a:t> </a:t>
-            </a:r>
-            <a:r>
-              <a:rPr lang="en-US" sz="1800" b="1" dirty="0" err="1"/>
-              <a:t>tăng</a:t>
-            </a:r>
-            <a:r>
-              <a:rPr lang="en-US" sz="1800" b="1" dirty="0"/>
-              <a:t> </a:t>
-            </a:r>
-            <a:r>
-              <a:rPr lang="en-US" sz="1800" b="1" dirty="0" err="1"/>
-              <a:t>áp</a:t>
-            </a:r>
-            <a:r>
-              <a:rPr lang="en-US" sz="1800" b="1" dirty="0"/>
-              <a:t> </a:t>
-            </a:r>
-            <a:r>
-              <a:rPr lang="en-US" sz="1800" b="1" dirty="0" err="1"/>
-              <a:t>lực</a:t>
-            </a:r>
-            <a:r>
-              <a:rPr lang="en-US" sz="1800" b="1" dirty="0"/>
-              <a:t> </a:t>
-            </a:r>
-            <a:r>
-              <a:rPr lang="en-US" sz="1800" b="1" dirty="0" err="1"/>
-              <a:t>tĩnh</a:t>
-            </a:r>
-            <a:r>
-              <a:rPr lang="en-US" sz="1800" b="1" dirty="0"/>
-              <a:t> </a:t>
-            </a:r>
-            <a:r>
-              <a:rPr lang="en-US" sz="1800" b="1" dirty="0" err="1"/>
-              <a:t>mạch</a:t>
-            </a:r>
-            <a:r>
-              <a:rPr lang="en-US" sz="1800" b="1" dirty="0"/>
-              <a:t> </a:t>
-            </a:r>
-            <a:r>
-              <a:rPr lang="en-US" sz="1800" b="1" dirty="0" err="1"/>
-              <a:t>cửa</a:t>
+              <a:t>sử</a:t>
             </a:r>
             <a:r>
               <a:rPr lang="en-US" sz="1800" b="1" dirty="0"/>
@@ -14186,28 +13817,8 @@
               <a:buChar char="•"/>
             </a:pPr>
             <a:r>
-              <a:rPr lang="en-US" sz="1800" dirty="0" err="1"/>
-              <a:t>Bụng</a:t>
-            </a:r>
-            <a:r>
-              <a:rPr lang="en-US" sz="1800" dirty="0"/>
-              <a:t> </a:t>
-            </a:r>
-            <a:r>
-              <a:rPr lang="en-US" sz="1800" dirty="0" err="1"/>
-              <a:t>chướng</a:t>
-            </a:r>
-            <a:r>
-              <a:rPr lang="en-US" sz="1800" dirty="0"/>
-              <a:t> </a:t>
-            </a:r>
-            <a:r>
-              <a:rPr lang="en-US" sz="1800" dirty="0" err="1"/>
-              <a:t>dịch</a:t>
-            </a:r>
-            <a:r>
-              <a:rPr lang="en-US" sz="1800" dirty="0"/>
-              <a:t> (++)</a:t>
+              <a:rPr lang="en-US" sz="1800" dirty="0"/>
+              <a:t>HBsAg (+)</a:t>
             </a:r>
           </a:p>
           <a:p>
@@ -14221,39 +13832,175 @@
             </a:pPr>
             <a:r>
               <a:rPr lang="en-US" sz="1800" dirty="0" err="1"/>
-              <a:t>Không</a:t>
-            </a:r>
-            <a:r>
-              <a:rPr lang="en-US" sz="1800" dirty="0"/>
-              <a:t> </a:t>
-            </a:r>
-            <a:r>
-              <a:rPr lang="en-US" sz="1800" dirty="0" err="1"/>
-              <a:t>tuần</a:t>
-            </a:r>
-            <a:r>
-              <a:rPr lang="en-US" sz="1800" dirty="0"/>
-              <a:t> </a:t>
-            </a:r>
-            <a:r>
-              <a:rPr lang="en-US" sz="1800" dirty="0" err="1"/>
-              <a:t>hoàn</a:t>
-            </a:r>
-            <a:r>
-              <a:rPr lang="en-US" sz="1800" dirty="0"/>
-              <a:t> </a:t>
-            </a:r>
-            <a:r>
-              <a:rPr lang="en-US" sz="1800" dirty="0" err="1"/>
-              <a:t>bàng</a:t>
-            </a:r>
-            <a:r>
-              <a:rPr lang="en-US" sz="1800" dirty="0"/>
-              <a:t> </a:t>
-            </a:r>
-            <a:r>
-              <a:rPr lang="en-US" sz="1800" dirty="0" err="1"/>
-              <a:t>hệ</a:t>
+              <a:t>Hút</a:t>
+            </a:r>
+            <a:r>
+              <a:rPr lang="en-US" sz="1800" dirty="0"/>
+              <a:t> </a:t>
+            </a:r>
+            <a:r>
+              <a:rPr lang="en-US" sz="1800" dirty="0" err="1"/>
+              <a:t>thuốc</a:t>
+            </a:r>
+            <a:r>
+              <a:rPr lang="en-US" sz="1800" dirty="0"/>
+              <a:t>, </a:t>
+            </a:r>
+            <a:r>
+              <a:rPr lang="en-US" sz="1800" dirty="0" err="1"/>
+              <a:t>không</a:t>
+            </a:r>
+            <a:r>
+              <a:rPr lang="en-US" sz="1800" dirty="0"/>
+              <a:t> </a:t>
+            </a:r>
+            <a:r>
+              <a:rPr lang="en-US" sz="1800" dirty="0" err="1"/>
+              <a:t>nghiện</a:t>
+            </a:r>
+            <a:r>
+              <a:rPr lang="en-US" sz="1800" dirty="0"/>
+              <a:t> </a:t>
+            </a:r>
+            <a:r>
+              <a:rPr lang="en-US" sz="1800" dirty="0" err="1"/>
+              <a:t>rượu</a:t>
+            </a:r>
+            <a:endParaRPr lang="en-US" sz="1800" dirty="0"/>
+          </a:p>
+          <a:p>
+            <a:pPr marL="0" indent="0">
+              <a:buClr>
+                <a:srgbClr val="002060"/>
+              </a:buClr>
+              <a:buSzPct val="100000"/>
+              <a:buNone/>
+            </a:pPr>
+            <a:r>
+              <a:rPr lang="en-US" sz="1800" b="1" dirty="0" err="1"/>
+              <a:t>Hội</a:t>
+            </a:r>
+            <a:r>
+              <a:rPr lang="en-US" sz="1800" b="1" dirty="0"/>
+              <a:t> </a:t>
+            </a:r>
+            <a:r>
+              <a:rPr lang="en-US" sz="1800" b="1" dirty="0" err="1"/>
+              <a:t>chứng</a:t>
+            </a:r>
+            <a:r>
+              <a:rPr lang="en-US" sz="1800" b="1" dirty="0"/>
+              <a:t> </a:t>
+            </a:r>
+            <a:r>
+              <a:rPr lang="en-US" sz="1800" b="1" dirty="0" err="1"/>
+              <a:t>suy</a:t>
+            </a:r>
+            <a:r>
+              <a:rPr lang="en-US" sz="1800" b="1" dirty="0"/>
+              <a:t> </a:t>
+            </a:r>
+            <a:r>
+              <a:rPr lang="en-US" sz="1800" b="1" dirty="0" err="1"/>
+              <a:t>chức</a:t>
+            </a:r>
+            <a:r>
+              <a:rPr lang="en-US" sz="1800" b="1" dirty="0"/>
+              <a:t> </a:t>
+            </a:r>
+            <a:r>
+              <a:rPr lang="en-US" sz="1800" b="1" dirty="0" err="1"/>
+              <a:t>năng</a:t>
+            </a:r>
+            <a:r>
+              <a:rPr lang="en-US" sz="1800" b="1" dirty="0"/>
+              <a:t> </a:t>
+            </a:r>
+            <a:r>
+              <a:rPr lang="en-US" sz="1800" b="1" dirty="0" err="1"/>
+              <a:t>tế</a:t>
+            </a:r>
+            <a:r>
+              <a:rPr lang="en-US" sz="1800" b="1" dirty="0"/>
+              <a:t> </a:t>
+            </a:r>
+            <a:r>
+              <a:rPr lang="en-US" sz="1800" b="1" dirty="0" err="1"/>
+              <a:t>bào</a:t>
+            </a:r>
+            <a:r>
+              <a:rPr lang="en-US" sz="1800" b="1" dirty="0"/>
+              <a:t> </a:t>
+            </a:r>
+            <a:r>
+              <a:rPr lang="en-US" sz="1800" b="1" dirty="0" err="1"/>
+              <a:t>gan</a:t>
+            </a:r>
+            <a:r>
+              <a:rPr lang="en-US" sz="1800" b="1" dirty="0"/>
+              <a:t>:</a:t>
+            </a:r>
+          </a:p>
+          <a:p>
+            <a:pPr marL="285750" indent="-285750">
+              <a:buClr>
+                <a:srgbClr val="002060"/>
+              </a:buClr>
+              <a:buSzPct val="100000"/>
+              <a:buFont typeface="Arial" panose="020B0604020202020204" pitchFamily="34" charset="0"/>
+              <a:buChar char="•"/>
+            </a:pPr>
+            <a:r>
+              <a:rPr lang="en-US" sz="1800" dirty="0" err="1"/>
+              <a:t>Mệt</a:t>
+            </a:r>
+            <a:r>
+              <a:rPr lang="en-US" sz="1800" dirty="0"/>
+              <a:t> </a:t>
+            </a:r>
+            <a:r>
+              <a:rPr lang="en-US" sz="1800" dirty="0" err="1"/>
+              <a:t>mỏi</a:t>
+            </a:r>
+            <a:r>
+              <a:rPr lang="en-US" sz="1800" dirty="0"/>
+              <a:t>, </a:t>
+            </a:r>
+            <a:r>
+              <a:rPr lang="en-US" sz="1800" dirty="0" err="1"/>
+              <a:t>không</a:t>
+            </a:r>
+            <a:r>
+              <a:rPr lang="en-US" sz="1800" dirty="0"/>
+              <a:t> </a:t>
+            </a:r>
+            <a:r>
+              <a:rPr lang="en-US" sz="1800" dirty="0" err="1"/>
+              <a:t>tập</a:t>
+            </a:r>
+            <a:r>
+              <a:rPr lang="en-US" sz="1800" dirty="0"/>
+              <a:t> </a:t>
+            </a:r>
+            <a:r>
+              <a:rPr lang="en-US" sz="1800" dirty="0" err="1"/>
+              <a:t>trung</a:t>
+            </a:r>
+            <a:r>
+              <a:rPr lang="en-US" sz="1800" dirty="0"/>
+              <a:t> </a:t>
+            </a:r>
+            <a:r>
+              <a:rPr lang="en-US" sz="1800" dirty="0" err="1"/>
+              <a:t>làm</a:t>
+            </a:r>
+            <a:r>
+              <a:rPr lang="en-US" sz="1800" dirty="0"/>
+              <a:t> </a:t>
+            </a:r>
+            <a:r>
+              <a:rPr lang="en-US" sz="1800" dirty="0" err="1"/>
+              <a:t>việc</a:t>
             </a:r>
             <a:endParaRPr lang="en-US" sz="1800" dirty="0"/>
           </a:p>
@@ -14267,44 +14014,32 @@
               <a:buChar char="•"/>
             </a:pPr>
             <a:r>
-              <a:rPr lang="en-US" sz="1800" dirty="0"/>
-              <a:t>CT: </a:t>
-            </a:r>
-            <a:r>
-              <a:rPr lang="en-US" sz="1800" dirty="0" err="1"/>
-              <a:t>Có</a:t>
-            </a:r>
-            <a:r>
-              <a:rPr lang="en-US" sz="1800" dirty="0"/>
-              <a:t> </a:t>
-            </a:r>
-            <a:r>
-              <a:rPr lang="en-US" sz="1800" dirty="0" err="1"/>
-              <a:t>dịch</a:t>
-            </a:r>
-            <a:r>
-              <a:rPr lang="en-US" sz="1800" dirty="0"/>
-              <a:t> </a:t>
-            </a:r>
-            <a:r>
-              <a:rPr lang="en-US" sz="1800" dirty="0" err="1"/>
-              <a:t>tự</a:t>
-            </a:r>
-            <a:r>
-              <a:rPr lang="en-US" sz="1800" dirty="0"/>
-              <a:t> do </a:t>
-            </a:r>
-            <a:r>
-              <a:rPr lang="en-US" sz="1800" dirty="0" err="1"/>
-              <a:t>quanh</a:t>
-            </a:r>
-            <a:r>
-              <a:rPr lang="en-US" sz="1800" dirty="0"/>
-              <a:t> </a:t>
-            </a:r>
-            <a:r>
-              <a:rPr lang="en-US" sz="1800" dirty="0" err="1"/>
-              <a:t>gan</a:t>
+              <a:rPr lang="en-US" sz="1800" dirty="0" err="1"/>
+              <a:t>Rối</a:t>
+            </a:r>
+            <a:r>
+              <a:rPr lang="en-US" sz="1800" dirty="0"/>
+              <a:t> </a:t>
+            </a:r>
+            <a:r>
+              <a:rPr lang="en-US" sz="1800" dirty="0" err="1"/>
+              <a:t>loạn</a:t>
+            </a:r>
+            <a:r>
+              <a:rPr lang="en-US" sz="1800" dirty="0"/>
+              <a:t> </a:t>
+            </a:r>
+            <a:r>
+              <a:rPr lang="en-US" sz="1800" dirty="0" err="1"/>
+              <a:t>tiêu</a:t>
+            </a:r>
+            <a:r>
+              <a:rPr lang="en-US" sz="1800" dirty="0"/>
+              <a:t> </a:t>
+            </a:r>
+            <a:r>
+              <a:rPr lang="en-US" sz="1800" dirty="0" err="1"/>
+              <a:t>hóa</a:t>
             </a:r>
             <a:r>
               <a:rPr lang="en-US" sz="1800" dirty="0"/>
@@ -14312,7 +14047,15 @@
             </a:r>
             <a:r>
               <a:rPr lang="en-US" sz="1800" dirty="0" err="1"/>
-              <a:t>lách</a:t>
+              <a:t>sợ</a:t>
+            </a:r>
+            <a:r>
+              <a:rPr lang="en-US" sz="1800" dirty="0"/>
+              <a:t> </a:t>
+            </a:r>
+            <a:r>
+              <a:rPr lang="en-US" sz="1800" dirty="0" err="1"/>
+              <a:t>mỡ</a:t>
             </a:r>
             <a:r>
               <a:rPr lang="en-US" sz="1800" dirty="0"/>
@@ -14320,235 +14063,31 @@
             </a:r>
             <a:r>
               <a:rPr lang="en-US" sz="1800" dirty="0" err="1"/>
-              <a:t>rãnh</a:t>
-            </a:r>
-            <a:r>
-              <a:rPr lang="en-US" sz="1800" dirty="0"/>
-              <a:t> </a:t>
-            </a:r>
-            <a:r>
-              <a:rPr lang="en-US" sz="1800" dirty="0" err="1"/>
-              <a:t>đại</a:t>
-            </a:r>
-            <a:r>
-              <a:rPr lang="en-US" sz="1800" dirty="0"/>
-              <a:t> </a:t>
-            </a:r>
-            <a:r>
-              <a:rPr lang="en-US" sz="1800" dirty="0" err="1"/>
-              <a:t>tràng</a:t>
-            </a:r>
-            <a:r>
-              <a:rPr lang="en-US" sz="1800" dirty="0"/>
-              <a:t> 2 </a:t>
-            </a:r>
-            <a:r>
-              <a:rPr lang="en-US" sz="1800" dirty="0" err="1"/>
-              <a:t>bên</a:t>
-            </a:r>
-            <a:endParaRPr lang="en-US" sz="1800" dirty="0"/>
-          </a:p>
-          <a:p>
-            <a:pPr marL="0" indent="0">
-              <a:buClr>
-                <a:srgbClr val="002060"/>
-              </a:buClr>
-              <a:buSzPct val="100000"/>
-              <a:buNone/>
-            </a:pPr>
-            <a:r>
-              <a:rPr lang="en-US" sz="1800" b="1" dirty="0" err="1"/>
-              <a:t>Hội</a:t>
-            </a:r>
-            <a:r>
-              <a:rPr lang="en-US" sz="1800" b="1" dirty="0"/>
-              <a:t> </a:t>
-            </a:r>
-            <a:r>
-              <a:rPr lang="en-US" sz="1800" b="1" dirty="0" err="1"/>
-              <a:t>chứng</a:t>
-            </a:r>
-            <a:r>
-              <a:rPr lang="en-US" sz="1800" b="1" dirty="0"/>
-              <a:t> </a:t>
-            </a:r>
-            <a:r>
-              <a:rPr lang="en-US" sz="1800" b="1" dirty="0" err="1"/>
-              <a:t>hủy</a:t>
-            </a:r>
-            <a:r>
-              <a:rPr lang="en-US" sz="1800" b="1" dirty="0"/>
-              <a:t> </a:t>
-            </a:r>
-            <a:r>
-              <a:rPr lang="en-US" sz="1800" b="1" dirty="0" err="1"/>
-              <a:t>hoại</a:t>
-            </a:r>
-            <a:r>
-              <a:rPr lang="en-US" sz="1800" b="1" dirty="0"/>
-              <a:t> </a:t>
-            </a:r>
-            <a:r>
-              <a:rPr lang="en-US" sz="1800" b="1" dirty="0" err="1"/>
-              <a:t>tế</a:t>
-            </a:r>
-            <a:r>
-              <a:rPr lang="en-US" sz="1800" b="1" dirty="0"/>
-              <a:t> </a:t>
-            </a:r>
-            <a:r>
-              <a:rPr lang="en-US" sz="1800" b="1" dirty="0" err="1"/>
-              <a:t>bào</a:t>
-            </a:r>
-            <a:r>
-              <a:rPr lang="en-US" sz="1800" b="1" dirty="0"/>
-              <a:t> </a:t>
-            </a:r>
-            <a:r>
-              <a:rPr lang="en-US" sz="1800" b="1" dirty="0" err="1"/>
-              <a:t>gan</a:t>
-            </a:r>
-            <a:r>
-              <a:rPr lang="en-US" sz="1800" b="1" dirty="0"/>
-              <a:t>:</a:t>
-            </a:r>
-          </a:p>
-          <a:p>
-            <a:pPr marL="285750" indent="-285750">
-              <a:buClr>
-                <a:srgbClr val="002060"/>
-              </a:buClr>
-              <a:buSzPct val="100000"/>
-              <a:buFont typeface="Arial" panose="020B0604020202020204" pitchFamily="34" charset="0"/>
-              <a:buChar char="•"/>
-            </a:pPr>
-            <a:r>
-              <a:rPr lang="en-US" sz="1800" dirty="0"/>
-              <a:t>AST/ALT </a:t>
-            </a:r>
-            <a:r>
-              <a:rPr lang="en-US" sz="1800" dirty="0">
-                <a:solidFill>
-                  <a:srgbClr val="002060"/>
-                </a:solidFill>
-                <a:latin typeface="Montserrat" panose="00000500000000000000" pitchFamily="2" charset="0"/>
-              </a:rPr>
-              <a:t>271.9/70.7 U/l</a:t>
-            </a:r>
-            <a:endParaRPr lang="en-US" sz="1800" dirty="0"/>
-          </a:p>
-          <a:p>
-            <a:pPr marL="0" lvl="0" indent="0" algn="l" rtl="0">
-              <a:spcBef>
-                <a:spcPts val="0"/>
-              </a:spcBef>
-              <a:spcAft>
-                <a:spcPts val="0"/>
-              </a:spcAft>
-              <a:buClr>
-                <a:schemeClr val="dk1"/>
-              </a:buClr>
-              <a:buSzPts val="1100"/>
-              <a:buFont typeface="Arial"/>
-              <a:buNone/>
-            </a:pPr>
-            <a:r>
-              <a:rPr lang="en-US" sz="1800" b="1" dirty="0" err="1"/>
-              <a:t>Triệu</a:t>
-            </a:r>
-            <a:r>
-              <a:rPr lang="en-US" sz="1800" b="1" dirty="0"/>
-              <a:t> </a:t>
-            </a:r>
-            <a:r>
-              <a:rPr lang="en-US" sz="1800" b="1" dirty="0" err="1"/>
-              <a:t>chứng</a:t>
-            </a:r>
-            <a:r>
-              <a:rPr lang="en-US" sz="1800" b="1" dirty="0"/>
-              <a:t> </a:t>
-            </a:r>
-            <a:r>
-              <a:rPr lang="en-US" sz="1800" b="1" dirty="0" err="1"/>
-              <a:t>thay</a:t>
-            </a:r>
-            <a:r>
-              <a:rPr lang="en-US" sz="1800" b="1" dirty="0"/>
-              <a:t> </a:t>
-            </a:r>
-            <a:r>
-              <a:rPr lang="en-US" sz="1800" b="1" dirty="0" err="1"/>
-              <a:t>đổi</a:t>
-            </a:r>
-            <a:r>
-              <a:rPr lang="en-US" sz="1800" b="1" dirty="0"/>
-              <a:t> </a:t>
-            </a:r>
-            <a:r>
-              <a:rPr lang="en-US" sz="1800" b="1" dirty="0" err="1"/>
-              <a:t>hình</a:t>
-            </a:r>
-            <a:r>
-              <a:rPr lang="en-US" sz="1800" b="1" dirty="0"/>
-              <a:t> </a:t>
-            </a:r>
-            <a:r>
-              <a:rPr lang="en-US" sz="1800" b="1" dirty="0" err="1"/>
-              <a:t>thái</a:t>
-            </a:r>
-            <a:r>
-              <a:rPr lang="en-US" sz="1800" b="1" dirty="0"/>
-              <a:t> </a:t>
-            </a:r>
-            <a:r>
-              <a:rPr lang="en-US" sz="1800" b="1" dirty="0" err="1"/>
-              <a:t>gan</a:t>
-            </a:r>
-            <a:r>
-              <a:rPr lang="en-US" sz="1800" b="1" dirty="0"/>
-              <a:t>:</a:t>
-            </a:r>
-          </a:p>
-          <a:p>
-            <a:pPr marL="285750" indent="-285750">
-              <a:buClr>
-                <a:srgbClr val="002060"/>
-              </a:buClr>
-              <a:buSzPct val="100000"/>
-              <a:buFont typeface="Arial" panose="020B0604020202020204" pitchFamily="34" charset="0"/>
-              <a:buChar char="•"/>
-            </a:pPr>
-            <a:r>
-              <a:rPr lang="en-US" sz="1800" dirty="0"/>
-              <a:t>Gan </a:t>
-            </a:r>
-            <a:r>
-              <a:rPr lang="en-US" sz="1800" dirty="0" err="1"/>
-              <a:t>mấp</a:t>
-            </a:r>
-            <a:r>
-              <a:rPr lang="en-US" sz="1800" dirty="0"/>
-              <a:t> </a:t>
-            </a:r>
-            <a:r>
-              <a:rPr lang="en-US" sz="1800" dirty="0" err="1"/>
-              <a:t>mé</a:t>
-            </a:r>
-            <a:r>
-              <a:rPr lang="en-US" sz="1800" dirty="0"/>
-              <a:t> </a:t>
-            </a:r>
-            <a:r>
-              <a:rPr lang="en-US" sz="1800" dirty="0" err="1"/>
-              <a:t>bờ</a:t>
-            </a:r>
-            <a:r>
-              <a:rPr lang="en-US" sz="1800" dirty="0"/>
-              <a:t> </a:t>
-            </a:r>
-            <a:r>
-              <a:rPr lang="en-US" sz="1800" dirty="0" err="1"/>
-              <a:t>sườn</a:t>
+              <a:t>nước</a:t>
+            </a:r>
+            <a:r>
+              <a:rPr lang="en-US" sz="1800" dirty="0"/>
+              <a:t> </a:t>
+            </a:r>
+            <a:r>
+              <a:rPr lang="en-US" sz="1800" dirty="0" err="1"/>
+              <a:t>tiểu</a:t>
+            </a:r>
+            <a:r>
+              <a:rPr lang="en-US" sz="1800" dirty="0"/>
+              <a:t> </a:t>
+            </a:r>
+            <a:r>
+              <a:rPr lang="en-US" sz="1800" dirty="0" err="1"/>
+              <a:t>sẫm</a:t>
+            </a:r>
+            <a:r>
+              <a:rPr lang="en-US" sz="1800" dirty="0"/>
+              <a:t> </a:t>
+            </a:r>
+            <a:r>
+              <a:rPr lang="en-US" sz="1800" dirty="0" err="1"/>
+              <a:t>màu</a:t>
             </a:r>
             <a:endParaRPr lang="en-US" sz="1800" dirty="0"/>
           </a:p>
@@ -14562,52 +14101,32 @@
               <a:buChar char="•"/>
             </a:pPr>
             <a:r>
-              <a:rPr lang="en-US" sz="1800" dirty="0"/>
-              <a:t>CT: Gan </a:t>
-            </a:r>
-            <a:r>
-              <a:rPr lang="en-US" sz="1800" dirty="0" err="1"/>
-              <a:t>kích</a:t>
-            </a:r>
-            <a:r>
-              <a:rPr lang="en-US" sz="1800" dirty="0"/>
-              <a:t> </a:t>
-            </a:r>
-            <a:r>
-              <a:rPr lang="en-US" sz="1800" dirty="0" err="1"/>
-              <a:t>thước</a:t>
-            </a:r>
-            <a:r>
-              <a:rPr lang="en-US" sz="1800" dirty="0"/>
-              <a:t> to, </a:t>
-            </a:r>
-            <a:r>
-              <a:rPr lang="en-US" sz="1800" dirty="0" err="1"/>
-              <a:t>bờ</a:t>
-            </a:r>
-            <a:r>
-              <a:rPr lang="en-US" sz="1800" dirty="0"/>
-              <a:t> </a:t>
-            </a:r>
-            <a:r>
-              <a:rPr lang="en-US" sz="1800" dirty="0" err="1"/>
-              <a:t>gan</a:t>
-            </a:r>
-            <a:r>
-              <a:rPr lang="en-US" sz="1800" dirty="0"/>
-              <a:t> </a:t>
-            </a:r>
-            <a:r>
-              <a:rPr lang="en-US" sz="1800" dirty="0" err="1"/>
-              <a:t>không</a:t>
-            </a:r>
-            <a:r>
-              <a:rPr lang="en-US" sz="1800" dirty="0"/>
-              <a:t> </a:t>
-            </a:r>
-            <a:r>
-              <a:rPr lang="en-US" sz="1800" dirty="0" err="1"/>
-              <a:t>đều</a:t>
+              <a:rPr lang="en-US" sz="1800" dirty="0" err="1"/>
+              <a:t>Hội</a:t>
+            </a:r>
+            <a:r>
+              <a:rPr lang="en-US" sz="1800" dirty="0"/>
+              <a:t> </a:t>
+            </a:r>
+            <a:r>
+              <a:rPr lang="en-US" sz="1800" dirty="0" err="1"/>
+              <a:t>chứng</a:t>
+            </a:r>
+            <a:r>
+              <a:rPr lang="en-US" sz="1800" dirty="0"/>
+              <a:t> </a:t>
+            </a:r>
+            <a:r>
+              <a:rPr lang="en-US" sz="1800" dirty="0" err="1"/>
+              <a:t>vàng</a:t>
+            </a:r>
+            <a:r>
+              <a:rPr lang="en-US" sz="1800" dirty="0"/>
+              <a:t> da (Da </a:t>
+            </a:r>
+            <a:r>
+              <a:rPr lang="en-US" sz="1800" dirty="0" err="1"/>
+              <a:t>sạm</a:t>
             </a:r>
             <a:r>
               <a:rPr lang="en-US" sz="1800" dirty="0"/>
@@ -14615,135 +14134,7 @@
             </a:r>
             <a:r>
               <a:rPr lang="en-US" sz="1800" dirty="0" err="1"/>
-              <a:t>nhu</a:t>
-            </a:r>
-            <a:r>
-              <a:rPr lang="en-US" sz="1800" dirty="0"/>
-              <a:t> </a:t>
-            </a:r>
-            <a:r>
-              <a:rPr lang="en-US" sz="1800" dirty="0" err="1"/>
-              <a:t>mô</a:t>
-            </a:r>
-            <a:r>
-              <a:rPr lang="en-US" sz="1800" dirty="0"/>
-              <a:t> </a:t>
-            </a:r>
-            <a:r>
-              <a:rPr lang="en-US" sz="1800" dirty="0" err="1"/>
-              <a:t>gan</a:t>
-            </a:r>
-            <a:r>
-              <a:rPr lang="en-US" sz="1800" dirty="0"/>
-              <a:t> </a:t>
-            </a:r>
-            <a:r>
-              <a:rPr lang="en-US" sz="1800" dirty="0" err="1"/>
-              <a:t>trái</a:t>
-            </a:r>
-            <a:r>
-              <a:rPr lang="en-US" sz="1800" dirty="0"/>
-              <a:t> </a:t>
-            </a:r>
-            <a:r>
-              <a:rPr lang="en-US" sz="1800" dirty="0" err="1"/>
-              <a:t>có</a:t>
-            </a:r>
-            <a:r>
-              <a:rPr lang="en-US" sz="1800" dirty="0"/>
-              <a:t> </a:t>
-            </a:r>
-            <a:r>
-              <a:rPr lang="en-US" sz="1800" dirty="0" err="1"/>
-              <a:t>vài</a:t>
-            </a:r>
-            <a:r>
-              <a:rPr lang="en-US" sz="1800" dirty="0"/>
-              <a:t> </a:t>
-            </a:r>
-            <a:r>
-              <a:rPr lang="en-US" sz="1800" dirty="0" err="1"/>
-              <a:t>khối</a:t>
-            </a:r>
-            <a:r>
-              <a:rPr lang="en-US" sz="1800" dirty="0"/>
-              <a:t> </a:t>
-            </a:r>
-            <a:r>
-              <a:rPr lang="en-US" sz="1800" dirty="0" err="1"/>
-              <a:t>ranh</a:t>
-            </a:r>
-            <a:r>
-              <a:rPr lang="en-US" sz="1800" dirty="0"/>
-              <a:t> </a:t>
-            </a:r>
-            <a:r>
-              <a:rPr lang="en-US" sz="1800" dirty="0" err="1"/>
-              <a:t>giới</a:t>
-            </a:r>
-            <a:r>
-              <a:rPr lang="en-US" sz="1800" dirty="0"/>
-              <a:t> </a:t>
-            </a:r>
-            <a:r>
-              <a:rPr lang="en-US" sz="1800" dirty="0" err="1"/>
-              <a:t>rõ</a:t>
-            </a:r>
-            <a:r>
-              <a:rPr lang="en-US" sz="1800" dirty="0"/>
-              <a:t> </a:t>
-            </a:r>
-            <a:r>
-              <a:rPr lang="en-US" sz="1800" dirty="0" err="1"/>
-              <a:t>sau</a:t>
-            </a:r>
-            <a:r>
-              <a:rPr lang="en-US" sz="1800" dirty="0"/>
-              <a:t> </a:t>
-            </a:r>
-            <a:r>
-              <a:rPr lang="en-US" sz="1800" dirty="0" err="1"/>
-              <a:t>tiêm</a:t>
-            </a:r>
-            <a:r>
-              <a:rPr lang="en-US" sz="1800" dirty="0"/>
-              <a:t> </a:t>
-            </a:r>
-            <a:r>
-              <a:rPr lang="en-US" sz="1800" dirty="0" err="1"/>
-              <a:t>ngấm</a:t>
-            </a:r>
-            <a:r>
-              <a:rPr lang="en-US" sz="1800" dirty="0"/>
-              <a:t> </a:t>
-            </a:r>
-            <a:r>
-              <a:rPr lang="en-US" sz="1800" dirty="0" err="1"/>
-              <a:t>thuốc</a:t>
-            </a:r>
-            <a:r>
-              <a:rPr lang="en-US" sz="1800" dirty="0"/>
-              <a:t> </a:t>
-            </a:r>
-            <a:r>
-              <a:rPr lang="en-US" sz="1800" dirty="0" err="1"/>
-              <a:t>thì</a:t>
-            </a:r>
-            <a:r>
-              <a:rPr lang="en-US" sz="1800" dirty="0"/>
-              <a:t> </a:t>
-            </a:r>
-            <a:r>
-              <a:rPr lang="en-US" sz="1800" dirty="0" err="1"/>
-              <a:t>động</a:t>
-            </a:r>
-            <a:r>
-              <a:rPr lang="en-US" sz="1800" dirty="0"/>
-              <a:t> </a:t>
-            </a:r>
-            <a:r>
-              <a:rPr lang="en-US" sz="1800" dirty="0" err="1"/>
-              <a:t>mạch</a:t>
+              <a:t>vàng</a:t>
             </a:r>
             <a:r>
               <a:rPr lang="en-US" sz="1800" dirty="0"/>
@@ -14751,183 +14142,31 @@
             </a:r>
             <a:r>
               <a:rPr lang="en-US" sz="1800" dirty="0" err="1"/>
-              <a:t>thải</a:t>
-            </a:r>
-            <a:r>
-              <a:rPr lang="en-US" sz="1800" dirty="0"/>
-              <a:t> </a:t>
-            </a:r>
-            <a:r>
-              <a:rPr lang="en-US" sz="1800" dirty="0" err="1"/>
-              <a:t>thuốc</a:t>
-            </a:r>
-            <a:r>
-              <a:rPr lang="en-US" sz="1800" dirty="0"/>
-              <a:t> </a:t>
-            </a:r>
-            <a:r>
-              <a:rPr lang="en-US" sz="1800" dirty="0" err="1"/>
-              <a:t>thì</a:t>
-            </a:r>
-            <a:r>
-              <a:rPr lang="en-US" sz="1800" dirty="0"/>
-              <a:t> </a:t>
-            </a:r>
-            <a:r>
-              <a:rPr lang="en-US" sz="1800" dirty="0" err="1"/>
-              <a:t>tĩnh</a:t>
-            </a:r>
-            <a:r>
-              <a:rPr lang="en-US" sz="1800" dirty="0"/>
-              <a:t> </a:t>
-            </a:r>
-            <a:r>
-              <a:rPr lang="en-US" sz="1800" dirty="0" err="1"/>
-              <a:t>mạch</a:t>
-            </a:r>
-            <a:r>
-              <a:rPr lang="en-US" sz="1800" dirty="0"/>
-              <a:t>. </a:t>
-            </a:r>
-            <a:r>
-              <a:rPr lang="en-US" sz="1800" dirty="0" err="1"/>
-              <a:t>Rải</a:t>
-            </a:r>
-            <a:r>
-              <a:rPr lang="en-US" sz="1800" dirty="0"/>
-              <a:t> </a:t>
-            </a:r>
-            <a:r>
-              <a:rPr lang="en-US" sz="1800" dirty="0" err="1"/>
-              <a:t>rác</a:t>
-            </a:r>
-            <a:r>
-              <a:rPr lang="en-US" sz="1800" dirty="0"/>
-              <a:t> </a:t>
-            </a:r>
-            <a:r>
-              <a:rPr lang="en-US" sz="1800" dirty="0" err="1"/>
-              <a:t>nhu</a:t>
-            </a:r>
-            <a:r>
-              <a:rPr lang="en-US" sz="1800" dirty="0"/>
-              <a:t> </a:t>
-            </a:r>
-            <a:r>
-              <a:rPr lang="en-US" sz="1800" dirty="0" err="1"/>
-              <a:t>mô</a:t>
-            </a:r>
-            <a:r>
-              <a:rPr lang="en-US" sz="1800" dirty="0"/>
-              <a:t> </a:t>
-            </a:r>
-            <a:r>
-              <a:rPr lang="en-US" sz="1800" dirty="0" err="1"/>
-              <a:t>gan</a:t>
-            </a:r>
-            <a:r>
-              <a:rPr lang="en-US" sz="1800" dirty="0"/>
-              <a:t> </a:t>
-            </a:r>
-            <a:r>
-              <a:rPr lang="en-US" sz="1800" dirty="0" err="1"/>
-              <a:t>có</a:t>
-            </a:r>
-            <a:r>
-              <a:rPr lang="en-US" sz="1800" dirty="0"/>
-              <a:t> </a:t>
-            </a:r>
-            <a:r>
-              <a:rPr lang="en-US" sz="1800" dirty="0" err="1"/>
-              <a:t>nhiều</a:t>
-            </a:r>
-            <a:r>
-              <a:rPr lang="en-US" sz="1800" dirty="0"/>
-              <a:t> </a:t>
-            </a:r>
-            <a:r>
-              <a:rPr lang="en-US" sz="1800" dirty="0" err="1"/>
-              <a:t>nốt</a:t>
-            </a:r>
-            <a:r>
-              <a:rPr lang="en-US" sz="1800" dirty="0"/>
-              <a:t> </a:t>
-            </a:r>
-            <a:r>
-              <a:rPr lang="en-US" sz="1800" dirty="0" err="1"/>
-              <a:t>kích</a:t>
-            </a:r>
-            <a:r>
-              <a:rPr lang="en-US" sz="1800" dirty="0"/>
-              <a:t> </a:t>
-            </a:r>
-            <a:r>
-              <a:rPr lang="en-US" sz="1800" dirty="0" err="1"/>
-              <a:t>thước</a:t>
-            </a:r>
-            <a:r>
-              <a:rPr lang="en-US" sz="1800" dirty="0"/>
-              <a:t> ~ 10 mm. </a:t>
-            </a:r>
-            <a:r>
-              <a:rPr lang="en-US" sz="1800" dirty="0" err="1"/>
-              <a:t>Đường</a:t>
-            </a:r>
-            <a:r>
-              <a:rPr lang="en-US" sz="1800" dirty="0"/>
-              <a:t> </a:t>
-            </a:r>
-            <a:r>
-              <a:rPr lang="en-US" sz="1800" dirty="0" err="1"/>
-              <a:t>mật</a:t>
-            </a:r>
-            <a:r>
-              <a:rPr lang="en-US" sz="1800" dirty="0"/>
-              <a:t> </a:t>
-            </a:r>
-            <a:r>
-              <a:rPr lang="en-US" sz="1800" dirty="0" err="1"/>
-              <a:t>trong</a:t>
-            </a:r>
-            <a:r>
-              <a:rPr lang="en-US" sz="1800" dirty="0"/>
-              <a:t> </a:t>
-            </a:r>
-            <a:r>
-              <a:rPr lang="en-US" sz="1800" dirty="0" err="1"/>
-              <a:t>và</a:t>
-            </a:r>
-            <a:r>
-              <a:rPr lang="en-US" sz="1800" dirty="0"/>
-              <a:t> </a:t>
-            </a:r>
-            <a:r>
-              <a:rPr lang="en-US" sz="1800" dirty="0" err="1"/>
-              <a:t>ngoài</a:t>
-            </a:r>
-            <a:r>
-              <a:rPr lang="en-US" sz="1800" dirty="0"/>
-              <a:t> </a:t>
-            </a:r>
-            <a:r>
-              <a:rPr lang="en-US" sz="1800" dirty="0" err="1"/>
-              <a:t>gan</a:t>
-            </a:r>
-            <a:r>
-              <a:rPr lang="en-US" sz="1800" dirty="0"/>
-              <a:t> </a:t>
-            </a:r>
-            <a:r>
-              <a:rPr lang="en-US" sz="1800" dirty="0" err="1"/>
-              <a:t>không</a:t>
-            </a:r>
-            <a:r>
-              <a:rPr lang="en-US" sz="1800" dirty="0"/>
-              <a:t> </a:t>
-            </a:r>
-            <a:r>
-              <a:rPr lang="en-US" sz="1800" dirty="0" err="1"/>
-              <a:t>giãn</a:t>
+              <a:t>củng</a:t>
+            </a:r>
+            <a:r>
+              <a:rPr lang="en-US" sz="1800" dirty="0"/>
+              <a:t> </a:t>
+            </a:r>
+            <a:r>
+              <a:rPr lang="en-US" sz="1800" dirty="0" err="1"/>
+              <a:t>mạc</a:t>
+            </a:r>
+            <a:r>
+              <a:rPr lang="en-US" sz="1800" dirty="0"/>
+              <a:t> </a:t>
+            </a:r>
+            <a:r>
+              <a:rPr lang="en-US" sz="1800" dirty="0" err="1"/>
+              <a:t>mắt</a:t>
+            </a:r>
+            <a:r>
+              <a:rPr lang="en-US" sz="1800" dirty="0"/>
+              <a:t> </a:t>
+            </a:r>
+            <a:r>
+              <a:rPr lang="en-US" sz="1800" dirty="0" err="1"/>
+              <a:t>vàng</a:t>
             </a:r>
             <a:r>
               <a:rPr lang="en-US" sz="1800" dirty="0"/>
@@ -14935,110 +14174,6 @@
             </a:r>
             <a:r>
               <a:rPr lang="en-US" sz="1800" dirty="0" err="1"/>
-              <a:t>không</a:t>
-            </a:r>
-            <a:r>
-              <a:rPr lang="en-US" sz="1800" dirty="0"/>
-              <a:t> </a:t>
-            </a:r>
-            <a:r>
-              <a:rPr lang="en-US" sz="1800" dirty="0" err="1"/>
-              <a:t>sỏi</a:t>
-            </a:r>
-            <a:r>
-              <a:rPr lang="en-US" sz="1800" dirty="0"/>
-              <a:t>. </a:t>
-            </a:r>
-            <a:r>
-              <a:rPr lang="en-US" sz="1800" dirty="0" err="1"/>
-              <a:t>Tĩnh</a:t>
-            </a:r>
-            <a:r>
-              <a:rPr lang="en-US" sz="1800" dirty="0"/>
-              <a:t> </a:t>
-            </a:r>
-            <a:r>
-              <a:rPr lang="en-US" sz="1800" dirty="0" err="1"/>
-              <a:t>mạch</a:t>
-            </a:r>
-            <a:r>
-              <a:rPr lang="en-US" sz="1800" dirty="0"/>
-              <a:t> </a:t>
-            </a:r>
-            <a:r>
-              <a:rPr lang="en-US" sz="1800" dirty="0" err="1"/>
-              <a:t>cửa</a:t>
-            </a:r>
-            <a:r>
-              <a:rPr lang="en-US" sz="1800" dirty="0"/>
-              <a:t> </a:t>
-            </a:r>
-            <a:r>
-              <a:rPr lang="en-US" sz="1800" dirty="0" err="1"/>
-              <a:t>hình</a:t>
-            </a:r>
-            <a:r>
-              <a:rPr lang="en-US" sz="1800" dirty="0"/>
-              <a:t> </a:t>
-            </a:r>
-            <a:r>
-              <a:rPr lang="en-US" sz="1800" dirty="0" err="1"/>
-              <a:t>ảnh</a:t>
-            </a:r>
-            <a:r>
-              <a:rPr lang="en-US" sz="1800" dirty="0"/>
-              <a:t> </a:t>
-            </a:r>
-            <a:r>
-              <a:rPr lang="en-US" sz="1800" dirty="0" err="1"/>
-              <a:t>nhánh</a:t>
-            </a:r>
-            <a:r>
-              <a:rPr lang="en-US" sz="1800" dirty="0"/>
-              <a:t> </a:t>
-            </a:r>
-            <a:r>
-              <a:rPr lang="en-US" sz="1800" dirty="0" err="1"/>
-              <a:t>tĩnh</a:t>
-            </a:r>
-            <a:r>
-              <a:rPr lang="en-US" sz="1800" dirty="0"/>
-              <a:t> (T) </a:t>
-            </a:r>
-            <a:r>
-              <a:rPr lang="en-US" sz="1800" dirty="0" err="1"/>
-              <a:t>có</a:t>
-            </a:r>
-            <a:r>
-              <a:rPr lang="en-US" sz="1800" dirty="0"/>
-              <a:t> </a:t>
-            </a:r>
-            <a:r>
-              <a:rPr lang="en-US" sz="1800" dirty="0" err="1"/>
-              <a:t>huyết</a:t>
-            </a:r>
-            <a:r>
-              <a:rPr lang="en-US" sz="1800" dirty="0"/>
-              <a:t> </a:t>
-            </a:r>
-            <a:r>
-              <a:rPr lang="en-US" sz="1800" dirty="0" err="1"/>
-              <a:t>khối</a:t>
-            </a:r>
-            <a:r>
-              <a:rPr lang="en-US" sz="1800" dirty="0"/>
-              <a:t> </a:t>
-            </a:r>
-            <a:r>
-              <a:rPr lang="en-US" sz="1800" dirty="0" err="1"/>
-              <a:t>đầy</a:t>
-            </a:r>
-            <a:r>
-              <a:rPr lang="en-US" sz="1800" dirty="0"/>
-              <a:t> </a:t>
-            </a:r>
-            <a:r>
-              <a:rPr lang="en-US" sz="1800" dirty="0" err="1"/>
               <a:t>lòng</a:t>
             </a:r>
             <a:r>
@@ -15047,12 +14182,102 @@
             </a:r>
             <a:r>
               <a:rPr lang="en-US" sz="1800" dirty="0" err="1"/>
-              <a:t>mạch</a:t>
-            </a:r>
-            <a:r>
-              <a:rPr lang="en-US" sz="1800" dirty="0"/>
-              <a:t>.</a:t>
-            </a:r>
+              <a:t>bàn</a:t>
+            </a:r>
+            <a:r>
+              <a:rPr lang="en-US" sz="1800" dirty="0"/>
+              <a:t> </a:t>
+            </a:r>
+            <a:r>
+              <a:rPr lang="en-US" sz="1800" dirty="0" err="1"/>
+              <a:t>tay</a:t>
+            </a:r>
+            <a:r>
+              <a:rPr lang="en-US" sz="1800" dirty="0"/>
+              <a:t> son),</a:t>
+            </a:r>
+            <a:r>
+              <a:rPr lang="en-US" sz="1800" dirty="0">
+                <a:solidFill>
+                  <a:srgbClr val="002060"/>
+                </a:solidFill>
+                <a:latin typeface="Montserrat" panose="00000500000000000000" pitchFamily="2" charset="0"/>
+              </a:rPr>
+              <a:t>Bilirubin </a:t>
+            </a:r>
+            <a:r>
+              <a:rPr lang="en-US" sz="1800" dirty="0" err="1">
+                <a:solidFill>
+                  <a:srgbClr val="002060"/>
+                </a:solidFill>
+                <a:latin typeface="Montserrat" panose="00000500000000000000" pitchFamily="2" charset="0"/>
+              </a:rPr>
+              <a:t>trực</a:t>
+            </a:r>
+            <a:r>
+              <a:rPr lang="en-US" sz="1800" dirty="0">
+                <a:solidFill>
+                  <a:srgbClr val="002060"/>
+                </a:solidFill>
+                <a:latin typeface="Montserrat" panose="00000500000000000000" pitchFamily="2" charset="0"/>
+              </a:rPr>
+              <a:t> </a:t>
+            </a:r>
+            <a:r>
+              <a:rPr lang="en-US" sz="1800" dirty="0" err="1">
+                <a:solidFill>
+                  <a:srgbClr val="002060"/>
+                </a:solidFill>
+                <a:latin typeface="Montserrat" panose="00000500000000000000" pitchFamily="2" charset="0"/>
+              </a:rPr>
+              <a:t>tiếp</a:t>
+            </a:r>
+            <a:r>
+              <a:rPr lang="en-US" sz="1800" dirty="0">
+                <a:solidFill>
+                  <a:srgbClr val="002060"/>
+                </a:solidFill>
+                <a:latin typeface="Montserrat" panose="00000500000000000000" pitchFamily="2" charset="0"/>
+              </a:rPr>
+              <a:t> / Bilirubin </a:t>
+            </a:r>
+            <a:r>
+              <a:rPr lang="en-US" sz="1800" dirty="0" err="1">
+                <a:solidFill>
+                  <a:srgbClr val="002060"/>
+                </a:solidFill>
+                <a:latin typeface="Montserrat" panose="00000500000000000000" pitchFamily="2" charset="0"/>
+              </a:rPr>
+              <a:t>toàn</a:t>
+            </a:r>
+            <a:r>
+              <a:rPr lang="en-US" sz="1800" dirty="0">
+                <a:solidFill>
+                  <a:srgbClr val="002060"/>
+                </a:solidFill>
+                <a:latin typeface="Montserrat" panose="00000500000000000000" pitchFamily="2" charset="0"/>
+              </a:rPr>
+              <a:t> </a:t>
+            </a:r>
+            <a:r>
+              <a:rPr lang="en-US" sz="1800" dirty="0" err="1">
+                <a:solidFill>
+                  <a:srgbClr val="002060"/>
+                </a:solidFill>
+                <a:latin typeface="Montserrat" panose="00000500000000000000" pitchFamily="2" charset="0"/>
+              </a:rPr>
+              <a:t>phần</a:t>
+            </a:r>
+            <a:r>
+              <a:rPr lang="en-US" sz="1800" dirty="0">
+                <a:solidFill>
+                  <a:srgbClr val="002060"/>
+                </a:solidFill>
+                <a:latin typeface="Montserrat" panose="00000500000000000000" pitchFamily="2" charset="0"/>
+              </a:rPr>
+              <a:t> 7.8 / 64.4 mmol/l.</a:t>
+            </a:r>
+            <a:endParaRPr lang="en-US" sz="1800" dirty="0"/>
           </a:p>
           <a:p>
             <a:pPr marL="285750" indent="-285750">
@@ -15063,14 +14288,106 @@
               <a:buFont typeface="Arial" panose="020B0604020202020204" pitchFamily="34" charset="0"/>
               <a:buChar char="•"/>
             </a:pPr>
-            <a:endParaRPr lang="en-US" sz="1800" dirty="0"/>
+            <a:r>
+              <a:rPr lang="en-US" sz="1800" dirty="0" err="1"/>
+              <a:t>Phù</a:t>
+            </a:r>
+            <a:r>
+              <a:rPr lang="en-US" sz="1800" dirty="0"/>
+              <a:t> 2 chi </a:t>
+            </a:r>
+            <a:r>
+              <a:rPr lang="en-US" sz="1800" dirty="0" err="1"/>
+              <a:t>dưới</a:t>
+            </a:r>
+            <a:r>
+              <a:rPr lang="en-US" sz="1800" dirty="0"/>
+              <a:t> (</a:t>
+            </a:r>
+            <a:r>
+              <a:rPr lang="en-US" sz="1800" dirty="0" err="1"/>
+              <a:t>phù</a:t>
+            </a:r>
+            <a:r>
+              <a:rPr lang="en-US" sz="1800" dirty="0"/>
+              <a:t> </a:t>
+            </a:r>
+            <a:r>
+              <a:rPr lang="en-US" sz="1800" dirty="0" err="1"/>
+              <a:t>trắng</a:t>
+            </a:r>
+            <a:r>
+              <a:rPr lang="en-US" sz="1800" dirty="0"/>
+              <a:t>, </a:t>
+            </a:r>
+            <a:r>
+              <a:rPr lang="en-US" sz="1800" dirty="0" err="1"/>
+              <a:t>mềm</a:t>
+            </a:r>
+            <a:r>
+              <a:rPr lang="en-US" sz="1800" dirty="0"/>
+              <a:t>, </a:t>
+            </a:r>
+            <a:r>
+              <a:rPr lang="en-US" sz="1800" dirty="0" err="1"/>
+              <a:t>ấn</a:t>
+            </a:r>
+            <a:r>
+              <a:rPr lang="en-US" sz="1800" dirty="0"/>
+              <a:t> </a:t>
+            </a:r>
+            <a:r>
+              <a:rPr lang="en-US" sz="1800" dirty="0" err="1"/>
+              <a:t>lõm</a:t>
+            </a:r>
+            <a:r>
+              <a:rPr lang="en-US" sz="1800" dirty="0"/>
+              <a:t>)</a:t>
+            </a:r>
+          </a:p>
+          <a:p>
+            <a:pPr marL="285750" indent="-285750">
+              <a:buClr>
+                <a:srgbClr val="002060"/>
+              </a:buClr>
+              <a:buSzPct val="100000"/>
+              <a:buFont typeface="Arial" panose="020B0604020202020204" pitchFamily="34" charset="0"/>
+              <a:buChar char="•"/>
+            </a:pPr>
+            <a:r>
+              <a:rPr lang="en-US" sz="1800" dirty="0">
+                <a:solidFill>
+                  <a:srgbClr val="002060"/>
+                </a:solidFill>
+                <a:latin typeface="Montserrat" panose="00000500000000000000" pitchFamily="2" charset="0"/>
+              </a:rPr>
+              <a:t>Albumin / Protein </a:t>
+            </a:r>
+            <a:r>
+              <a:rPr lang="en-US" sz="1800" dirty="0" err="1">
+                <a:solidFill>
+                  <a:srgbClr val="002060"/>
+                </a:solidFill>
+                <a:latin typeface="Montserrat" panose="00000500000000000000" pitchFamily="2" charset="0"/>
+              </a:rPr>
+              <a:t>máu</a:t>
+            </a:r>
+            <a:r>
+              <a:rPr lang="en-US" sz="1800" dirty="0">
+                <a:solidFill>
+                  <a:srgbClr val="002060"/>
+                </a:solidFill>
+                <a:latin typeface="Montserrat" panose="00000500000000000000" pitchFamily="2" charset="0"/>
+              </a:rPr>
+              <a:t> 24.3/70.3 g/l</a:t>
+            </a:r>
           </a:p>
         </p:txBody>
       </p:sp>
     </p:spTree>
     <p:extLst>
       <p:ext uri="{BB962C8B-B14F-4D97-AF65-F5344CB8AC3E}">
-        <p14:creationId xmlns:p14="http://schemas.microsoft.com/office/powerpoint/2010/main" val="3538889508"/>
+        <p14:creationId xmlns:p14="http://schemas.microsoft.com/office/powerpoint/2010/main" val="2046453642"/>
       </p:ext>
     </p:extLst>
   </p:cSld>
@@ -15479,8 +14796,8 @@
         </p:nvSpPr>
         <p:spPr>
           <a:xfrm>
-            <a:off x="221344" y="1057748"/>
-            <a:ext cx="8290560" cy="3797477"/>
+            <a:off x="36576" y="860975"/>
+            <a:ext cx="9070848" cy="4282525"/>
           </a:xfrm>
           <a:prstGeom prst="rect">
             <a:avLst/>
@@ -15492,16 +14809,23 @@
           </a:bodyPr>
           <a:lstStyle/>
           <a:p>
-            <a:pPr marL="0" indent="0">
+            <a:pPr marL="0" lvl="0" indent="0" algn="l" rtl="0">
+              <a:spcBef>
+                <a:spcPts val="0"/>
+              </a:spcBef>
+              <a:spcAft>
+                <a:spcPts val="0"/>
+              </a:spcAft>
               <a:buClr>
-                <a:srgbClr val="002060"/>
+                <a:schemeClr val="dk1"/>
               </a:buClr>
-              <a:buSzPct val="100000"/>
+              <a:buSzPts val="1100"/>
+              <a:buFont typeface="Arial"/>
               <a:buNone/>
             </a:pPr>
             <a:r>
               <a:rPr lang="en-US" sz="1800" b="1" dirty="0" err="1"/>
-              <a:t>Xét</a:t>
+              <a:t>Hội</a:t>
             </a:r>
             <a:r>
               <a:rPr lang="en-US" sz="1800" b="1" dirty="0"/>
@@ -15509,7 +14833,7 @@
             </a:r>
             <a:r>
               <a:rPr lang="en-US" sz="1800" b="1" dirty="0" err="1"/>
-              <a:t>nghiệm</a:t>
+              <a:t>chứng</a:t>
             </a:r>
             <a:r>
               <a:rPr lang="en-US" sz="1800" b="1" dirty="0"/>
@@ -15517,7 +14841,47 @@
             </a:r>
             <a:r>
               <a:rPr lang="en-US" sz="1800" b="1" dirty="0" err="1"/>
-              <a:t>khác</a:t>
+              <a:t>tăng</a:t>
+            </a:r>
+            <a:r>
+              <a:rPr lang="en-US" sz="1800" b="1" dirty="0"/>
+              <a:t> </a:t>
+            </a:r>
+            <a:r>
+              <a:rPr lang="en-US" sz="1800" b="1" dirty="0" err="1"/>
+              <a:t>áp</a:t>
+            </a:r>
+            <a:r>
+              <a:rPr lang="en-US" sz="1800" b="1" dirty="0"/>
+              <a:t> </a:t>
+            </a:r>
+            <a:r>
+              <a:rPr lang="en-US" sz="1800" b="1" dirty="0" err="1"/>
+              <a:t>lực</a:t>
+            </a:r>
+            <a:r>
+              <a:rPr lang="en-US" sz="1800" b="1" dirty="0"/>
+              <a:t> </a:t>
+            </a:r>
+            <a:r>
+              <a:rPr lang="en-US" sz="1800" b="1" dirty="0" err="1"/>
+              <a:t>tĩnh</a:t>
+            </a:r>
+            <a:r>
+              <a:rPr lang="en-US" sz="1800" b="1" dirty="0"/>
+              <a:t> </a:t>
+            </a:r>
+            <a:r>
+              <a:rPr lang="en-US" sz="1800" b="1" dirty="0" err="1"/>
+              <a:t>mạch</a:t>
+            </a:r>
+            <a:r>
+              <a:rPr lang="en-US" sz="1800" b="1" dirty="0"/>
+              <a:t> </a:t>
+            </a:r>
+            <a:r>
+              <a:rPr lang="en-US" sz="1800" b="1" dirty="0" err="1"/>
+              <a:t>cửa</a:t>
             </a:r>
             <a:r>
               <a:rPr lang="en-US" sz="1800" b="1" dirty="0"/>
@@ -15534,8 +14898,28 @@
               <a:buChar char="•"/>
             </a:pPr>
             <a:r>
-              <a:rPr lang="en-US" sz="1800" dirty="0"/>
-              <a:t>AFP &gt; 1000 ng/ml</a:t>
+              <a:rPr lang="en-US" sz="1800" dirty="0" err="1"/>
+              <a:t>Bụng</a:t>
+            </a:r>
+            <a:r>
+              <a:rPr lang="en-US" sz="1800" dirty="0"/>
+              <a:t> </a:t>
+            </a:r>
+            <a:r>
+              <a:rPr lang="en-US" sz="1800" dirty="0" err="1"/>
+              <a:t>chướng</a:t>
+            </a:r>
+            <a:r>
+              <a:rPr lang="en-US" sz="1800" dirty="0"/>
+              <a:t> </a:t>
+            </a:r>
+            <a:r>
+              <a:rPr lang="en-US" sz="1800" dirty="0" err="1"/>
+              <a:t>dịch</a:t>
+            </a:r>
+            <a:r>
+              <a:rPr lang="en-US" sz="1800" dirty="0"/>
+              <a:t> (++)</a:t>
             </a:r>
           </a:p>
           <a:p>
@@ -15548,9 +14932,42 @@
               <a:buChar char="•"/>
             </a:pPr>
             <a:r>
-              <a:rPr lang="en-US" sz="1800" dirty="0"/>
-              <a:t>CEA 1.11 ng/ml</a:t>
-            </a:r>
+              <a:rPr lang="en-US" sz="1800" dirty="0" err="1"/>
+              <a:t>Không</a:t>
+            </a:r>
+            <a:r>
+              <a:rPr lang="en-US" sz="1800" dirty="0"/>
+              <a:t> </a:t>
+            </a:r>
+            <a:r>
+              <a:rPr lang="en-US" sz="1800" dirty="0" err="1"/>
+              <a:t>tuần</a:t>
+            </a:r>
+            <a:r>
+              <a:rPr lang="en-US" sz="1800" dirty="0"/>
+              <a:t> </a:t>
+            </a:r>
+            <a:r>
+              <a:rPr lang="en-US" sz="1800" dirty="0" err="1"/>
+              <a:t>hoàn</a:t>
+            </a:r>
+            <a:r>
+              <a:rPr lang="en-US" sz="1800" dirty="0"/>
+              <a:t> </a:t>
+            </a:r>
+            <a:r>
+              <a:rPr lang="en-US" sz="1800" dirty="0" err="1"/>
+              <a:t>bàng</a:t>
+            </a:r>
+            <a:r>
+              <a:rPr lang="en-US" sz="1800" dirty="0"/>
+              <a:t> </a:t>
+            </a:r>
+            <a:r>
+              <a:rPr lang="en-US" sz="1800" dirty="0" err="1"/>
+              <a:t>hệ</a:t>
+            </a:r>
+            <a:endParaRPr lang="en-US" sz="1800" dirty="0"/>
           </a:p>
           <a:p>
             <a:pPr marL="285750" indent="-285750">
@@ -15563,7 +14980,149 @@
             </a:pPr>
             <a:r>
               <a:rPr lang="en-US" sz="1800" dirty="0"/>
-              <a:t>CA 19-9 25.04 U/ml</a:t>
+              <a:t>CT: </a:t>
+            </a:r>
+            <a:r>
+              <a:rPr lang="en-US" sz="1800" dirty="0" err="1"/>
+              <a:t>Có</a:t>
+            </a:r>
+            <a:r>
+              <a:rPr lang="en-US" sz="1800" dirty="0"/>
+              <a:t> </a:t>
+            </a:r>
+            <a:r>
+              <a:rPr lang="en-US" sz="1800" dirty="0" err="1"/>
+              <a:t>dịch</a:t>
+            </a:r>
+            <a:r>
+              <a:rPr lang="en-US" sz="1800" dirty="0"/>
+              <a:t> </a:t>
+            </a:r>
+            <a:r>
+              <a:rPr lang="en-US" sz="1800" dirty="0" err="1"/>
+              <a:t>tự</a:t>
+            </a:r>
+            <a:r>
+              <a:rPr lang="en-US" sz="1800" dirty="0"/>
+              <a:t> do </a:t>
+            </a:r>
+            <a:r>
+              <a:rPr lang="en-US" sz="1800" dirty="0" err="1"/>
+              <a:t>quanh</a:t>
+            </a:r>
+            <a:r>
+              <a:rPr lang="en-US" sz="1800" dirty="0"/>
+              <a:t> </a:t>
+            </a:r>
+            <a:r>
+              <a:rPr lang="en-US" sz="1800" dirty="0" err="1"/>
+              <a:t>gan</a:t>
+            </a:r>
+            <a:r>
+              <a:rPr lang="en-US" sz="1800" dirty="0"/>
+              <a:t>, </a:t>
+            </a:r>
+            <a:r>
+              <a:rPr lang="en-US" sz="1800" dirty="0" err="1"/>
+              <a:t>lách</a:t>
+            </a:r>
+            <a:r>
+              <a:rPr lang="en-US" sz="1800" dirty="0"/>
+              <a:t>, </a:t>
+            </a:r>
+            <a:r>
+              <a:rPr lang="en-US" sz="1800" dirty="0" err="1"/>
+              <a:t>rãnh</a:t>
+            </a:r>
+            <a:r>
+              <a:rPr lang="en-US" sz="1800" dirty="0"/>
+              <a:t> </a:t>
+            </a:r>
+            <a:r>
+              <a:rPr lang="en-US" sz="1800" dirty="0" err="1"/>
+              <a:t>đại</a:t>
+            </a:r>
+            <a:r>
+              <a:rPr lang="en-US" sz="1800" dirty="0"/>
+              <a:t> </a:t>
+            </a:r>
+            <a:r>
+              <a:rPr lang="en-US" sz="1800" dirty="0" err="1"/>
+              <a:t>tràng</a:t>
+            </a:r>
+            <a:r>
+              <a:rPr lang="en-US" sz="1800" dirty="0"/>
+              <a:t> 2 </a:t>
+            </a:r>
+            <a:r>
+              <a:rPr lang="en-US" sz="1800" dirty="0" err="1"/>
+              <a:t>bên</a:t>
+            </a:r>
+            <a:endParaRPr lang="en-US" sz="1800" dirty="0"/>
+          </a:p>
+          <a:p>
+            <a:pPr marL="0" indent="0">
+              <a:buClr>
+                <a:srgbClr val="002060"/>
+              </a:buClr>
+              <a:buSzPct val="100000"/>
+              <a:buNone/>
+            </a:pPr>
+            <a:r>
+              <a:rPr lang="en-US" sz="1800" b="1" dirty="0" err="1"/>
+              <a:t>Hội</a:t>
+            </a:r>
+            <a:r>
+              <a:rPr lang="en-US" sz="1800" b="1" dirty="0"/>
+              <a:t> </a:t>
+            </a:r>
+            <a:r>
+              <a:rPr lang="en-US" sz="1800" b="1" dirty="0" err="1"/>
+              <a:t>chứng</a:t>
+            </a:r>
+            <a:r>
+              <a:rPr lang="en-US" sz="1800" b="1" dirty="0"/>
+              <a:t> </a:t>
+            </a:r>
+            <a:r>
+              <a:rPr lang="en-US" sz="1800" b="1" dirty="0" err="1"/>
+              <a:t>hủy</a:t>
+            </a:r>
+            <a:r>
+              <a:rPr lang="en-US" sz="1800" b="1" dirty="0"/>
+              <a:t> </a:t>
+            </a:r>
+            <a:r>
+              <a:rPr lang="en-US" sz="1800" b="1" dirty="0" err="1"/>
+              <a:t>hoại</a:t>
+            </a:r>
+            <a:r>
+              <a:rPr lang="en-US" sz="1800" b="1" dirty="0"/>
+              <a:t> </a:t>
+            </a:r>
+            <a:r>
+              <a:rPr lang="en-US" sz="1800" b="1" dirty="0" err="1"/>
+              <a:t>tế</a:t>
+            </a:r>
+            <a:r>
+              <a:rPr lang="en-US" sz="1800" b="1" dirty="0"/>
+              <a:t> </a:t>
+            </a:r>
+            <a:r>
+              <a:rPr lang="en-US" sz="1800" b="1" dirty="0" err="1"/>
+              <a:t>bào</a:t>
+            </a:r>
+            <a:r>
+              <a:rPr lang="en-US" sz="1800" b="1" dirty="0"/>
+              <a:t> </a:t>
+            </a:r>
+            <a:r>
+              <a:rPr lang="en-US" sz="1800" b="1" dirty="0" err="1"/>
+              <a:t>gan</a:t>
+            </a:r>
+            <a:r>
+              <a:rPr lang="en-US" sz="1800" b="1" dirty="0"/>
+              <a:t>:</a:t>
             </a:r>
           </a:p>
           <a:p>
@@ -15577,81 +15136,270 @@
             </a:pPr>
             <a:r>
               <a:rPr lang="en-US" sz="1800" dirty="0"/>
-              <a:t>CT: </a:t>
-            </a:r>
-            <a:r>
-              <a:rPr lang="en-US" sz="1800" dirty="0" err="1"/>
-              <a:t>Nốt</a:t>
-            </a:r>
-            <a:r>
-              <a:rPr lang="en-US" sz="1800" dirty="0"/>
-              <a:t> </a:t>
-            </a:r>
-            <a:r>
-              <a:rPr lang="en-US" sz="1800" dirty="0" err="1"/>
-              <a:t>mờ</a:t>
-            </a:r>
-            <a:r>
-              <a:rPr lang="en-US" sz="1800" dirty="0"/>
-              <a:t> </a:t>
-            </a:r>
-            <a:r>
-              <a:rPr lang="en-US" sz="1800" dirty="0" err="1"/>
-              <a:t>tròn</a:t>
-            </a:r>
-            <a:r>
-              <a:rPr lang="en-US" sz="1800" dirty="0"/>
-              <a:t> </a:t>
-            </a:r>
-            <a:r>
-              <a:rPr lang="en-US" sz="1800" dirty="0" err="1"/>
-              <a:t>đáy</a:t>
-            </a:r>
-            <a:r>
-              <a:rPr lang="en-US" sz="1800" dirty="0"/>
-              <a:t> </a:t>
-            </a:r>
-            <a:r>
-              <a:rPr lang="en-US" sz="1800" dirty="0" err="1"/>
-              <a:t>phổi</a:t>
-            </a:r>
-            <a:r>
-              <a:rPr lang="en-US" sz="1800" dirty="0"/>
-              <a:t> </a:t>
-            </a:r>
-            <a:r>
-              <a:rPr lang="en-US" sz="1800" dirty="0" err="1"/>
-              <a:t>hai</a:t>
-            </a:r>
-            <a:r>
-              <a:rPr lang="en-US" sz="1800" dirty="0"/>
-              <a:t> </a:t>
-            </a:r>
-            <a:r>
-              <a:rPr lang="en-US" sz="1800" dirty="0" err="1"/>
-              <a:t>bên</a:t>
+              <a:t>AST/ALT </a:t>
+            </a:r>
+            <a:r>
+              <a:rPr lang="en-US" sz="1800" dirty="0">
+                <a:solidFill>
+                  <a:srgbClr val="002060"/>
+                </a:solidFill>
+                <a:latin typeface="Montserrat" panose="00000500000000000000" pitchFamily="2" charset="0"/>
+              </a:rPr>
+              <a:t>271.9/70.7 U/l</a:t>
             </a:r>
             <a:endParaRPr lang="en-US" sz="1800" dirty="0"/>
           </a:p>
           <a:p>
-            <a:pPr marL="0" indent="463550">
+            <a:pPr marL="0" lvl="0" indent="0" algn="l" rtl="0">
+              <a:spcBef>
+                <a:spcPts val="0"/>
+              </a:spcBef>
+              <a:spcAft>
+                <a:spcPts val="0"/>
+              </a:spcAft>
+              <a:buClr>
+                <a:schemeClr val="dk1"/>
+              </a:buClr>
+              <a:buSzPts val="1100"/>
+              <a:buFont typeface="Arial"/>
+              <a:buNone/>
+            </a:pPr>
+            <a:r>
+              <a:rPr lang="en-US" sz="1800" b="1" dirty="0" err="1"/>
+              <a:t>Triệu</a:t>
+            </a:r>
+            <a:r>
+              <a:rPr lang="en-US" sz="1800" b="1" dirty="0"/>
+              <a:t> </a:t>
+            </a:r>
+            <a:r>
+              <a:rPr lang="en-US" sz="1800" b="1" dirty="0" err="1"/>
+              <a:t>chứng</a:t>
+            </a:r>
+            <a:r>
+              <a:rPr lang="en-US" sz="1800" b="1" dirty="0"/>
+              <a:t> </a:t>
+            </a:r>
+            <a:r>
+              <a:rPr lang="en-US" sz="1800" b="1" dirty="0" err="1"/>
+              <a:t>thay</a:t>
+            </a:r>
+            <a:r>
+              <a:rPr lang="en-US" sz="1800" b="1" dirty="0"/>
+              <a:t> </a:t>
+            </a:r>
+            <a:r>
+              <a:rPr lang="en-US" sz="1800" b="1" dirty="0" err="1"/>
+              <a:t>đổi</a:t>
+            </a:r>
+            <a:r>
+              <a:rPr lang="en-US" sz="1800" b="1" dirty="0"/>
+              <a:t> </a:t>
+            </a:r>
+            <a:r>
+              <a:rPr lang="en-US" sz="1800" b="1" dirty="0" err="1"/>
+              <a:t>hình</a:t>
+            </a:r>
+            <a:r>
+              <a:rPr lang="en-US" sz="1800" b="1" dirty="0"/>
+              <a:t> </a:t>
+            </a:r>
+            <a:r>
+              <a:rPr lang="en-US" sz="1800" b="1" dirty="0" err="1"/>
+              <a:t>thái</a:t>
+            </a:r>
+            <a:r>
+              <a:rPr lang="en-US" sz="1800" b="1" dirty="0"/>
+              <a:t> </a:t>
+            </a:r>
+            <a:r>
+              <a:rPr lang="en-US" sz="1800" b="1" dirty="0" err="1"/>
+              <a:t>gan</a:t>
+            </a:r>
+            <a:r>
+              <a:rPr lang="en-US" sz="1800" b="1" dirty="0"/>
+              <a:t>:</a:t>
+            </a:r>
+          </a:p>
+          <a:p>
+            <a:pPr marL="285750" indent="-285750">
               <a:buClr>
                 <a:srgbClr val="002060"/>
               </a:buClr>
               <a:buSzPct val="100000"/>
-              <a:buNone/>
+              <a:buFont typeface="Arial" panose="020B0604020202020204" pitchFamily="34" charset="0"/>
+              <a:buChar char="•"/>
             </a:pPr>
             <a:r>
-              <a:rPr lang="en-US" sz="1800" dirty="0" err="1"/>
-              <a:t>Hiện</a:t>
-            </a:r>
-            <a:r>
-              <a:rPr lang="en-US" sz="1800" dirty="0"/>
-              <a:t> </a:t>
-            </a:r>
-            <a:r>
-              <a:rPr lang="en-US" sz="1800" dirty="0" err="1"/>
-              <a:t>tại</a:t>
+              <a:rPr lang="en-US" sz="1800" dirty="0"/>
+              <a:t>Gan </a:t>
+            </a:r>
+            <a:r>
+              <a:rPr lang="en-US" sz="1800" dirty="0" err="1"/>
+              <a:t>mấp</a:t>
+            </a:r>
+            <a:r>
+              <a:rPr lang="en-US" sz="1800" dirty="0"/>
+              <a:t> </a:t>
+            </a:r>
+            <a:r>
+              <a:rPr lang="en-US" sz="1800" dirty="0" err="1"/>
+              <a:t>mé</a:t>
+            </a:r>
+            <a:r>
+              <a:rPr lang="en-US" sz="1800" dirty="0"/>
+              <a:t> </a:t>
+            </a:r>
+            <a:r>
+              <a:rPr lang="en-US" sz="1800" dirty="0" err="1"/>
+              <a:t>bờ</a:t>
+            </a:r>
+            <a:r>
+              <a:rPr lang="en-US" sz="1800" dirty="0"/>
+              <a:t> </a:t>
+            </a:r>
+            <a:r>
+              <a:rPr lang="en-US" sz="1800" dirty="0" err="1"/>
+              <a:t>sườn</a:t>
+            </a:r>
+            <a:endParaRPr lang="en-US" sz="1800" dirty="0"/>
+          </a:p>
+          <a:p>
+            <a:pPr marL="285750" indent="-285750">
+              <a:buClr>
+                <a:srgbClr val="002060"/>
+              </a:buClr>
+              <a:buSzPct val="100000"/>
+              <a:buFont typeface="Arial" panose="020B0604020202020204" pitchFamily="34" charset="0"/>
+              <a:buChar char="•"/>
+            </a:pPr>
+            <a:r>
+              <a:rPr lang="en-US" sz="1800" dirty="0"/>
+              <a:t>CT: Gan </a:t>
+            </a:r>
+            <a:r>
+              <a:rPr lang="en-US" sz="1800" dirty="0" err="1"/>
+              <a:t>kích</a:t>
+            </a:r>
+            <a:r>
+              <a:rPr lang="en-US" sz="1800" dirty="0"/>
+              <a:t> </a:t>
+            </a:r>
+            <a:r>
+              <a:rPr lang="en-US" sz="1800" dirty="0" err="1"/>
+              <a:t>thước</a:t>
+            </a:r>
+            <a:r>
+              <a:rPr lang="en-US" sz="1800" dirty="0"/>
+              <a:t> to, </a:t>
+            </a:r>
+            <a:r>
+              <a:rPr lang="en-US" sz="1800" dirty="0" err="1"/>
+              <a:t>bờ</a:t>
+            </a:r>
+            <a:r>
+              <a:rPr lang="en-US" sz="1800" dirty="0"/>
+              <a:t> </a:t>
+            </a:r>
+            <a:r>
+              <a:rPr lang="en-US" sz="1800" dirty="0" err="1"/>
+              <a:t>gan</a:t>
+            </a:r>
+            <a:r>
+              <a:rPr lang="en-US" sz="1800" dirty="0"/>
+              <a:t> </a:t>
+            </a:r>
+            <a:r>
+              <a:rPr lang="en-US" sz="1800" dirty="0" err="1"/>
+              <a:t>không</a:t>
+            </a:r>
+            <a:r>
+              <a:rPr lang="en-US" sz="1800" dirty="0"/>
+              <a:t> </a:t>
+            </a:r>
+            <a:r>
+              <a:rPr lang="en-US" sz="1800" dirty="0" err="1"/>
+              <a:t>đều</a:t>
+            </a:r>
+            <a:r>
+              <a:rPr lang="en-US" sz="1800" dirty="0"/>
+              <a:t>, </a:t>
+            </a:r>
+            <a:r>
+              <a:rPr lang="en-US" sz="1800" dirty="0" err="1"/>
+              <a:t>nhu</a:t>
+            </a:r>
+            <a:r>
+              <a:rPr lang="en-US" sz="1800" dirty="0"/>
+              <a:t> </a:t>
+            </a:r>
+            <a:r>
+              <a:rPr lang="en-US" sz="1800" dirty="0" err="1"/>
+              <a:t>mô</a:t>
+            </a:r>
+            <a:r>
+              <a:rPr lang="en-US" sz="1800" dirty="0"/>
+              <a:t> </a:t>
+            </a:r>
+            <a:r>
+              <a:rPr lang="en-US" sz="1800" dirty="0" err="1"/>
+              <a:t>gan</a:t>
+            </a:r>
+            <a:r>
+              <a:rPr lang="en-US" sz="1800" dirty="0"/>
+              <a:t> </a:t>
+            </a:r>
+            <a:r>
+              <a:rPr lang="en-US" sz="1800" dirty="0" err="1"/>
+              <a:t>trái</a:t>
+            </a:r>
+            <a:r>
+              <a:rPr lang="en-US" sz="1800" dirty="0"/>
+              <a:t> </a:t>
+            </a:r>
+            <a:r>
+              <a:rPr lang="en-US" sz="1800" dirty="0" err="1"/>
+              <a:t>có</a:t>
+            </a:r>
+            <a:r>
+              <a:rPr lang="en-US" sz="1800" dirty="0"/>
+              <a:t> </a:t>
+            </a:r>
+            <a:r>
+              <a:rPr lang="en-US" sz="1800" dirty="0" err="1"/>
+              <a:t>vài</a:t>
+            </a:r>
+            <a:r>
+              <a:rPr lang="en-US" sz="1800" dirty="0"/>
+              <a:t> </a:t>
+            </a:r>
+            <a:r>
+              <a:rPr lang="en-US" sz="1800" dirty="0" err="1"/>
+              <a:t>khối</a:t>
+            </a:r>
+            <a:r>
+              <a:rPr lang="en-US" sz="1800" dirty="0"/>
+              <a:t> </a:t>
+            </a:r>
+            <a:r>
+              <a:rPr lang="en-US" sz="1800" dirty="0" err="1"/>
+              <a:t>ranh</a:t>
+            </a:r>
+            <a:r>
+              <a:rPr lang="en-US" sz="1800" dirty="0"/>
+              <a:t> </a:t>
+            </a:r>
+            <a:r>
+              <a:rPr lang="en-US" sz="1800" dirty="0" err="1"/>
+              <a:t>giới</a:t>
+            </a:r>
+            <a:r>
+              <a:rPr lang="en-US" sz="1800" dirty="0"/>
+              <a:t> </a:t>
+            </a:r>
+            <a:r>
+              <a:rPr lang="en-US" sz="1800" dirty="0" err="1"/>
+              <a:t>rõ</a:t>
             </a:r>
             <a:r>
               <a:rPr lang="en-US" sz="1800" dirty="0"/>
@@ -15663,27 +15411,51 @@
             </a:r>
             <a:r>
               <a:rPr lang="en-US" sz="1800" dirty="0"/>
-              <a:t> 10 </a:t>
-            </a:r>
-            <a:r>
-              <a:rPr lang="en-US" sz="1800" dirty="0" err="1"/>
-              <a:t>ngày</a:t>
-            </a:r>
-            <a:r>
-              <a:rPr lang="en-US" sz="1800" dirty="0"/>
-              <a:t> </a:t>
-            </a:r>
-            <a:r>
-              <a:rPr lang="en-US" sz="1800" dirty="0" err="1"/>
-              <a:t>điều</a:t>
-            </a:r>
-            <a:r>
-              <a:rPr lang="en-US" sz="1800" dirty="0"/>
-              <a:t> </a:t>
-            </a:r>
-            <a:r>
-              <a:rPr lang="en-US" sz="1800" dirty="0" err="1"/>
-              <a:t>trị</a:t>
+              <a:t> </a:t>
+            </a:r>
+            <a:r>
+              <a:rPr lang="en-US" sz="1800" dirty="0" err="1"/>
+              <a:t>tiêm</a:t>
+            </a:r>
+            <a:r>
+              <a:rPr lang="en-US" sz="1800" dirty="0"/>
+              <a:t> </a:t>
+            </a:r>
+            <a:r>
+              <a:rPr lang="en-US" sz="1800" dirty="0" err="1"/>
+              <a:t>ngấm</a:t>
+            </a:r>
+            <a:r>
+              <a:rPr lang="en-US" sz="1800" dirty="0"/>
+              <a:t> </a:t>
+            </a:r>
+            <a:r>
+              <a:rPr lang="en-US" sz="1800" dirty="0" err="1"/>
+              <a:t>thuốc</a:t>
+            </a:r>
+            <a:r>
+              <a:rPr lang="en-US" sz="1800" dirty="0"/>
+              <a:t> </a:t>
+            </a:r>
+            <a:r>
+              <a:rPr lang="en-US" sz="1800" dirty="0" err="1"/>
+              <a:t>thì</a:t>
+            </a:r>
+            <a:r>
+              <a:rPr lang="en-US" sz="1800" dirty="0"/>
+              <a:t> </a:t>
+            </a:r>
+            <a:r>
+              <a:rPr lang="en-US" sz="1800" dirty="0" err="1"/>
+              <a:t>động</a:t>
+            </a:r>
+            <a:r>
+              <a:rPr lang="en-US" sz="1800" dirty="0"/>
+              <a:t> </a:t>
+            </a:r>
+            <a:r>
+              <a:rPr lang="en-US" sz="1800" dirty="0" err="1"/>
+              <a:t>mạch</a:t>
             </a:r>
             <a:r>
               <a:rPr lang="en-US" sz="1800" dirty="0"/>
@@ -15691,63 +15463,71 @@
             </a:r>
             <a:r>
               <a:rPr lang="en-US" sz="1800" dirty="0" err="1"/>
-              <a:t>các</a:t>
-            </a:r>
-            <a:r>
-              <a:rPr lang="en-US" sz="1800" dirty="0"/>
-              <a:t> </a:t>
-            </a:r>
-            <a:r>
-              <a:rPr lang="en-US" sz="1800" dirty="0" err="1"/>
-              <a:t>hội</a:t>
-            </a:r>
-            <a:r>
-              <a:rPr lang="en-US" sz="1800" dirty="0"/>
-              <a:t> </a:t>
-            </a:r>
-            <a:r>
-              <a:rPr lang="en-US" sz="1800" dirty="0" err="1"/>
-              <a:t>chứng</a:t>
-            </a:r>
-            <a:r>
-              <a:rPr lang="en-US" sz="1800" dirty="0"/>
-              <a:t> </a:t>
-            </a:r>
-            <a:r>
-              <a:rPr lang="en-US" sz="1800" dirty="0" err="1"/>
-              <a:t>suy</a:t>
-            </a:r>
-            <a:r>
-              <a:rPr lang="en-US" sz="1800" dirty="0"/>
-              <a:t> </a:t>
-            </a:r>
-            <a:r>
-              <a:rPr lang="en-US" sz="1800" dirty="0" err="1"/>
-              <a:t>chức</a:t>
-            </a:r>
-            <a:r>
-              <a:rPr lang="en-US" sz="1800" dirty="0"/>
-              <a:t> </a:t>
-            </a:r>
-            <a:r>
-              <a:rPr lang="en-US" sz="1800" dirty="0" err="1"/>
-              <a:t>năng</a:t>
-            </a:r>
-            <a:r>
-              <a:rPr lang="en-US" sz="1800" dirty="0"/>
-              <a:t> </a:t>
-            </a:r>
-            <a:r>
-              <a:rPr lang="en-US" sz="1800" dirty="0" err="1"/>
-              <a:t>tế</a:t>
-            </a:r>
-            <a:r>
-              <a:rPr lang="en-US" sz="1800" dirty="0"/>
-              <a:t> </a:t>
-            </a:r>
-            <a:r>
-              <a:rPr lang="en-US" sz="1800" dirty="0" err="1"/>
-              <a:t>bào</a:t>
+              <a:t>thải</a:t>
+            </a:r>
+            <a:r>
+              <a:rPr lang="en-US" sz="1800" dirty="0"/>
+              <a:t> </a:t>
+            </a:r>
+            <a:r>
+              <a:rPr lang="en-US" sz="1800" dirty="0" err="1"/>
+              <a:t>thuốc</a:t>
+            </a:r>
+            <a:r>
+              <a:rPr lang="en-US" sz="1800" dirty="0"/>
+              <a:t> </a:t>
+            </a:r>
+            <a:r>
+              <a:rPr lang="en-US" sz="1800" dirty="0" err="1"/>
+              <a:t>thì</a:t>
+            </a:r>
+            <a:r>
+              <a:rPr lang="en-US" sz="1800" dirty="0"/>
+              <a:t> </a:t>
+            </a:r>
+            <a:r>
+              <a:rPr lang="en-US" sz="1800" dirty="0" err="1"/>
+              <a:t>tĩnh</a:t>
+            </a:r>
+            <a:r>
+              <a:rPr lang="en-US" sz="1800" dirty="0"/>
+              <a:t> </a:t>
+            </a:r>
+            <a:r>
+              <a:rPr lang="en-US" sz="1800" dirty="0" err="1"/>
+              <a:t>mạch</a:t>
+            </a:r>
+            <a:r>
+              <a:rPr lang="en-US" sz="1800" dirty="0"/>
+              <a:t>. </a:t>
+            </a:r>
+            <a:r>
+              <a:rPr lang="en-US" sz="1800" dirty="0" err="1"/>
+              <a:t>Rải</a:t>
+            </a:r>
+            <a:r>
+              <a:rPr lang="en-US" sz="1800" dirty="0"/>
+              <a:t> </a:t>
+            </a:r>
+            <a:r>
+              <a:rPr lang="en-US" sz="1800" dirty="0" err="1"/>
+              <a:t>rác</a:t>
+            </a:r>
+            <a:r>
+              <a:rPr lang="en-US" sz="1800" dirty="0"/>
+              <a:t> </a:t>
+            </a:r>
+            <a:r>
+              <a:rPr lang="en-US" sz="1800" dirty="0" err="1"/>
+              <a:t>nhu</a:t>
+            </a:r>
+            <a:r>
+              <a:rPr lang="en-US" sz="1800" dirty="0"/>
+              <a:t> </a:t>
+            </a:r>
+            <a:r>
+              <a:rPr lang="en-US" sz="1800" dirty="0" err="1"/>
+              <a:t>mô</a:t>
             </a:r>
             <a:r>
               <a:rPr lang="en-US" sz="1800" dirty="0"/>
@@ -15759,43 +15539,171 @@
             </a:r>
             <a:r>
               <a:rPr lang="en-US" sz="1800" dirty="0"/>
+              <a:t> </a:t>
+            </a:r>
+            <a:r>
+              <a:rPr lang="en-US" sz="1800" dirty="0" err="1"/>
+              <a:t>có</a:t>
+            </a:r>
+            <a:r>
+              <a:rPr lang="en-US" sz="1800" dirty="0"/>
+              <a:t> </a:t>
+            </a:r>
+            <a:r>
+              <a:rPr lang="en-US" sz="1800" dirty="0" err="1"/>
+              <a:t>nhiều</a:t>
+            </a:r>
+            <a:r>
+              <a:rPr lang="en-US" sz="1800" dirty="0"/>
+              <a:t> </a:t>
+            </a:r>
+            <a:r>
+              <a:rPr lang="en-US" sz="1800" dirty="0" err="1"/>
+              <a:t>nốt</a:t>
+            </a:r>
+            <a:r>
+              <a:rPr lang="en-US" sz="1800" dirty="0"/>
+              <a:t> </a:t>
+            </a:r>
+            <a:r>
+              <a:rPr lang="en-US" sz="1800" dirty="0" err="1"/>
+              <a:t>kích</a:t>
+            </a:r>
+            <a:r>
+              <a:rPr lang="en-US" sz="1800" dirty="0"/>
+              <a:t> </a:t>
+            </a:r>
+            <a:r>
+              <a:rPr lang="en-US" sz="1800" dirty="0" err="1"/>
+              <a:t>thước</a:t>
+            </a:r>
+            <a:r>
+              <a:rPr lang="en-US" sz="1800" dirty="0"/>
+              <a:t> ~ 10 mm. </a:t>
+            </a:r>
+            <a:r>
+              <a:rPr lang="en-US" sz="1800" dirty="0" err="1"/>
+              <a:t>Đường</a:t>
+            </a:r>
+            <a:r>
+              <a:rPr lang="en-US" sz="1800" dirty="0"/>
+              <a:t> </a:t>
+            </a:r>
+            <a:r>
+              <a:rPr lang="en-US" sz="1800" dirty="0" err="1"/>
+              <a:t>mật</a:t>
+            </a:r>
+            <a:r>
+              <a:rPr lang="en-US" sz="1800" dirty="0"/>
+              <a:t> </a:t>
+            </a:r>
+            <a:r>
+              <a:rPr lang="en-US" sz="1800" dirty="0" err="1"/>
+              <a:t>trong</a:t>
+            </a:r>
+            <a:r>
+              <a:rPr lang="en-US" sz="1800" dirty="0"/>
+              <a:t> </a:t>
+            </a:r>
+            <a:r>
+              <a:rPr lang="en-US" sz="1800" dirty="0" err="1"/>
+              <a:t>và</a:t>
+            </a:r>
+            <a:r>
+              <a:rPr lang="en-US" sz="1800" dirty="0"/>
+              <a:t> </a:t>
+            </a:r>
+            <a:r>
+              <a:rPr lang="en-US" sz="1800" dirty="0" err="1"/>
+              <a:t>ngoài</a:t>
+            </a:r>
+            <a:r>
+              <a:rPr lang="en-US" sz="1800" dirty="0"/>
+              <a:t> </a:t>
+            </a:r>
+            <a:r>
+              <a:rPr lang="en-US" sz="1800" dirty="0" err="1"/>
+              <a:t>gan</a:t>
+            </a:r>
+            <a:r>
+              <a:rPr lang="en-US" sz="1800" dirty="0"/>
+              <a:t> </a:t>
+            </a:r>
+            <a:r>
+              <a:rPr lang="en-US" sz="1800" dirty="0" err="1"/>
+              <a:t>không</a:t>
+            </a:r>
+            <a:r>
+              <a:rPr lang="en-US" sz="1800" dirty="0"/>
+              <a:t> </a:t>
+            </a:r>
+            <a:r>
+              <a:rPr lang="en-US" sz="1800" dirty="0" err="1"/>
+              <a:t>giãn</a:t>
+            </a:r>
+            <a:r>
+              <a:rPr lang="en-US" sz="1800" dirty="0"/>
               <a:t>, </a:t>
             </a:r>
             <a:r>
               <a:rPr lang="en-US" sz="1800" dirty="0" err="1"/>
-              <a:t>hội</a:t>
-            </a:r>
-            <a:r>
-              <a:rPr lang="en-US" sz="1800" dirty="0"/>
-              <a:t> </a:t>
-            </a:r>
-            <a:r>
-              <a:rPr lang="en-US" sz="1800" dirty="0" err="1"/>
-              <a:t>chứng</a:t>
-            </a:r>
-            <a:r>
-              <a:rPr lang="en-US" sz="1800" dirty="0"/>
-              <a:t> </a:t>
-            </a:r>
-            <a:r>
-              <a:rPr lang="en-US" sz="1800" dirty="0" err="1"/>
-              <a:t>tăng</a:t>
-            </a:r>
-            <a:r>
-              <a:rPr lang="en-US" sz="1800" dirty="0"/>
-              <a:t> </a:t>
-            </a:r>
-            <a:r>
-              <a:rPr lang="en-US" sz="1800" dirty="0" err="1"/>
-              <a:t>áp</a:t>
-            </a:r>
-            <a:r>
-              <a:rPr lang="en-US" sz="1800" dirty="0"/>
-              <a:t> </a:t>
-            </a:r>
-            <a:r>
-              <a:rPr lang="en-US" sz="1800" dirty="0" err="1"/>
-              <a:t>lực</a:t>
+              <a:t>không</a:t>
+            </a:r>
+            <a:r>
+              <a:rPr lang="en-US" sz="1800" dirty="0"/>
+              <a:t> </a:t>
+            </a:r>
+            <a:r>
+              <a:rPr lang="en-US" sz="1800" dirty="0" err="1"/>
+              <a:t>sỏi</a:t>
+            </a:r>
+            <a:r>
+              <a:rPr lang="en-US" sz="1800" dirty="0"/>
+              <a:t>. </a:t>
+            </a:r>
+            <a:r>
+              <a:rPr lang="en-US" sz="1800" dirty="0" err="1"/>
+              <a:t>Tĩnh</a:t>
+            </a:r>
+            <a:r>
+              <a:rPr lang="en-US" sz="1800" dirty="0"/>
+              <a:t> </a:t>
+            </a:r>
+            <a:r>
+              <a:rPr lang="en-US" sz="1800" dirty="0" err="1"/>
+              <a:t>mạch</a:t>
+            </a:r>
+            <a:r>
+              <a:rPr lang="en-US" sz="1800" dirty="0"/>
+              <a:t> </a:t>
+            </a:r>
+            <a:r>
+              <a:rPr lang="en-US" sz="1800" dirty="0" err="1"/>
+              <a:t>cửa</a:t>
+            </a:r>
+            <a:r>
+              <a:rPr lang="en-US" sz="1800" dirty="0"/>
+              <a:t> </a:t>
+            </a:r>
+            <a:r>
+              <a:rPr lang="en-US" sz="1800" dirty="0" err="1"/>
+              <a:t>hình</a:t>
+            </a:r>
+            <a:r>
+              <a:rPr lang="en-US" sz="1800" dirty="0"/>
+              <a:t> </a:t>
+            </a:r>
+            <a:r>
+              <a:rPr lang="en-US" sz="1800" dirty="0" err="1"/>
+              <a:t>ảnh</a:t>
+            </a:r>
+            <a:r>
+              <a:rPr lang="en-US" sz="1800" dirty="0"/>
+              <a:t> </a:t>
+            </a:r>
+            <a:r>
+              <a:rPr lang="en-US" sz="1800" dirty="0" err="1"/>
+              <a:t>nhánh</a:t>
             </a:r>
             <a:r>
               <a:rPr lang="en-US" sz="1800" dirty="0"/>
@@ -15807,6 +15715,46 @@
             </a:r>
             <a:r>
               <a:rPr lang="en-US" sz="1800" dirty="0"/>
+              <a:t> (T) </a:t>
+            </a:r>
+            <a:r>
+              <a:rPr lang="en-US" sz="1800" dirty="0" err="1"/>
+              <a:t>có</a:t>
+            </a:r>
+            <a:r>
+              <a:rPr lang="en-US" sz="1800" dirty="0"/>
+              <a:t> </a:t>
+            </a:r>
+            <a:r>
+              <a:rPr lang="en-US" sz="1800" dirty="0" err="1"/>
+              <a:t>huyết</a:t>
+            </a:r>
+            <a:r>
+              <a:rPr lang="en-US" sz="1800" dirty="0"/>
+              <a:t> </a:t>
+            </a:r>
+            <a:r>
+              <a:rPr lang="en-US" sz="1800" dirty="0" err="1"/>
+              <a:t>khối</a:t>
+            </a:r>
+            <a:r>
+              <a:rPr lang="en-US" sz="1800" dirty="0"/>
+              <a:t> </a:t>
+            </a:r>
+            <a:r>
+              <a:rPr lang="en-US" sz="1800" dirty="0" err="1"/>
+              <a:t>đầy</a:t>
+            </a:r>
+            <a:r>
+              <a:rPr lang="en-US" sz="1800" dirty="0"/>
+              <a:t> </a:t>
+            </a:r>
+            <a:r>
+              <a:rPr lang="en-US" sz="1800" dirty="0" err="1"/>
+              <a:t>lòng</a:t>
+            </a:r>
+            <a:r>
+              <a:rPr lang="en-US" sz="1800" dirty="0"/>
               <a:t> </a:t>
             </a:r>
             <a:r>
@@ -15815,87 +15763,26 @@
             </a:r>
             <a:r>
               <a:rPr lang="en-US" sz="1800" dirty="0"/>
-              <a:t> </a:t>
-            </a:r>
-            <a:r>
-              <a:rPr lang="en-US" sz="1800" dirty="0" err="1"/>
-              <a:t>cửa</a:t>
-            </a:r>
-            <a:r>
-              <a:rPr lang="en-US" sz="1800" dirty="0"/>
-              <a:t>, </a:t>
-            </a:r>
-            <a:r>
-              <a:rPr lang="en-US" sz="1800" dirty="0" err="1"/>
-              <a:t>thay</a:t>
-            </a:r>
-            <a:r>
-              <a:rPr lang="en-US" sz="1800" dirty="0"/>
-              <a:t> </a:t>
-            </a:r>
-            <a:r>
-              <a:rPr lang="en-US" sz="1800" dirty="0" err="1"/>
-              <a:t>đổi</a:t>
-            </a:r>
-            <a:r>
-              <a:rPr lang="en-US" sz="1800" dirty="0"/>
-              <a:t> </a:t>
-            </a:r>
-            <a:r>
-              <a:rPr lang="en-US" sz="1800" dirty="0" err="1"/>
-              <a:t>hình</a:t>
-            </a:r>
-            <a:r>
-              <a:rPr lang="en-US" sz="1800" dirty="0"/>
-              <a:t> </a:t>
-            </a:r>
-            <a:r>
-              <a:rPr lang="en-US" sz="1800" dirty="0" err="1"/>
-              <a:t>thái</a:t>
-            </a:r>
-            <a:r>
-              <a:rPr lang="en-US" sz="1800" dirty="0"/>
-              <a:t> </a:t>
-            </a:r>
-            <a:r>
-              <a:rPr lang="en-US" sz="1800" dirty="0" err="1"/>
-              <a:t>gan</a:t>
-            </a:r>
-            <a:r>
-              <a:rPr lang="en-US" sz="1800" dirty="0"/>
-              <a:t> </a:t>
-            </a:r>
-            <a:r>
-              <a:rPr lang="en-US" sz="1800" dirty="0" err="1"/>
-              <a:t>chưa</a:t>
-            </a:r>
-            <a:r>
-              <a:rPr lang="en-US" sz="1800" dirty="0"/>
-              <a:t> </a:t>
-            </a:r>
-            <a:r>
-              <a:rPr lang="en-US" sz="1800" dirty="0" err="1"/>
-              <a:t>thuyên</a:t>
-            </a:r>
-            <a:r>
-              <a:rPr lang="en-US" sz="1800" dirty="0"/>
-              <a:t> </a:t>
-            </a:r>
-            <a:r>
-              <a:rPr lang="en-US" sz="1800" dirty="0" err="1"/>
-              <a:t>giảm</a:t>
-            </a:r>
-            <a:r>
-              <a:rPr lang="en-US" sz="1800" dirty="0"/>
               <a:t>.</a:t>
             </a:r>
+          </a:p>
+          <a:p>
+            <a:pPr marL="285750" indent="-285750">
+              <a:buClr>
+                <a:srgbClr val="002060"/>
+              </a:buClr>
+              <a:buSzPct val="100000"/>
+              <a:buFont typeface="Arial" panose="020B0604020202020204" pitchFamily="34" charset="0"/>
+              <a:buChar char="•"/>
+            </a:pPr>
+            <a:endParaRPr lang="en-US" sz="1800" dirty="0"/>
           </a:p>
         </p:txBody>
       </p:sp>
     </p:spTree>
     <p:extLst>
       <p:ext uri="{BB962C8B-B14F-4D97-AF65-F5344CB8AC3E}">
-        <p14:creationId xmlns:p14="http://schemas.microsoft.com/office/powerpoint/2010/main" val="7426312"/>
+        <p14:creationId xmlns:p14="http://schemas.microsoft.com/office/powerpoint/2010/main" val="3538889508"/>
       </p:ext>
     </p:extLst>
   </p:cSld>
@@ -15958,7 +15845,7 @@
             </a:pPr>
             <a:r>
               <a:rPr lang="en" dirty="0"/>
-              <a:t>VIII. CHẨN ĐOÁN</a:t>
+              <a:t>VII. TÓM TẮT</a:t>
             </a:r>
             <a:endParaRPr dirty="0"/>
           </a:p>
@@ -15976,8 +15863,8 @@
         </p:nvSpPr>
         <p:spPr>
           <a:xfrm>
-            <a:off x="259981" y="1152475"/>
-            <a:ext cx="8290560" cy="908146"/>
+            <a:off x="221344" y="1057748"/>
+            <a:ext cx="8290560" cy="3797477"/>
           </a:xfrm>
           <a:prstGeom prst="rect">
             <a:avLst/>
@@ -15997,28 +15884,254 @@
               <a:buNone/>
             </a:pPr>
             <a:r>
-              <a:rPr lang="en-US" sz="1800" dirty="0"/>
-              <a:t>HCC </a:t>
-            </a:r>
-            <a:r>
-              <a:rPr lang="en-US" sz="1800" dirty="0" err="1"/>
-              <a:t>giai</a:t>
-            </a:r>
-            <a:r>
-              <a:rPr lang="en-US" sz="1800" dirty="0"/>
-              <a:t> </a:t>
-            </a:r>
-            <a:r>
-              <a:rPr lang="en-US" sz="1800" dirty="0" err="1"/>
-              <a:t>đoạn</a:t>
-            </a:r>
-            <a:r>
-              <a:rPr lang="en-US" sz="1800" dirty="0"/>
-              <a:t> IVB T2N0M1 / </a:t>
-            </a:r>
-            <a:r>
-              <a:rPr lang="en-US" sz="1800" dirty="0" err="1"/>
-              <a:t>Xơ</a:t>
+              <a:rPr lang="en-US" sz="1800" b="1" dirty="0" err="1"/>
+              <a:t>Xét</a:t>
+            </a:r>
+            <a:r>
+              <a:rPr lang="en-US" sz="1800" b="1" dirty="0"/>
+              <a:t> </a:t>
+            </a:r>
+            <a:r>
+              <a:rPr lang="en-US" sz="1800" b="1" dirty="0" err="1"/>
+              <a:t>nghiệm</a:t>
+            </a:r>
+            <a:r>
+              <a:rPr lang="en-US" sz="1800" b="1" dirty="0"/>
+              <a:t> </a:t>
+            </a:r>
+            <a:r>
+              <a:rPr lang="en-US" sz="1800" b="1" dirty="0" err="1"/>
+              <a:t>khác</a:t>
+            </a:r>
+            <a:r>
+              <a:rPr lang="en-US" sz="1800" b="1" dirty="0"/>
+              <a:t>:</a:t>
+            </a:r>
+          </a:p>
+          <a:p>
+            <a:pPr marL="285750" indent="-285750">
+              <a:buClr>
+                <a:srgbClr val="002060"/>
+              </a:buClr>
+              <a:buSzPct val="100000"/>
+              <a:buFont typeface="Arial" panose="020B0604020202020204" pitchFamily="34" charset="0"/>
+              <a:buChar char="•"/>
+            </a:pPr>
+            <a:r>
+              <a:rPr lang="en-US" sz="1800" dirty="0"/>
+              <a:t>AFP &gt; 1000 ng/ml</a:t>
+            </a:r>
+          </a:p>
+          <a:p>
+            <a:pPr marL="285750" indent="-285750">
+              <a:buClr>
+                <a:srgbClr val="002060"/>
+              </a:buClr>
+              <a:buSzPct val="100000"/>
+              <a:buFont typeface="Arial" panose="020B0604020202020204" pitchFamily="34" charset="0"/>
+              <a:buChar char="•"/>
+            </a:pPr>
+            <a:r>
+              <a:rPr lang="en-US" sz="1800" dirty="0"/>
+              <a:t>CEA 1.11 ng/ml</a:t>
+            </a:r>
+          </a:p>
+          <a:p>
+            <a:pPr marL="285750" indent="-285750">
+              <a:buClr>
+                <a:srgbClr val="002060"/>
+              </a:buClr>
+              <a:buSzPct val="100000"/>
+              <a:buFont typeface="Arial" panose="020B0604020202020204" pitchFamily="34" charset="0"/>
+              <a:buChar char="•"/>
+            </a:pPr>
+            <a:r>
+              <a:rPr lang="en-US" sz="1800" dirty="0"/>
+              <a:t>CA 19-9 25.04 U/ml</a:t>
+            </a:r>
+          </a:p>
+          <a:p>
+            <a:pPr marL="285750" indent="-285750">
+              <a:buClr>
+                <a:srgbClr val="002060"/>
+              </a:buClr>
+              <a:buSzPct val="100000"/>
+              <a:buFont typeface="Arial" panose="020B0604020202020204" pitchFamily="34" charset="0"/>
+              <a:buChar char="•"/>
+            </a:pPr>
+            <a:r>
+              <a:rPr lang="en-US" sz="1800" dirty="0"/>
+              <a:t>CT: </a:t>
+            </a:r>
+            <a:r>
+              <a:rPr lang="en-US" sz="1800" dirty="0" err="1"/>
+              <a:t>Nốt</a:t>
+            </a:r>
+            <a:r>
+              <a:rPr lang="en-US" sz="1800" dirty="0"/>
+              <a:t> </a:t>
+            </a:r>
+            <a:r>
+              <a:rPr lang="en-US" sz="1800" dirty="0" err="1"/>
+              <a:t>mờ</a:t>
+            </a:r>
+            <a:r>
+              <a:rPr lang="en-US" sz="1800" dirty="0"/>
+              <a:t> </a:t>
+            </a:r>
+            <a:r>
+              <a:rPr lang="en-US" sz="1800" dirty="0" err="1"/>
+              <a:t>tròn</a:t>
+            </a:r>
+            <a:r>
+              <a:rPr lang="en-US" sz="1800" dirty="0"/>
+              <a:t> </a:t>
+            </a:r>
+            <a:r>
+              <a:rPr lang="en-US" sz="1800" dirty="0" err="1"/>
+              <a:t>đáy</a:t>
+            </a:r>
+            <a:r>
+              <a:rPr lang="en-US" sz="1800" dirty="0"/>
+              <a:t> </a:t>
+            </a:r>
+            <a:r>
+              <a:rPr lang="en-US" sz="1800" dirty="0" err="1"/>
+              <a:t>phổi</a:t>
+            </a:r>
+            <a:r>
+              <a:rPr lang="en-US" sz="1800" dirty="0"/>
+              <a:t> </a:t>
+            </a:r>
+            <a:r>
+              <a:rPr lang="en-US" sz="1800" dirty="0" err="1"/>
+              <a:t>hai</a:t>
+            </a:r>
+            <a:r>
+              <a:rPr lang="en-US" sz="1800" dirty="0"/>
+              <a:t> </a:t>
+            </a:r>
+            <a:r>
+              <a:rPr lang="en-US" sz="1800" dirty="0" err="1"/>
+              <a:t>bên</a:t>
+            </a:r>
+            <a:endParaRPr lang="en-US" sz="1800" dirty="0"/>
+          </a:p>
+          <a:p>
+            <a:pPr marL="0" indent="463550">
+              <a:buClr>
+                <a:srgbClr val="002060"/>
+              </a:buClr>
+              <a:buSzPct val="100000"/>
+              <a:buNone/>
+            </a:pPr>
+            <a:r>
+              <a:rPr lang="en-US" sz="1800" dirty="0" err="1"/>
+              <a:t>Hiện</a:t>
+            </a:r>
+            <a:r>
+              <a:rPr lang="en-US" sz="1800" dirty="0"/>
+              <a:t> </a:t>
+            </a:r>
+            <a:r>
+              <a:rPr lang="en-US" sz="1800" dirty="0" err="1"/>
+              <a:t>tại</a:t>
+            </a:r>
+            <a:r>
+              <a:rPr lang="en-US" sz="1800" dirty="0"/>
+              <a:t> </a:t>
+            </a:r>
+            <a:r>
+              <a:rPr lang="en-US" sz="1800" dirty="0" err="1"/>
+              <a:t>sau</a:t>
+            </a:r>
+            <a:r>
+              <a:rPr lang="en-US" sz="1800" dirty="0"/>
+              <a:t> 10 </a:t>
+            </a:r>
+            <a:r>
+              <a:rPr lang="en-US" sz="1800" dirty="0" err="1"/>
+              <a:t>ngày</a:t>
+            </a:r>
+            <a:r>
+              <a:rPr lang="en-US" sz="1800" dirty="0"/>
+              <a:t> </a:t>
+            </a:r>
+            <a:r>
+              <a:rPr lang="en-US" sz="1800" dirty="0" err="1"/>
+              <a:t>điều</a:t>
+            </a:r>
+            <a:r>
+              <a:rPr lang="en-US" sz="1800" dirty="0"/>
+              <a:t> </a:t>
+            </a:r>
+            <a:r>
+              <a:rPr lang="en-US" sz="1800" dirty="0" err="1"/>
+              <a:t>trị</a:t>
+            </a:r>
+            <a:r>
+              <a:rPr lang="en-US" sz="1800" dirty="0"/>
+              <a:t>, </a:t>
+            </a:r>
+            <a:r>
+              <a:rPr lang="en-US" sz="1800" dirty="0" err="1"/>
+              <a:t>các</a:t>
+            </a:r>
+            <a:r>
+              <a:rPr lang="en-US" sz="1800" dirty="0"/>
+              <a:t> </a:t>
+            </a:r>
+            <a:r>
+              <a:rPr lang="en-US" sz="1800" dirty="0" err="1"/>
+              <a:t>hội</a:t>
+            </a:r>
+            <a:r>
+              <a:rPr lang="en-US" sz="1800" dirty="0"/>
+              <a:t> </a:t>
+            </a:r>
+            <a:r>
+              <a:rPr lang="en-US" sz="1800" dirty="0" err="1"/>
+              <a:t>chứng</a:t>
+            </a:r>
+            <a:r>
+              <a:rPr lang="en-US" sz="1800" dirty="0"/>
+              <a:t> </a:t>
+            </a:r>
+            <a:r>
+              <a:rPr lang="en-US" sz="1800" dirty="0" err="1"/>
+              <a:t>suy</a:t>
+            </a:r>
+            <a:r>
+              <a:rPr lang="en-US" sz="1800" dirty="0"/>
+              <a:t> </a:t>
+            </a:r>
+            <a:r>
+              <a:rPr lang="en-US" sz="1800" dirty="0" err="1"/>
+              <a:t>chức</a:t>
+            </a:r>
+            <a:r>
+              <a:rPr lang="en-US" sz="1800" dirty="0"/>
+              <a:t> </a:t>
+            </a:r>
+            <a:r>
+              <a:rPr lang="en-US" sz="1800" dirty="0" err="1"/>
+              <a:t>năng</a:t>
+            </a:r>
+            <a:r>
+              <a:rPr lang="en-US" sz="1800" dirty="0"/>
+              <a:t> </a:t>
+            </a:r>
+            <a:r>
+              <a:rPr lang="en-US" sz="1800" dirty="0" err="1"/>
+              <a:t>tế</a:t>
+            </a:r>
+            <a:r>
+              <a:rPr lang="en-US" sz="1800" dirty="0"/>
+              <a:t> </a:t>
+            </a:r>
+            <a:r>
+              <a:rPr lang="en-US" sz="1800" dirty="0" err="1"/>
+              <a:t>bào</a:t>
             </a:r>
             <a:r>
               <a:rPr lang="en-US" sz="1800" dirty="0"/>
@@ -16030,11 +16143,99 @@
             </a:r>
             <a:r>
               <a:rPr lang="en-US" sz="1800" dirty="0"/>
-              <a:t> Child B – </a:t>
-            </a:r>
-            <a:r>
-              <a:rPr lang="en-US" sz="1800" dirty="0" err="1"/>
-              <a:t>Viêm</a:t>
+              <a:t>, </a:t>
+            </a:r>
+            <a:r>
+              <a:rPr lang="en-US" sz="1800" dirty="0" err="1"/>
+              <a:t>hội</a:t>
+            </a:r>
+            <a:r>
+              <a:rPr lang="en-US" sz="1800" dirty="0"/>
+              <a:t> </a:t>
+            </a:r>
+            <a:r>
+              <a:rPr lang="en-US" sz="1800" dirty="0" err="1"/>
+              <a:t>chứng</a:t>
+            </a:r>
+            <a:r>
+              <a:rPr lang="en-US" sz="1800" dirty="0"/>
+              <a:t> </a:t>
+            </a:r>
+            <a:r>
+              <a:rPr lang="en-US" sz="1800" dirty="0" err="1"/>
+              <a:t>tăng</a:t>
+            </a:r>
+            <a:r>
+              <a:rPr lang="en-US" sz="1800" dirty="0"/>
+              <a:t> </a:t>
+            </a:r>
+            <a:r>
+              <a:rPr lang="en-US" sz="1800" dirty="0" err="1"/>
+              <a:t>áp</a:t>
+            </a:r>
+            <a:r>
+              <a:rPr lang="en-US" sz="1800" dirty="0"/>
+              <a:t> </a:t>
+            </a:r>
+            <a:r>
+              <a:rPr lang="en-US" sz="1800" dirty="0" err="1"/>
+              <a:t>lực</a:t>
+            </a:r>
+            <a:r>
+              <a:rPr lang="en-US" sz="1800" dirty="0"/>
+              <a:t> </a:t>
+            </a:r>
+            <a:r>
+              <a:rPr lang="en-US" sz="1800" dirty="0" err="1"/>
+              <a:t>tĩnh</a:t>
+            </a:r>
+            <a:r>
+              <a:rPr lang="en-US" sz="1800" dirty="0"/>
+              <a:t> </a:t>
+            </a:r>
+            <a:r>
+              <a:rPr lang="en-US" sz="1800" dirty="0" err="1"/>
+              <a:t>mạch</a:t>
+            </a:r>
+            <a:r>
+              <a:rPr lang="en-US" sz="1800" dirty="0"/>
+              <a:t> </a:t>
+            </a:r>
+            <a:r>
+              <a:rPr lang="en-US" sz="1800" dirty="0" err="1"/>
+              <a:t>cửa</a:t>
+            </a:r>
+            <a:r>
+              <a:rPr lang="en-US" sz="1800" dirty="0"/>
+              <a:t>, </a:t>
+            </a:r>
+            <a:r>
+              <a:rPr lang="en-US" sz="1800" dirty="0" err="1"/>
+              <a:t>thay</a:t>
+            </a:r>
+            <a:r>
+              <a:rPr lang="en-US" sz="1800" dirty="0"/>
+              <a:t> </a:t>
+            </a:r>
+            <a:r>
+              <a:rPr lang="en-US" sz="1800" dirty="0" err="1"/>
+              <a:t>đổi</a:t>
+            </a:r>
+            <a:r>
+              <a:rPr lang="en-US" sz="1800" dirty="0"/>
+              <a:t> </a:t>
+            </a:r>
+            <a:r>
+              <a:rPr lang="en-US" sz="1800" dirty="0" err="1"/>
+              <a:t>hình</a:t>
+            </a:r>
+            <a:r>
+              <a:rPr lang="en-US" sz="1800" dirty="0"/>
+              <a:t> </a:t>
+            </a:r>
+            <a:r>
+              <a:rPr lang="en-US" sz="1800" dirty="0" err="1"/>
+              <a:t>thái</a:t>
             </a:r>
             <a:r>
               <a:rPr lang="en-US" sz="1800" dirty="0"/>
@@ -16046,7 +16247,31 @@
             </a:r>
             <a:r>
               <a:rPr lang="en-US" sz="1800" dirty="0"/>
-              <a:t> B</a:t>
+              <a:t> </a:t>
+            </a:r>
+            <a:r>
+              <a:rPr lang="en-US" sz="1800" dirty="0" err="1"/>
+              <a:t>chưa</a:t>
+            </a:r>
+            <a:r>
+              <a:rPr lang="en-US" sz="1800" dirty="0"/>
+              <a:t> </a:t>
+            </a:r>
+            <a:r>
+              <a:rPr lang="en-US" sz="1800" dirty="0" err="1"/>
+              <a:t>thuyên</a:t>
+            </a:r>
+            <a:r>
+              <a:rPr lang="en-US" sz="1800" dirty="0"/>
+              <a:t> </a:t>
+            </a:r>
+            <a:r>
+              <a:rPr lang="en-US" sz="1800" dirty="0" err="1"/>
+              <a:t>giảm</a:t>
+            </a:r>
+            <a:r>
+              <a:rPr lang="en-US" sz="1800" dirty="0"/>
+              <a:t>.</a:t>
             </a:r>
           </a:p>
         </p:txBody>
@@ -16054,7 +16279,7 @@
     </p:spTree>
     <p:extLst>
       <p:ext uri="{BB962C8B-B14F-4D97-AF65-F5344CB8AC3E}">
-        <p14:creationId xmlns:p14="http://schemas.microsoft.com/office/powerpoint/2010/main" val="2771832912"/>
+        <p14:creationId xmlns:p14="http://schemas.microsoft.com/office/powerpoint/2010/main" val="7426312"/>
       </p:ext>
     </p:extLst>
   </p:cSld>
@@ -16117,7 +16342,7 @@
             </a:pPr>
             <a:r>
               <a:rPr lang="en" dirty="0"/>
-              <a:t>IX. ĐIỀU TRỊ</a:t>
+              <a:t>VIII. CHẨN ĐOÁN</a:t>
             </a:r>
             <a:endParaRPr dirty="0"/>
           </a:p>
@@ -16135,8 +16360,8 @@
         </p:nvSpPr>
         <p:spPr>
           <a:xfrm>
-            <a:off x="234224" y="1057748"/>
-            <a:ext cx="8290560" cy="3797477"/>
+            <a:off x="259981" y="1152475"/>
+            <a:ext cx="8290560" cy="908146"/>
           </a:xfrm>
           <a:prstGeom prst="rect">
             <a:avLst/>
@@ -16156,337 +16381,64 @@
               <a:buNone/>
             </a:pPr>
             <a:r>
-              <a:rPr lang="en-US" sz="2000" b="1" dirty="0"/>
-              <a:t>1. </a:t>
-            </a:r>
-            <a:r>
-              <a:rPr lang="en-US" sz="2000" b="1" dirty="0" err="1"/>
-              <a:t>Hướng</a:t>
-            </a:r>
-            <a:r>
-              <a:rPr lang="en-US" sz="2000" b="1" dirty="0"/>
-              <a:t> </a:t>
-            </a:r>
-            <a:r>
-              <a:rPr lang="en-US" sz="2000" b="1" dirty="0" err="1"/>
-              <a:t>điều</a:t>
-            </a:r>
-            <a:r>
-              <a:rPr lang="en-US" sz="2000" b="1" dirty="0"/>
-              <a:t> </a:t>
-            </a:r>
-            <a:r>
-              <a:rPr lang="en-US" sz="2000" b="1" dirty="0" err="1"/>
-              <a:t>trị</a:t>
-            </a:r>
-            <a:endParaRPr lang="en-US" sz="2000" b="1" dirty="0"/>
-          </a:p>
-          <a:p>
-            <a:pPr marL="285750" indent="-285750">
-              <a:buClr>
-                <a:srgbClr val="002060"/>
-              </a:buClr>
-              <a:buSzPct val="100000"/>
-              <a:buFont typeface="Arial" panose="020B0604020202020204" pitchFamily="34" charset="0"/>
-              <a:buChar char="•"/>
-            </a:pPr>
-            <a:r>
-              <a:rPr lang="en-US" sz="1800" dirty="0" err="1"/>
-              <a:t>Giảm</a:t>
-            </a:r>
-            <a:r>
-              <a:rPr lang="en-US" sz="1800" dirty="0"/>
-              <a:t> </a:t>
-            </a:r>
-            <a:r>
-              <a:rPr lang="en-US" sz="1800" dirty="0" err="1"/>
-              <a:t>đau</a:t>
-            </a:r>
-            <a:r>
-              <a:rPr lang="en-US" sz="1800" dirty="0"/>
-              <a:t> </a:t>
-            </a:r>
-            <a:r>
-              <a:rPr lang="en-US" sz="1800" dirty="0" err="1"/>
-              <a:t>và</a:t>
-            </a:r>
-            <a:r>
-              <a:rPr lang="en-US" sz="1800" dirty="0"/>
-              <a:t> </a:t>
-            </a:r>
-            <a:r>
-              <a:rPr lang="en-US" sz="1800" dirty="0" err="1"/>
-              <a:t>chăm</a:t>
-            </a:r>
-            <a:r>
-              <a:rPr lang="en-US" sz="1800" dirty="0"/>
-              <a:t> </a:t>
-            </a:r>
-            <a:r>
-              <a:rPr lang="en-US" sz="1800" dirty="0" err="1"/>
-              <a:t>sóc</a:t>
-            </a:r>
-            <a:r>
-              <a:rPr lang="en-US" sz="1800" dirty="0"/>
-              <a:t> </a:t>
-            </a:r>
-            <a:r>
-              <a:rPr lang="en-US" sz="1800" dirty="0" err="1"/>
-              <a:t>giảm</a:t>
-            </a:r>
-            <a:r>
-              <a:rPr lang="en-US" sz="1800" dirty="0"/>
-              <a:t> </a:t>
-            </a:r>
-            <a:r>
-              <a:rPr lang="en-US" sz="1800" dirty="0" err="1"/>
-              <a:t>nhẹ</a:t>
-            </a:r>
-            <a:r>
-              <a:rPr lang="en-US" sz="1800" dirty="0"/>
-              <a:t> </a:t>
-            </a:r>
-            <a:r>
-              <a:rPr lang="en-US" sz="1800" dirty="0" err="1"/>
-              <a:t>triệu</a:t>
-            </a:r>
-            <a:r>
-              <a:rPr lang="en-US" sz="1800" dirty="0"/>
-              <a:t> </a:t>
-            </a:r>
-            <a:r>
-              <a:rPr lang="en-US" sz="1800" dirty="0" err="1"/>
-              <a:t>chứng</a:t>
-            </a:r>
-            <a:endParaRPr lang="en-US" sz="1800" dirty="0"/>
-          </a:p>
-          <a:p>
-            <a:pPr marL="0" indent="0">
-              <a:buClr>
-                <a:srgbClr val="002060"/>
-              </a:buClr>
-              <a:buSzPct val="100000"/>
-              <a:buNone/>
-            </a:pPr>
-            <a:r>
-              <a:rPr lang="en-US" sz="2000" b="1" dirty="0"/>
-              <a:t>2. </a:t>
-            </a:r>
-            <a:r>
-              <a:rPr lang="en-US" sz="2000" b="1" dirty="0" err="1"/>
-              <a:t>Thuốc</a:t>
-            </a:r>
-            <a:r>
-              <a:rPr lang="en-US" sz="2000" b="1" dirty="0"/>
-              <a:t> </a:t>
-            </a:r>
-            <a:r>
-              <a:rPr lang="en-US" sz="2000" b="1" dirty="0" err="1"/>
-              <a:t>cụ</a:t>
-            </a:r>
-            <a:r>
-              <a:rPr lang="en-US" sz="2000" b="1" dirty="0"/>
-              <a:t> </a:t>
-            </a:r>
-            <a:r>
-              <a:rPr lang="en-US" sz="2000" b="1" dirty="0" err="1"/>
-              <a:t>thể</a:t>
-            </a:r>
-            <a:endParaRPr lang="en-US" sz="2000" b="1" dirty="0"/>
-          </a:p>
-          <a:p>
-            <a:pPr marL="285750" indent="-285750">
-              <a:buClr>
-                <a:srgbClr val="002060"/>
-              </a:buClr>
-              <a:buSzPct val="100000"/>
-              <a:buFont typeface="Arial" panose="020B0604020202020204" pitchFamily="34" charset="0"/>
-              <a:buChar char="•"/>
-            </a:pPr>
-            <a:r>
-              <a:rPr lang="en-US" sz="1800" dirty="0" err="1"/>
-              <a:t>Quinrox</a:t>
-            </a:r>
-            <a:r>
-              <a:rPr lang="en-US" sz="1800" dirty="0"/>
-              <a:t> 400/40 x 02 </a:t>
-            </a:r>
-            <a:r>
-              <a:rPr lang="en-US" sz="1800" dirty="0" err="1"/>
-              <a:t>lọ</a:t>
-            </a:r>
-            <a:r>
-              <a:rPr lang="en-US" sz="1800" dirty="0"/>
-              <a:t>/</a:t>
-            </a:r>
-            <a:r>
-              <a:rPr lang="en-US" sz="1800" dirty="0" err="1"/>
-              <a:t>ngày</a:t>
-            </a:r>
-            <a:r>
-              <a:rPr lang="en-US" sz="1800" dirty="0"/>
-              <a:t> </a:t>
-            </a:r>
-            <a:r>
-              <a:rPr lang="en-US" sz="1800" dirty="0" err="1"/>
-              <a:t>truyền</a:t>
-            </a:r>
-            <a:r>
-              <a:rPr lang="en-US" sz="1800" dirty="0"/>
-              <a:t> </a:t>
-            </a:r>
-            <a:r>
-              <a:rPr lang="en-US" sz="1800" dirty="0" err="1"/>
-              <a:t>tĩnh</a:t>
-            </a:r>
-            <a:r>
-              <a:rPr lang="en-US" sz="1800" dirty="0"/>
-              <a:t> </a:t>
-            </a:r>
-            <a:r>
-              <a:rPr lang="en-US" sz="1800" dirty="0" err="1"/>
-              <a:t>mạch</a:t>
-            </a:r>
-            <a:r>
-              <a:rPr lang="en-US" sz="1800" dirty="0"/>
-              <a:t> </a:t>
-            </a:r>
-            <a:r>
-              <a:rPr lang="en-US" sz="1800" dirty="0" err="1"/>
-              <a:t>sáng</a:t>
-            </a:r>
-            <a:r>
-              <a:rPr lang="en-US" sz="1800" dirty="0"/>
-              <a:t>/</a:t>
-            </a:r>
-            <a:r>
-              <a:rPr lang="en-US" sz="1800" dirty="0" err="1"/>
-              <a:t>chiều</a:t>
-            </a:r>
-            <a:endParaRPr lang="en-US" sz="1800" dirty="0"/>
-          </a:p>
-          <a:p>
-            <a:pPr marL="285750" indent="-285750">
-              <a:buClr>
-                <a:srgbClr val="002060"/>
-              </a:buClr>
-              <a:buSzPct val="100000"/>
-              <a:buFont typeface="Arial" panose="020B0604020202020204" pitchFamily="34" charset="0"/>
-              <a:buChar char="•"/>
-            </a:pPr>
-            <a:r>
-              <a:rPr lang="en-US" sz="1800" dirty="0" err="1"/>
-              <a:t>Eroleucin</a:t>
-            </a:r>
-            <a:r>
-              <a:rPr lang="en-US" sz="1800" dirty="0"/>
-              <a:t> x 01 </a:t>
-            </a:r>
-            <a:r>
-              <a:rPr lang="en-US" sz="1800" dirty="0" err="1"/>
-              <a:t>gói</a:t>
-            </a:r>
-            <a:r>
-              <a:rPr lang="en-US" sz="1800" dirty="0"/>
-              <a:t>/</a:t>
-            </a:r>
-            <a:r>
-              <a:rPr lang="en-US" sz="1800" dirty="0" err="1"/>
-              <a:t>ngày</a:t>
-            </a:r>
-            <a:r>
-              <a:rPr lang="en-US" sz="1800" dirty="0"/>
-              <a:t> </a:t>
-            </a:r>
-            <a:r>
-              <a:rPr lang="en-US" sz="1800" dirty="0" err="1"/>
-              <a:t>uống</a:t>
-            </a:r>
-            <a:r>
-              <a:rPr lang="en-US" sz="1800" dirty="0"/>
-              <a:t> </a:t>
-            </a:r>
-            <a:r>
-              <a:rPr lang="en-US" sz="1800" dirty="0" err="1"/>
-              <a:t>sáng</a:t>
-            </a:r>
-            <a:endParaRPr lang="en-US" sz="1800" dirty="0"/>
-          </a:p>
-          <a:p>
-            <a:pPr marL="285750" indent="-285750">
-              <a:buClr>
-                <a:srgbClr val="002060"/>
-              </a:buClr>
-              <a:buSzPct val="100000"/>
-              <a:buFont typeface="Arial" panose="020B0604020202020204" pitchFamily="34" charset="0"/>
-              <a:buChar char="•"/>
-            </a:pPr>
-            <a:r>
-              <a:rPr lang="en-US" sz="1800" dirty="0" err="1"/>
-              <a:t>Algesin</a:t>
-            </a:r>
-            <a:r>
-              <a:rPr lang="en-US" sz="1800" dirty="0"/>
-              <a:t>-N x 02 </a:t>
-            </a:r>
-            <a:r>
-              <a:rPr lang="en-US" sz="1800" dirty="0" err="1"/>
-              <a:t>ống</a:t>
-            </a:r>
-            <a:r>
-              <a:rPr lang="en-US" sz="1800" dirty="0"/>
-              <a:t>/</a:t>
-            </a:r>
-            <a:r>
-              <a:rPr lang="en-US" sz="1800" dirty="0" err="1"/>
-              <a:t>ngày</a:t>
-            </a:r>
-            <a:r>
-              <a:rPr lang="en-US" sz="1800" dirty="0"/>
-              <a:t> </a:t>
-            </a:r>
-            <a:r>
-              <a:rPr lang="en-US" sz="1800" dirty="0" err="1"/>
-              <a:t>tiêm</a:t>
-            </a:r>
-            <a:r>
-              <a:rPr lang="en-US" sz="1800" dirty="0"/>
-              <a:t> </a:t>
-            </a:r>
-            <a:r>
-              <a:rPr lang="en-US" sz="1800" dirty="0" err="1"/>
-              <a:t>bắp</a:t>
-            </a:r>
-            <a:endParaRPr lang="en-US" sz="1800" dirty="0"/>
-          </a:p>
-          <a:p>
-            <a:pPr marL="285750" indent="-285750">
-              <a:buClr>
-                <a:srgbClr val="002060"/>
-              </a:buClr>
-              <a:buSzPct val="100000"/>
-              <a:buFont typeface="Arial" panose="020B0604020202020204" pitchFamily="34" charset="0"/>
-              <a:buChar char="•"/>
-            </a:pPr>
-            <a:endParaRPr lang="en-US" sz="1800" dirty="0"/>
-          </a:p>
-          <a:p>
-            <a:pPr marL="285750" indent="-285750">
-              <a:buClr>
-                <a:srgbClr val="002060"/>
-              </a:buClr>
-              <a:buSzPct val="100000"/>
-              <a:buFont typeface="Arial" panose="020B0604020202020204" pitchFamily="34" charset="0"/>
-              <a:buChar char="•"/>
-            </a:pPr>
-            <a:endParaRPr lang="en-US" sz="1800" dirty="0"/>
+              <a:rPr lang="en-US" sz="1800" dirty="0"/>
+              <a:t>HCC </a:t>
+            </a:r>
+            <a:r>
+              <a:rPr lang="en-US" sz="1800" dirty="0" err="1"/>
+              <a:t>giai</a:t>
+            </a:r>
+            <a:r>
+              <a:rPr lang="en-US" sz="1800" dirty="0"/>
+              <a:t> </a:t>
+            </a:r>
+            <a:r>
+              <a:rPr lang="en-US" sz="1800" dirty="0" err="1"/>
+              <a:t>đoạn</a:t>
+            </a:r>
+            <a:r>
+              <a:rPr lang="en-US" sz="1800" dirty="0"/>
+              <a:t> IVB T2N0M1 / </a:t>
+            </a:r>
+            <a:r>
+              <a:rPr lang="en-US" sz="1800" dirty="0" err="1"/>
+              <a:t>Xơ</a:t>
+            </a:r>
+            <a:r>
+              <a:rPr lang="en-US" sz="1800" dirty="0"/>
+              <a:t> </a:t>
+            </a:r>
+            <a:r>
+              <a:rPr lang="en-US" sz="1800" dirty="0" err="1"/>
+              <a:t>gan</a:t>
+            </a:r>
+            <a:r>
+              <a:rPr lang="en-US" sz="1800" dirty="0"/>
+              <a:t> Child B – </a:t>
+            </a:r>
+            <a:r>
+              <a:rPr lang="en-US" sz="1800" dirty="0" err="1"/>
+              <a:t>Viêm</a:t>
+            </a:r>
+            <a:r>
+              <a:rPr lang="en-US" sz="1800" dirty="0"/>
+              <a:t> </a:t>
+            </a:r>
+            <a:r>
+              <a:rPr lang="en-US" sz="1800" dirty="0" err="1"/>
+              <a:t>gan</a:t>
+            </a:r>
+            <a:r>
+              <a:rPr lang="en-US" sz="1800" dirty="0"/>
+              <a:t> B</a:t>
+            </a:r>
           </a:p>
         </p:txBody>
       </p:sp>
     </p:spTree>
     <p:extLst>
       <p:ext uri="{BB962C8B-B14F-4D97-AF65-F5344CB8AC3E}">
-        <p14:creationId xmlns:p14="http://schemas.microsoft.com/office/powerpoint/2010/main" val="2309426066"/>
+        <p14:creationId xmlns:p14="http://schemas.microsoft.com/office/powerpoint/2010/main" val="2771832912"/>
       </p:ext>
     </p:extLst>
   </p:cSld>
@@ -16549,6 +16501,438 @@
             </a:pPr>
             <a:r>
               <a:rPr lang="en" dirty="0"/>
+              <a:t>IX. ĐIỀU TRỊ</a:t>
+            </a:r>
+            <a:endParaRPr dirty="0"/>
+          </a:p>
+        </p:txBody>
+      </p:sp>
+      <p:sp>
+        <p:nvSpPr>
+          <p:cNvPr id="4776" name="Google Shape;4776;p58"/>
+          <p:cNvSpPr txBox="1">
+            <a:spLocks noGrp="1"/>
+          </p:cNvSpPr>
+          <p:nvPr>
+            <p:ph type="body" idx="1"/>
+          </p:nvPr>
+        </p:nvSpPr>
+        <p:spPr>
+          <a:xfrm>
+            <a:off x="234224" y="1057748"/>
+            <a:ext cx="8290560" cy="3797477"/>
+          </a:xfrm>
+          <a:prstGeom prst="rect">
+            <a:avLst/>
+          </a:prstGeom>
+        </p:spPr>
+        <p:txBody>
+          <a:bodyPr spcFirstLastPara="1" wrap="square" lIns="91425" tIns="91425" rIns="91425" bIns="91425" anchor="t" anchorCtr="0">
+            <a:noAutofit/>
+          </a:bodyPr>
+          <a:lstStyle/>
+          <a:p>
+            <a:pPr marL="0" indent="0">
+              <a:buClr>
+                <a:srgbClr val="002060"/>
+              </a:buClr>
+              <a:buSzPct val="100000"/>
+              <a:buNone/>
+            </a:pPr>
+            <a:r>
+              <a:rPr lang="en-US" sz="2000" b="1" dirty="0"/>
+              <a:t>1. </a:t>
+            </a:r>
+            <a:r>
+              <a:rPr lang="en-US" sz="2000" b="1" dirty="0" err="1"/>
+              <a:t>Hướng</a:t>
+            </a:r>
+            <a:r>
+              <a:rPr lang="en-US" sz="2000" b="1" dirty="0"/>
+              <a:t> </a:t>
+            </a:r>
+            <a:r>
+              <a:rPr lang="en-US" sz="2000" b="1" dirty="0" err="1"/>
+              <a:t>điều</a:t>
+            </a:r>
+            <a:r>
+              <a:rPr lang="en-US" sz="2000" b="1" dirty="0"/>
+              <a:t> </a:t>
+            </a:r>
+            <a:r>
+              <a:rPr lang="en-US" sz="2000" b="1" dirty="0" err="1"/>
+              <a:t>trị</a:t>
+            </a:r>
+            <a:endParaRPr lang="en-US" sz="2000" b="1" dirty="0"/>
+          </a:p>
+          <a:p>
+            <a:pPr marL="285750" indent="-285750">
+              <a:buClr>
+                <a:srgbClr val="002060"/>
+              </a:buClr>
+              <a:buSzPct val="100000"/>
+              <a:buFont typeface="Arial" panose="020B0604020202020204" pitchFamily="34" charset="0"/>
+              <a:buChar char="•"/>
+            </a:pPr>
+            <a:r>
+              <a:rPr lang="en-US" sz="1800" dirty="0" err="1"/>
+              <a:t>Giảm</a:t>
+            </a:r>
+            <a:r>
+              <a:rPr lang="en-US" sz="1800" dirty="0"/>
+              <a:t> </a:t>
+            </a:r>
+            <a:r>
+              <a:rPr lang="en-US" sz="1800" dirty="0" err="1"/>
+              <a:t>đau</a:t>
+            </a:r>
+            <a:r>
+              <a:rPr lang="en-US" sz="1800" dirty="0"/>
+              <a:t> </a:t>
+            </a:r>
+            <a:r>
+              <a:rPr lang="en-US" sz="1800" dirty="0" err="1"/>
+              <a:t>và</a:t>
+            </a:r>
+            <a:r>
+              <a:rPr lang="en-US" sz="1800" dirty="0"/>
+              <a:t> </a:t>
+            </a:r>
+            <a:r>
+              <a:rPr lang="en-US" sz="1800" dirty="0" err="1"/>
+              <a:t>chăm</a:t>
+            </a:r>
+            <a:r>
+              <a:rPr lang="en-US" sz="1800" dirty="0"/>
+              <a:t> </a:t>
+            </a:r>
+            <a:r>
+              <a:rPr lang="en-US" sz="1800" dirty="0" err="1"/>
+              <a:t>sóc</a:t>
+            </a:r>
+            <a:r>
+              <a:rPr lang="en-US" sz="1800" dirty="0"/>
+              <a:t> </a:t>
+            </a:r>
+            <a:r>
+              <a:rPr lang="en-US" sz="1800" dirty="0" err="1"/>
+              <a:t>giảm</a:t>
+            </a:r>
+            <a:r>
+              <a:rPr lang="en-US" sz="1800" dirty="0"/>
+              <a:t> </a:t>
+            </a:r>
+            <a:r>
+              <a:rPr lang="en-US" sz="1800" dirty="0" err="1"/>
+              <a:t>nhẹ</a:t>
+            </a:r>
+            <a:r>
+              <a:rPr lang="en-US" sz="1800" dirty="0"/>
+              <a:t> </a:t>
+            </a:r>
+            <a:r>
+              <a:rPr lang="en-US" sz="1800" dirty="0" err="1"/>
+              <a:t>triệu</a:t>
+            </a:r>
+            <a:r>
+              <a:rPr lang="en-US" sz="1800" dirty="0"/>
+              <a:t> </a:t>
+            </a:r>
+            <a:r>
+              <a:rPr lang="en-US" sz="1800" dirty="0" err="1"/>
+              <a:t>chứng</a:t>
+            </a:r>
+            <a:endParaRPr lang="en-US" sz="1800" dirty="0"/>
+          </a:p>
+          <a:p>
+            <a:pPr marL="0" indent="0">
+              <a:buClr>
+                <a:srgbClr val="002060"/>
+              </a:buClr>
+              <a:buSzPct val="100000"/>
+              <a:buNone/>
+            </a:pPr>
+            <a:r>
+              <a:rPr lang="en-US" sz="2000" b="1" dirty="0"/>
+              <a:t>2. </a:t>
+            </a:r>
+            <a:r>
+              <a:rPr lang="en-US" sz="2000" b="1" dirty="0" err="1"/>
+              <a:t>Thuốc</a:t>
+            </a:r>
+            <a:r>
+              <a:rPr lang="en-US" sz="2000" b="1" dirty="0"/>
+              <a:t> </a:t>
+            </a:r>
+            <a:r>
+              <a:rPr lang="en-US" sz="2000" b="1" dirty="0" err="1"/>
+              <a:t>cụ</a:t>
+            </a:r>
+            <a:r>
+              <a:rPr lang="en-US" sz="2000" b="1" dirty="0"/>
+              <a:t> </a:t>
+            </a:r>
+            <a:r>
+              <a:rPr lang="en-US" sz="2000" b="1" dirty="0" err="1"/>
+              <a:t>thể</a:t>
+            </a:r>
+            <a:endParaRPr lang="en-US" sz="2000" b="1" dirty="0"/>
+          </a:p>
+          <a:p>
+            <a:pPr marL="285750" indent="-285750">
+              <a:buClr>
+                <a:srgbClr val="002060"/>
+              </a:buClr>
+              <a:buSzPct val="100000"/>
+              <a:buFont typeface="Arial" panose="020B0604020202020204" pitchFamily="34" charset="0"/>
+              <a:buChar char="•"/>
+            </a:pPr>
+            <a:r>
+              <a:rPr lang="en-US" sz="1800" dirty="0" err="1"/>
+              <a:t>Quinrox</a:t>
+            </a:r>
+            <a:r>
+              <a:rPr lang="en-US" sz="1800" dirty="0"/>
+              <a:t> 400/40 x 02 </a:t>
+            </a:r>
+            <a:r>
+              <a:rPr lang="en-US" sz="1800" dirty="0" err="1"/>
+              <a:t>lọ</a:t>
+            </a:r>
+            <a:r>
+              <a:rPr lang="en-US" sz="1800" dirty="0"/>
+              <a:t>/</a:t>
+            </a:r>
+            <a:r>
+              <a:rPr lang="en-US" sz="1800" dirty="0" err="1"/>
+              <a:t>ngày</a:t>
+            </a:r>
+            <a:r>
+              <a:rPr lang="en-US" sz="1800" dirty="0"/>
+              <a:t> </a:t>
+            </a:r>
+            <a:r>
+              <a:rPr lang="en-US" sz="1800" dirty="0" err="1"/>
+              <a:t>truyền</a:t>
+            </a:r>
+            <a:r>
+              <a:rPr lang="en-US" sz="1800" dirty="0"/>
+              <a:t> </a:t>
+            </a:r>
+            <a:r>
+              <a:rPr lang="en-US" sz="1800" dirty="0" err="1"/>
+              <a:t>tĩnh</a:t>
+            </a:r>
+            <a:r>
+              <a:rPr lang="en-US" sz="1800" dirty="0"/>
+              <a:t> </a:t>
+            </a:r>
+            <a:r>
+              <a:rPr lang="en-US" sz="1800" dirty="0" err="1"/>
+              <a:t>mạch</a:t>
+            </a:r>
+            <a:r>
+              <a:rPr lang="en-US" sz="1800" dirty="0"/>
+              <a:t> </a:t>
+            </a:r>
+            <a:r>
+              <a:rPr lang="en-US" sz="1800" dirty="0" err="1"/>
+              <a:t>sáng</a:t>
+            </a:r>
+            <a:r>
+              <a:rPr lang="en-US" sz="1800" dirty="0"/>
+              <a:t>/</a:t>
+            </a:r>
+            <a:r>
+              <a:rPr lang="en-US" sz="1800" dirty="0" err="1"/>
+              <a:t>chiều</a:t>
+            </a:r>
+            <a:endParaRPr lang="en-US" sz="1800" dirty="0"/>
+          </a:p>
+          <a:p>
+            <a:pPr marL="285750" indent="-285750">
+              <a:buClr>
+                <a:srgbClr val="002060"/>
+              </a:buClr>
+              <a:buSzPct val="100000"/>
+              <a:buFont typeface="Arial" panose="020B0604020202020204" pitchFamily="34" charset="0"/>
+              <a:buChar char="•"/>
+            </a:pPr>
+            <a:r>
+              <a:rPr lang="en-US" sz="1800" dirty="0" err="1"/>
+              <a:t>Eroleucin</a:t>
+            </a:r>
+            <a:r>
+              <a:rPr lang="en-US" sz="1800" dirty="0"/>
+              <a:t> x 01 </a:t>
+            </a:r>
+            <a:r>
+              <a:rPr lang="en-US" sz="1800" dirty="0" err="1"/>
+              <a:t>gói</a:t>
+            </a:r>
+            <a:r>
+              <a:rPr lang="en-US" sz="1800" dirty="0"/>
+              <a:t>/</a:t>
+            </a:r>
+            <a:r>
+              <a:rPr lang="en-US" sz="1800" dirty="0" err="1"/>
+              <a:t>ngày</a:t>
+            </a:r>
+            <a:r>
+              <a:rPr lang="en-US" sz="1800" dirty="0"/>
+              <a:t> </a:t>
+            </a:r>
+            <a:r>
+              <a:rPr lang="en-US" sz="1800" dirty="0" err="1"/>
+              <a:t>uống</a:t>
+            </a:r>
+            <a:r>
+              <a:rPr lang="en-US" sz="1800" dirty="0"/>
+              <a:t> </a:t>
+            </a:r>
+            <a:r>
+              <a:rPr lang="en-US" sz="1800" dirty="0" err="1"/>
+              <a:t>sáng</a:t>
+            </a:r>
+            <a:endParaRPr lang="en-US" sz="1800" dirty="0"/>
+          </a:p>
+          <a:p>
+            <a:pPr marL="285750" indent="-285750">
+              <a:buClr>
+                <a:srgbClr val="002060"/>
+              </a:buClr>
+              <a:buSzPct val="100000"/>
+              <a:buFont typeface="Arial" panose="020B0604020202020204" pitchFamily="34" charset="0"/>
+              <a:buChar char="•"/>
+            </a:pPr>
+            <a:r>
+              <a:rPr lang="en-US" sz="1800" dirty="0" err="1"/>
+              <a:t>Algesin</a:t>
+            </a:r>
+            <a:r>
+              <a:rPr lang="en-US" sz="1800" dirty="0"/>
+              <a:t>-N x 02 </a:t>
+            </a:r>
+            <a:r>
+              <a:rPr lang="en-US" sz="1800" dirty="0" err="1"/>
+              <a:t>ống</a:t>
+            </a:r>
+            <a:r>
+              <a:rPr lang="en-US" sz="1800" dirty="0"/>
+              <a:t>/</a:t>
+            </a:r>
+            <a:r>
+              <a:rPr lang="en-US" sz="1800" dirty="0" err="1"/>
+              <a:t>ngày</a:t>
+            </a:r>
+            <a:r>
+              <a:rPr lang="en-US" sz="1800" dirty="0"/>
+              <a:t> </a:t>
+            </a:r>
+            <a:r>
+              <a:rPr lang="en-US" sz="1800" dirty="0" err="1"/>
+              <a:t>tiêm</a:t>
+            </a:r>
+            <a:r>
+              <a:rPr lang="en-US" sz="1800" dirty="0"/>
+              <a:t> </a:t>
+            </a:r>
+            <a:r>
+              <a:rPr lang="en-US" sz="1800" dirty="0" err="1"/>
+              <a:t>bắp</a:t>
+            </a:r>
+            <a:endParaRPr lang="en-US" sz="1800" dirty="0"/>
+          </a:p>
+          <a:p>
+            <a:pPr marL="285750" indent="-285750">
+              <a:buClr>
+                <a:srgbClr val="002060"/>
+              </a:buClr>
+              <a:buSzPct val="100000"/>
+              <a:buFont typeface="Arial" panose="020B0604020202020204" pitchFamily="34" charset="0"/>
+              <a:buChar char="•"/>
+            </a:pPr>
+            <a:endParaRPr lang="en-US" sz="1800" dirty="0"/>
+          </a:p>
+          <a:p>
+            <a:pPr marL="285750" indent="-285750">
+              <a:buClr>
+                <a:srgbClr val="002060"/>
+              </a:buClr>
+              <a:buSzPct val="100000"/>
+              <a:buFont typeface="Arial" panose="020B0604020202020204" pitchFamily="34" charset="0"/>
+              <a:buChar char="•"/>
+            </a:pPr>
+            <a:endParaRPr lang="en-US" sz="1800" dirty="0"/>
+          </a:p>
+        </p:txBody>
+      </p:sp>
+    </p:spTree>
+    <p:extLst>
+      <p:ext uri="{BB962C8B-B14F-4D97-AF65-F5344CB8AC3E}">
+        <p14:creationId xmlns:p14="http://schemas.microsoft.com/office/powerpoint/2010/main" val="2309426066"/>
+      </p:ext>
+    </p:extLst>
+  </p:cSld>
+  <p:clrMapOvr>
+    <a:masterClrMapping/>
+  </p:clrMapOvr>
+</p:sld>
+</file>
+
+<file path=ppt/slides/slide24.xml><?xml version="1.0" encoding="utf-8"?>
+<p:sld xmlns:a="http://schemas.openxmlformats.org/drawingml/2006/main" xmlns:r="http://schemas.openxmlformats.org/officeDocument/2006/relationships" xmlns:p="http://schemas.openxmlformats.org/presentationml/2006/main">
+  <p:cSld>
+    <p:spTree>
+      <p:nvGrpSpPr>
+        <p:cNvPr id="1" name="Shape 4774"/>
+        <p:cNvGrpSpPr/>
+        <p:nvPr/>
+      </p:nvGrpSpPr>
+      <p:grpSpPr>
+        <a:xfrm>
+          <a:off x="0" y="0"/>
+          <a:ext cx="0" cy="0"/>
+          <a:chOff x="0" y="0"/>
+          <a:chExt cx="0" cy="0"/>
+        </a:xfrm>
+      </p:grpSpPr>
+      <p:sp>
+        <p:nvSpPr>
+          <p:cNvPr id="4775" name="Google Shape;4775;p58"/>
+          <p:cNvSpPr txBox="1">
+            <a:spLocks noGrp="1"/>
+          </p:cNvSpPr>
+          <p:nvPr>
+            <p:ph type="title"/>
+          </p:nvPr>
+        </p:nvSpPr>
+        <p:spPr>
+          <a:xfrm>
+            <a:off x="0" y="288275"/>
+            <a:ext cx="7738200" cy="572700"/>
+          </a:xfrm>
+          <a:prstGeom prst="rect">
+            <a:avLst/>
+          </a:prstGeom>
+        </p:spPr>
+        <p:txBody>
+          <a:bodyPr spcFirstLastPara="1" wrap="square" lIns="91425" tIns="91425" rIns="91425" bIns="91425" anchor="t" anchorCtr="0">
+            <a:noAutofit/>
+          </a:bodyPr>
+          <a:lstStyle/>
+          <a:p>
+            <a:pPr marL="0" lvl="0" indent="0" algn="l" rtl="0">
+              <a:spcBef>
+                <a:spcPts val="0"/>
+              </a:spcBef>
+              <a:spcAft>
+                <a:spcPts val="0"/>
+              </a:spcAft>
+              <a:buNone/>
+            </a:pPr>
+            <a:r>
+              <a:rPr lang="en" dirty="0"/>
               <a:t>X. TIÊN LƯỢNG</a:t>
             </a:r>
             <a:endParaRPr dirty="0"/>
@@ -16631,7 +17015,7 @@
 </p:sld>
 </file>
 
-<file path=ppt/slides/slide24.xml><?xml version="1.0" encoding="utf-8"?>
+<file path=ppt/slides/slide25.xml><?xml version="1.0" encoding="utf-8"?>
 <p:sld xmlns:a="http://schemas.openxmlformats.org/drawingml/2006/main" xmlns:r="http://schemas.openxmlformats.org/officeDocument/2006/relationships" xmlns:p="http://schemas.openxmlformats.org/presentationml/2006/main">
   <p:cSld>
     <p:spTree>
